--- a/Stakeholder_Update.pptx
+++ b/Stakeholder_Update.pptx
@@ -1,37 +1,37 @@
 
 <file path=ppt/presentation.xml><?xml version="1.0" encoding="utf-8"?>
-<p:presentation xmlns:a="http://schemas.openxmlformats.org/drawingml/2006/main" xmlns:r="http://schemas.openxmlformats.org/officeDocument/2006/relationships" xmlns:mc="http://schemas.openxmlformats.org/markup-compatibility/2006" xmlns:mv="urn:schemas-microsoft-com:mac:vml" xmlns:p="http://schemas.openxmlformats.org/presentationml/2006/main" xmlns:c="http://schemas.openxmlformats.org/drawingml/2006/chart" xmlns:dgm="http://schemas.openxmlformats.org/drawingml/2006/diagram" xmlns:o="urn:schemas-microsoft-com:office:office" xmlns:v="urn:schemas-microsoft-com:vml" xmlns:pvml="urn:schemas-microsoft-com:office:powerpoint" xmlns:com="http://schemas.openxmlformats.org/drawingml/2006/compatibility" xmlns:p14="http://schemas.microsoft.com/office/powerpoint/2010/main" xmlns:p15="http://schemas.microsoft.com/office/powerpoint/2012/main" xmlns:ahyp="http://schemas.microsoft.com/office/drawing/2018/hyperlinkcolor" autoCompressPictures="0" embedTrueTypeFonts="1" strictFirstAndLastChars="0" saveSubsetFonts="1">
+<p:presentation xmlns:a="http://schemas.openxmlformats.org/drawingml/2006/main" xmlns:r="http://schemas.openxmlformats.org/officeDocument/2006/relationships" xmlns:p="http://schemas.openxmlformats.org/presentationml/2006/main" strictFirstAndLastChars="0" embedTrueTypeFonts="1" saveSubsetFonts="1" autoCompressPictures="0">
   <p:sldMasterIdLst>
-    <p:sldMasterId id="2147483659" r:id="rId4"/>
+    <p:sldMasterId id="2147483659" r:id="rId1"/>
   </p:sldMasterIdLst>
   <p:notesMasterIdLst>
     <p:notesMasterId r:id="rId5"/>
   </p:notesMasterIdLst>
   <p:sldIdLst>
-    <p:sldId id="256" r:id="rId6"/>
-    <p:sldId id="257" r:id="rId7"/>
-    <p:sldId id="258" r:id="rId8"/>
+    <p:sldId id="256" r:id="rId2"/>
+    <p:sldId id="257" r:id="rId3"/>
+    <p:sldId id="258" r:id="rId4"/>
   </p:sldIdLst>
-  <p:sldSz cy="5143500" cx="9144000"/>
+  <p:sldSz cx="9144000" cy="5143500" type="screen16x9"/>
   <p:notesSz cx="6858000" cy="9144000"/>
   <p:embeddedFontLst>
     <p:embeddedFont>
-      <p:font typeface="Raleway"/>
-      <p:regular r:id="rId9"/>
-      <p:bold r:id="rId10"/>
-      <p:italic r:id="rId11"/>
-      <p:boldItalic r:id="rId12"/>
+      <p:font typeface="Lato" panose="020F0502020204030203" pitchFamily="34" charset="0"/>
+      <p:regular r:id="rId6"/>
+      <p:bold r:id="rId7"/>
+      <p:italic r:id="rId8"/>
+      <p:boldItalic r:id="rId9"/>
     </p:embeddedFont>
     <p:embeddedFont>
-      <p:font typeface="Lato"/>
-      <p:regular r:id="rId13"/>
-      <p:bold r:id="rId14"/>
-      <p:italic r:id="rId15"/>
-      <p:boldItalic r:id="rId16"/>
+      <p:font typeface="Raleway" pitchFamily="2" charset="77"/>
+      <p:regular r:id="rId10"/>
+      <p:bold r:id="rId11"/>
+      <p:italic r:id="rId12"/>
+      <p:boldItalic r:id="rId13"/>
     </p:embeddedFont>
   </p:embeddedFontLst>
   <p:defaultTextStyle>
-    <a:defPPr lvl="0" marR="0" rtl="0" algn="l">
+    <a:defPPr marR="0" lvl="0" algn="l" rtl="0">
       <a:lnSpc>
         <a:spcPct val="100000"/>
       </a:lnSpc>
@@ -42,7 +42,7 @@
         <a:spcPts val="0"/>
       </a:spcAft>
     </a:defPPr>
-    <a:lvl1pPr lvl="0" marR="0" rtl="0" algn="l">
+    <a:lvl1pPr marR="0" lvl="0" algn="l" rtl="0">
       <a:lnSpc>
         <a:spcPct val="100000"/>
       </a:lnSpc>
@@ -56,7 +56,7 @@
         <a:srgbClr val="000000"/>
       </a:buClr>
       <a:buFont typeface="Arial"/>
-      <a:defRPr b="0" i="0" sz="1400" u="none" cap="none" strike="noStrike">
+      <a:defRPr sz="1400" b="0" i="0" u="none" strike="noStrike" cap="none">
         <a:solidFill>
           <a:srgbClr val="000000"/>
         </a:solidFill>
@@ -66,7 +66,7 @@
         <a:sym typeface="Arial"/>
       </a:defRPr>
     </a:lvl1pPr>
-    <a:lvl2pPr lvl="1" marR="0" rtl="0" algn="l">
+    <a:lvl2pPr marR="0" lvl="1" algn="l" rtl="0">
       <a:lnSpc>
         <a:spcPct val="100000"/>
       </a:lnSpc>
@@ -80,7 +80,7 @@
         <a:srgbClr val="000000"/>
       </a:buClr>
       <a:buFont typeface="Arial"/>
-      <a:defRPr b="0" i="0" sz="1400" u="none" cap="none" strike="noStrike">
+      <a:defRPr sz="1400" b="0" i="0" u="none" strike="noStrike" cap="none">
         <a:solidFill>
           <a:srgbClr val="000000"/>
         </a:solidFill>
@@ -90,7 +90,7 @@
         <a:sym typeface="Arial"/>
       </a:defRPr>
     </a:lvl2pPr>
-    <a:lvl3pPr lvl="2" marR="0" rtl="0" algn="l">
+    <a:lvl3pPr marR="0" lvl="2" algn="l" rtl="0">
       <a:lnSpc>
         <a:spcPct val="100000"/>
       </a:lnSpc>
@@ -104,7 +104,7 @@
         <a:srgbClr val="000000"/>
       </a:buClr>
       <a:buFont typeface="Arial"/>
-      <a:defRPr b="0" i="0" sz="1400" u="none" cap="none" strike="noStrike">
+      <a:defRPr sz="1400" b="0" i="0" u="none" strike="noStrike" cap="none">
         <a:solidFill>
           <a:srgbClr val="000000"/>
         </a:solidFill>
@@ -114,7 +114,7 @@
         <a:sym typeface="Arial"/>
       </a:defRPr>
     </a:lvl3pPr>
-    <a:lvl4pPr lvl="3" marR="0" rtl="0" algn="l">
+    <a:lvl4pPr marR="0" lvl="3" algn="l" rtl="0">
       <a:lnSpc>
         <a:spcPct val="100000"/>
       </a:lnSpc>
@@ -128,7 +128,7 @@
         <a:srgbClr val="000000"/>
       </a:buClr>
       <a:buFont typeface="Arial"/>
-      <a:defRPr b="0" i="0" sz="1400" u="none" cap="none" strike="noStrike">
+      <a:defRPr sz="1400" b="0" i="0" u="none" strike="noStrike" cap="none">
         <a:solidFill>
           <a:srgbClr val="000000"/>
         </a:solidFill>
@@ -138,7 +138,7 @@
         <a:sym typeface="Arial"/>
       </a:defRPr>
     </a:lvl4pPr>
-    <a:lvl5pPr lvl="4" marR="0" rtl="0" algn="l">
+    <a:lvl5pPr marR="0" lvl="4" algn="l" rtl="0">
       <a:lnSpc>
         <a:spcPct val="100000"/>
       </a:lnSpc>
@@ -152,7 +152,7 @@
         <a:srgbClr val="000000"/>
       </a:buClr>
       <a:buFont typeface="Arial"/>
-      <a:defRPr b="0" i="0" sz="1400" u="none" cap="none" strike="noStrike">
+      <a:defRPr sz="1400" b="0" i="0" u="none" strike="noStrike" cap="none">
         <a:solidFill>
           <a:srgbClr val="000000"/>
         </a:solidFill>
@@ -162,7 +162,7 @@
         <a:sym typeface="Arial"/>
       </a:defRPr>
     </a:lvl5pPr>
-    <a:lvl6pPr lvl="5" marR="0" rtl="0" algn="l">
+    <a:lvl6pPr marR="0" lvl="5" algn="l" rtl="0">
       <a:lnSpc>
         <a:spcPct val="100000"/>
       </a:lnSpc>
@@ -176,7 +176,7 @@
         <a:srgbClr val="000000"/>
       </a:buClr>
       <a:buFont typeface="Arial"/>
-      <a:defRPr b="0" i="0" sz="1400" u="none" cap="none" strike="noStrike">
+      <a:defRPr sz="1400" b="0" i="0" u="none" strike="noStrike" cap="none">
         <a:solidFill>
           <a:srgbClr val="000000"/>
         </a:solidFill>
@@ -186,7 +186,7 @@
         <a:sym typeface="Arial"/>
       </a:defRPr>
     </a:lvl6pPr>
-    <a:lvl7pPr lvl="6" marR="0" rtl="0" algn="l">
+    <a:lvl7pPr marR="0" lvl="6" algn="l" rtl="0">
       <a:lnSpc>
         <a:spcPct val="100000"/>
       </a:lnSpc>
@@ -200,7 +200,7 @@
         <a:srgbClr val="000000"/>
       </a:buClr>
       <a:buFont typeface="Arial"/>
-      <a:defRPr b="0" i="0" sz="1400" u="none" cap="none" strike="noStrike">
+      <a:defRPr sz="1400" b="0" i="0" u="none" strike="noStrike" cap="none">
         <a:solidFill>
           <a:srgbClr val="000000"/>
         </a:solidFill>
@@ -210,7 +210,7 @@
         <a:sym typeface="Arial"/>
       </a:defRPr>
     </a:lvl7pPr>
-    <a:lvl8pPr lvl="7" marR="0" rtl="0" algn="l">
+    <a:lvl8pPr marR="0" lvl="7" algn="l" rtl="0">
       <a:lnSpc>
         <a:spcPct val="100000"/>
       </a:lnSpc>
@@ -224,7 +224,7 @@
         <a:srgbClr val="000000"/>
       </a:buClr>
       <a:buFont typeface="Arial"/>
-      <a:defRPr b="0" i="0" sz="1400" u="none" cap="none" strike="noStrike">
+      <a:defRPr sz="1400" b="0" i="0" u="none" strike="noStrike" cap="none">
         <a:solidFill>
           <a:srgbClr val="000000"/>
         </a:solidFill>
@@ -234,7 +234,7 @@
         <a:sym typeface="Arial"/>
       </a:defRPr>
     </a:lvl8pPr>
-    <a:lvl9pPr lvl="8" marR="0" rtl="0" algn="l">
+    <a:lvl9pPr marR="0" lvl="8" algn="l" rtl="0">
       <a:lnSpc>
         <a:spcPct val="100000"/>
       </a:lnSpc>
@@ -248,7 +248,7 @@
         <a:srgbClr val="000000"/>
       </a:buClr>
       <a:buFont typeface="Arial"/>
-      <a:defRPr b="0" i="0" sz="1400" u="none" cap="none" strike="noStrike">
+      <a:defRPr sz="1400" b="0" i="0" u="none" strike="noStrike" cap="none">
         <a:solidFill>
           <a:srgbClr val="000000"/>
         </a:solidFill>
@@ -261,7 +261,7 @@
   </p:defaultTextStyle>
   <p:extLst>
     <p:ext uri="{EFAFB233-063F-42B5-8137-9DF3F51BA10A}">
-      <p15:sldGuideLst>
+      <p15:sldGuideLst xmlns:p15="http://schemas.microsoft.com/office/powerpoint/2012/main">
         <p15:guide id="1" orient="horz" pos="1620">
           <p15:clr>
             <a:srgbClr val="A4A3A4"/>
@@ -279,11 +279,16 @@
 </file>
 
 <file path=ppt/notesMasters/notesMaster1.xml><?xml version="1.0" encoding="utf-8"?>
-<p:notesMaster xmlns:a="http://schemas.openxmlformats.org/drawingml/2006/main" xmlns:r="http://schemas.openxmlformats.org/officeDocument/2006/relationships" xmlns:mc="http://schemas.openxmlformats.org/markup-compatibility/2006" xmlns:mv="urn:schemas-microsoft-com:mac:vml" xmlns:p="http://schemas.openxmlformats.org/presentationml/2006/main" xmlns:c="http://schemas.openxmlformats.org/drawingml/2006/chart" xmlns:dgm="http://schemas.openxmlformats.org/drawingml/2006/diagram" xmlns:o="urn:schemas-microsoft-com:office:office" xmlns:v="urn:schemas-microsoft-com:vml" xmlns:pvml="urn:schemas-microsoft-com:office:powerpoint" xmlns:com="http://schemas.openxmlformats.org/drawingml/2006/compatibility" xmlns:p14="http://schemas.microsoft.com/office/powerpoint/2010/main" xmlns:p15="http://schemas.microsoft.com/office/powerpoint/2012/main" xmlns:ahyp="http://schemas.microsoft.com/office/drawing/2018/hyperlinkcolor">
+<p:notesMaster xmlns:a="http://schemas.openxmlformats.org/drawingml/2006/main" xmlns:r="http://schemas.openxmlformats.org/officeDocument/2006/relationships" xmlns:p="http://schemas.openxmlformats.org/presentationml/2006/main">
   <p:cSld>
+    <p:bg>
+      <p:bgRef idx="1001">
+        <a:schemeClr val="bg1"/>
+      </p:bgRef>
+    </p:bg>
     <p:spTree>
       <p:nvGrpSpPr>
-        <p:cNvPr id="2" name="Shape 2"/>
+        <p:cNvPr id="1" name="Shape 2"/>
         <p:cNvGrpSpPr/>
         <p:nvPr/>
       </p:nvGrpSpPr>
@@ -298,9 +303,11 @@
       <p:sp>
         <p:nvSpPr>
           <p:cNvPr id="3" name="Google Shape;3;n"/>
-          <p:cNvSpPr/>
+          <p:cNvSpPr>
+            <a:spLocks noGrp="1" noRot="1" noChangeAspect="1"/>
+          </p:cNvSpPr>
           <p:nvPr>
-            <p:ph idx="2" type="sldImg"/>
+            <p:ph type="sldImg" idx="2"/>
           </p:nvPr>
         </p:nvSpPr>
         <p:spPr>
@@ -309,9 +316,13 @@
             <a:ext cx="6096075" cy="3429000"/>
           </a:xfrm>
           <a:custGeom>
-            <a:rect b="b" l="l" r="r" t="t"/>
+            <a:avLst/>
+            <a:gdLst/>
+            <a:ahLst/>
+            <a:cxnLst/>
+            <a:rect l="l" t="t" r="r" b="b"/>
             <a:pathLst>
-              <a:path extrusionOk="0" h="120000" w="120000">
+              <a:path w="120000" h="120000" extrusionOk="0">
                 <a:moveTo>
                   <a:pt x="0" y="0"/>
                 </a:moveTo>
@@ -329,23 +340,25 @@
             </a:pathLst>
           </a:custGeom>
           <a:noFill/>
-          <a:ln cap="flat" cmpd="sng" w="9525">
+          <a:ln w="9525" cap="flat" cmpd="sng">
             <a:solidFill>
               <a:srgbClr val="000000"/>
             </a:solidFill>
             <a:prstDash val="solid"/>
             <a:round/>
-            <a:headEnd len="sm" w="sm" type="none"/>
-            <a:tailEnd len="sm" w="sm" type="none"/>
+            <a:headEnd type="none" w="sm" len="sm"/>
+            <a:tailEnd type="none" w="sm" len="sm"/>
           </a:ln>
         </p:spPr>
       </p:sp>
       <p:sp>
         <p:nvSpPr>
           <p:cNvPr id="4" name="Google Shape;4;n"/>
-          <p:cNvSpPr txBox="1"/>
+          <p:cNvSpPr txBox="1">
+            <a:spLocks noGrp="1"/>
+          </p:cNvSpPr>
           <p:nvPr>
-            <p:ph idx="1" type="body"/>
+            <p:ph type="body" idx="1"/>
           </p:nvPr>
         </p:nvSpPr>
         <p:spPr>
@@ -362,11 +375,11 @@
           </a:ln>
         </p:spPr>
         <p:txBody>
-          <a:bodyPr anchorCtr="0" anchor="t" bIns="91425" lIns="91425" spcFirstLastPara="1" rIns="91425" wrap="square" tIns="91425">
+          <a:bodyPr spcFirstLastPara="1" wrap="square" lIns="91425" tIns="91425" rIns="91425" bIns="91425" anchor="t" anchorCtr="0">
             <a:noAutofit/>
           </a:bodyPr>
           <a:lstStyle>
-            <a:lvl1pPr indent="-317500" lvl="0" marL="457200">
+            <a:lvl1pPr marL="457200" lvl="0" indent="-317500">
               <a:spcBef>
                 <a:spcPts val="0"/>
               </a:spcBef>
@@ -377,7 +390,7 @@
               <a:buChar char="●"/>
               <a:defRPr sz="1100"/>
             </a:lvl1pPr>
-            <a:lvl2pPr indent="-317500" lvl="1" marL="914400">
+            <a:lvl2pPr marL="914400" lvl="1" indent="-317500">
               <a:spcBef>
                 <a:spcPts val="0"/>
               </a:spcBef>
@@ -388,7 +401,7 @@
               <a:buChar char="○"/>
               <a:defRPr sz="1100"/>
             </a:lvl2pPr>
-            <a:lvl3pPr indent="-317500" lvl="2" marL="1371600">
+            <a:lvl3pPr marL="1371600" lvl="2" indent="-317500">
               <a:spcBef>
                 <a:spcPts val="0"/>
               </a:spcBef>
@@ -399,7 +412,7 @@
               <a:buChar char="■"/>
               <a:defRPr sz="1100"/>
             </a:lvl3pPr>
-            <a:lvl4pPr indent="-317500" lvl="3" marL="1828800">
+            <a:lvl4pPr marL="1828800" lvl="3" indent="-317500">
               <a:spcBef>
                 <a:spcPts val="0"/>
               </a:spcBef>
@@ -410,7 +423,7 @@
               <a:buChar char="●"/>
               <a:defRPr sz="1100"/>
             </a:lvl4pPr>
-            <a:lvl5pPr indent="-317500" lvl="4" marL="2286000">
+            <a:lvl5pPr marL="2286000" lvl="4" indent="-317500">
               <a:spcBef>
                 <a:spcPts val="0"/>
               </a:spcBef>
@@ -421,7 +434,7 @@
               <a:buChar char="○"/>
               <a:defRPr sz="1100"/>
             </a:lvl5pPr>
-            <a:lvl6pPr indent="-317500" lvl="5" marL="2743200">
+            <a:lvl6pPr marL="2743200" lvl="5" indent="-317500">
               <a:spcBef>
                 <a:spcPts val="0"/>
               </a:spcBef>
@@ -432,7 +445,7 @@
               <a:buChar char="■"/>
               <a:defRPr sz="1100"/>
             </a:lvl6pPr>
-            <a:lvl7pPr indent="-317500" lvl="6" marL="3200400">
+            <a:lvl7pPr marL="3200400" lvl="6" indent="-317500">
               <a:spcBef>
                 <a:spcPts val="0"/>
               </a:spcBef>
@@ -443,7 +456,7 @@
               <a:buChar char="●"/>
               <a:defRPr sz="1100"/>
             </a:lvl7pPr>
-            <a:lvl8pPr indent="-317500" lvl="7" marL="3657600">
+            <a:lvl8pPr marL="3657600" lvl="7" indent="-317500">
               <a:spcBef>
                 <a:spcPts val="0"/>
               </a:spcBef>
@@ -454,7 +467,7 @@
               <a:buChar char="○"/>
               <a:defRPr sz="1100"/>
             </a:lvl8pPr>
-            <a:lvl9pPr indent="-317500" lvl="8" marL="4114800">
+            <a:lvl9pPr marL="4114800" lvl="8" indent="-317500">
               <a:spcBef>
                 <a:spcPts val="0"/>
               </a:spcBef>
@@ -466,14 +479,16 @@
               <a:defRPr sz="1100"/>
             </a:lvl9pPr>
           </a:lstStyle>
-          <a:p/>
+          <a:p>
+            <a:endParaRPr/>
+          </a:p>
         </p:txBody>
       </p:sp>
     </p:spTree>
   </p:cSld>
-  <p:clrMap accent1="accent1" accent2="accent2" accent3="accent3" accent4="accent4" accent5="accent5" accent6="accent6" bg1="lt1" bg2="dk2" tx1="dk1" tx2="lt2" folHlink="folHlink" hlink="hlink"/>
+  <p:clrMap bg1="lt1" tx1="dk1" bg2="dk2" tx2="lt2" accent1="accent1" accent2="accent2" accent3="accent3" accent4="accent4" accent5="accent5" accent6="accent6" hlink="hlink" folHlink="folHlink"/>
   <p:notesStyle>
-    <a:defPPr lvl="0" marR="0" rtl="0" algn="l">
+    <a:defPPr marR="0" lvl="0" algn="l" rtl="0">
       <a:lnSpc>
         <a:spcPct val="100000"/>
       </a:lnSpc>
@@ -484,7 +499,7 @@
         <a:spcPts val="0"/>
       </a:spcAft>
     </a:defPPr>
-    <a:lvl1pPr lvl="0" marR="0" rtl="0" algn="l">
+    <a:lvl1pPr marR="0" lvl="0" algn="l" rtl="0">
       <a:lnSpc>
         <a:spcPct val="100000"/>
       </a:lnSpc>
@@ -498,7 +513,7 @@
         <a:srgbClr val="000000"/>
       </a:buClr>
       <a:buFont typeface="Arial"/>
-      <a:defRPr b="0" i="0" sz="1400" u="none" cap="none" strike="noStrike">
+      <a:defRPr sz="1400" b="0" i="0" u="none" strike="noStrike" cap="none">
         <a:solidFill>
           <a:srgbClr val="000000"/>
         </a:solidFill>
@@ -508,7 +523,7 @@
         <a:sym typeface="Arial"/>
       </a:defRPr>
     </a:lvl1pPr>
-    <a:lvl2pPr lvl="1" marR="0" rtl="0" algn="l">
+    <a:lvl2pPr marR="0" lvl="1" algn="l" rtl="0">
       <a:lnSpc>
         <a:spcPct val="100000"/>
       </a:lnSpc>
@@ -522,7 +537,7 @@
         <a:srgbClr val="000000"/>
       </a:buClr>
       <a:buFont typeface="Arial"/>
-      <a:defRPr b="0" i="0" sz="1400" u="none" cap="none" strike="noStrike">
+      <a:defRPr sz="1400" b="0" i="0" u="none" strike="noStrike" cap="none">
         <a:solidFill>
           <a:srgbClr val="000000"/>
         </a:solidFill>
@@ -532,7 +547,7 @@
         <a:sym typeface="Arial"/>
       </a:defRPr>
     </a:lvl2pPr>
-    <a:lvl3pPr lvl="2" marR="0" rtl="0" algn="l">
+    <a:lvl3pPr marR="0" lvl="2" algn="l" rtl="0">
       <a:lnSpc>
         <a:spcPct val="100000"/>
       </a:lnSpc>
@@ -546,7 +561,7 @@
         <a:srgbClr val="000000"/>
       </a:buClr>
       <a:buFont typeface="Arial"/>
-      <a:defRPr b="0" i="0" sz="1400" u="none" cap="none" strike="noStrike">
+      <a:defRPr sz="1400" b="0" i="0" u="none" strike="noStrike" cap="none">
         <a:solidFill>
           <a:srgbClr val="000000"/>
         </a:solidFill>
@@ -556,7 +571,7 @@
         <a:sym typeface="Arial"/>
       </a:defRPr>
     </a:lvl3pPr>
-    <a:lvl4pPr lvl="3" marR="0" rtl="0" algn="l">
+    <a:lvl4pPr marR="0" lvl="3" algn="l" rtl="0">
       <a:lnSpc>
         <a:spcPct val="100000"/>
       </a:lnSpc>
@@ -570,7 +585,7 @@
         <a:srgbClr val="000000"/>
       </a:buClr>
       <a:buFont typeface="Arial"/>
-      <a:defRPr b="0" i="0" sz="1400" u="none" cap="none" strike="noStrike">
+      <a:defRPr sz="1400" b="0" i="0" u="none" strike="noStrike" cap="none">
         <a:solidFill>
           <a:srgbClr val="000000"/>
         </a:solidFill>
@@ -580,7 +595,7 @@
         <a:sym typeface="Arial"/>
       </a:defRPr>
     </a:lvl4pPr>
-    <a:lvl5pPr lvl="4" marR="0" rtl="0" algn="l">
+    <a:lvl5pPr marR="0" lvl="4" algn="l" rtl="0">
       <a:lnSpc>
         <a:spcPct val="100000"/>
       </a:lnSpc>
@@ -594,7 +609,7 @@
         <a:srgbClr val="000000"/>
       </a:buClr>
       <a:buFont typeface="Arial"/>
-      <a:defRPr b="0" i="0" sz="1400" u="none" cap="none" strike="noStrike">
+      <a:defRPr sz="1400" b="0" i="0" u="none" strike="noStrike" cap="none">
         <a:solidFill>
           <a:srgbClr val="000000"/>
         </a:solidFill>
@@ -604,7 +619,7 @@
         <a:sym typeface="Arial"/>
       </a:defRPr>
     </a:lvl5pPr>
-    <a:lvl6pPr lvl="5" marR="0" rtl="0" algn="l">
+    <a:lvl6pPr marR="0" lvl="5" algn="l" rtl="0">
       <a:lnSpc>
         <a:spcPct val="100000"/>
       </a:lnSpc>
@@ -618,7 +633,7 @@
         <a:srgbClr val="000000"/>
       </a:buClr>
       <a:buFont typeface="Arial"/>
-      <a:defRPr b="0" i="0" sz="1400" u="none" cap="none" strike="noStrike">
+      <a:defRPr sz="1400" b="0" i="0" u="none" strike="noStrike" cap="none">
         <a:solidFill>
           <a:srgbClr val="000000"/>
         </a:solidFill>
@@ -628,7 +643,7 @@
         <a:sym typeface="Arial"/>
       </a:defRPr>
     </a:lvl6pPr>
-    <a:lvl7pPr lvl="6" marR="0" rtl="0" algn="l">
+    <a:lvl7pPr marR="0" lvl="6" algn="l" rtl="0">
       <a:lnSpc>
         <a:spcPct val="100000"/>
       </a:lnSpc>
@@ -642,7 +657,7 @@
         <a:srgbClr val="000000"/>
       </a:buClr>
       <a:buFont typeface="Arial"/>
-      <a:defRPr b="0" i="0" sz="1400" u="none" cap="none" strike="noStrike">
+      <a:defRPr sz="1400" b="0" i="0" u="none" strike="noStrike" cap="none">
         <a:solidFill>
           <a:srgbClr val="000000"/>
         </a:solidFill>
@@ -652,7 +667,7 @@
         <a:sym typeface="Arial"/>
       </a:defRPr>
     </a:lvl7pPr>
-    <a:lvl8pPr lvl="7" marR="0" rtl="0" algn="l">
+    <a:lvl8pPr marR="0" lvl="7" algn="l" rtl="0">
       <a:lnSpc>
         <a:spcPct val="100000"/>
       </a:lnSpc>
@@ -666,7 +681,7 @@
         <a:srgbClr val="000000"/>
       </a:buClr>
       <a:buFont typeface="Arial"/>
-      <a:defRPr b="0" i="0" sz="1400" u="none" cap="none" strike="noStrike">
+      <a:defRPr sz="1400" b="0" i="0" u="none" strike="noStrike" cap="none">
         <a:solidFill>
           <a:srgbClr val="000000"/>
         </a:solidFill>
@@ -676,7 +691,7 @@
         <a:sym typeface="Arial"/>
       </a:defRPr>
     </a:lvl8pPr>
-    <a:lvl9pPr lvl="8" marR="0" rtl="0" algn="l">
+    <a:lvl9pPr marR="0" lvl="8" algn="l" rtl="0">
       <a:lnSpc>
         <a:spcPct val="100000"/>
       </a:lnSpc>
@@ -690,7 +705,7 @@
         <a:srgbClr val="000000"/>
       </a:buClr>
       <a:buFont typeface="Arial"/>
-      <a:defRPr b="0" i="0" sz="1400" u="none" cap="none" strike="noStrike">
+      <a:defRPr sz="1400" b="0" i="0" u="none" strike="noStrike" cap="none">
         <a:solidFill>
           <a:srgbClr val="000000"/>
         </a:solidFill>
@@ -705,11 +720,11 @@
 </file>
 
 <file path=ppt/notesSlides/notesSlide1.xml><?xml version="1.0" encoding="utf-8"?>
-<p:notes xmlns:a="http://schemas.openxmlformats.org/drawingml/2006/main" xmlns:r="http://schemas.openxmlformats.org/officeDocument/2006/relationships" xmlns:mc="http://schemas.openxmlformats.org/markup-compatibility/2006" xmlns:mv="urn:schemas-microsoft-com:mac:vml" xmlns:p="http://schemas.openxmlformats.org/presentationml/2006/main" xmlns:c="http://schemas.openxmlformats.org/drawingml/2006/chart" xmlns:dgm="http://schemas.openxmlformats.org/drawingml/2006/diagram" xmlns:o="urn:schemas-microsoft-com:office:office" xmlns:v="urn:schemas-microsoft-com:vml" xmlns:pvml="urn:schemas-microsoft-com:office:powerpoint" xmlns:com="http://schemas.openxmlformats.org/drawingml/2006/compatibility" xmlns:p14="http://schemas.microsoft.com/office/powerpoint/2010/main" xmlns:p15="http://schemas.microsoft.com/office/powerpoint/2012/main" xmlns:ahyp="http://schemas.microsoft.com/office/drawing/2018/hyperlinkcolor" showMasterPhAnim="0" showMasterSp="0">
+<p:notes xmlns:a="http://schemas.openxmlformats.org/drawingml/2006/main" xmlns:r="http://schemas.openxmlformats.org/officeDocument/2006/relationships" xmlns:p="http://schemas.openxmlformats.org/presentationml/2006/main" showMasterSp="0" showMasterPhAnim="0">
   <p:cSld>
     <p:spTree>
       <p:nvGrpSpPr>
-        <p:cNvPr id="68" name="Shape 68"/>
+        <p:cNvPr id="1" name="Shape 68"/>
         <p:cNvGrpSpPr/>
         <p:nvPr/>
       </p:nvGrpSpPr>
@@ -724,9 +739,11 @@
       <p:sp>
         <p:nvSpPr>
           <p:cNvPr id="69" name="Google Shape;69;gf059b93a0d_0_76:notes"/>
-          <p:cNvSpPr/>
+          <p:cNvSpPr>
+            <a:spLocks noGrp="1" noRot="1" noChangeAspect="1"/>
+          </p:cNvSpPr>
           <p:nvPr>
-            <p:ph idx="2" type="sldImg"/>
+            <p:ph type="sldImg" idx="2"/>
           </p:nvPr>
         </p:nvSpPr>
         <p:spPr>
@@ -735,9 +752,13 @@
             <a:ext cx="6096000" cy="3429000"/>
           </a:xfrm>
           <a:custGeom>
-            <a:rect b="b" l="l" r="r" t="t"/>
+            <a:avLst/>
+            <a:gdLst/>
+            <a:ahLst/>
+            <a:cxnLst/>
+            <a:rect l="l" t="t" r="r" b="b"/>
             <a:pathLst>
-              <a:path extrusionOk="0" h="120000" w="120000">
+              <a:path w="120000" h="120000" extrusionOk="0">
                 <a:moveTo>
                   <a:pt x="0" y="0"/>
                 </a:moveTo>
@@ -759,9 +780,11 @@
       <p:sp>
         <p:nvSpPr>
           <p:cNvPr id="70" name="Google Shape;70;gf059b93a0d_0_76:notes"/>
-          <p:cNvSpPr txBox="1"/>
+          <p:cNvSpPr txBox="1">
+            <a:spLocks noGrp="1"/>
+          </p:cNvSpPr>
           <p:nvPr>
-            <p:ph idx="1" type="body"/>
+            <p:ph type="body" idx="1"/>
           </p:nvPr>
         </p:nvSpPr>
         <p:spPr>
@@ -774,12 +797,12 @@
           </a:prstGeom>
         </p:spPr>
         <p:txBody>
-          <a:bodyPr anchorCtr="0" anchor="t" bIns="91425" lIns="91425" spcFirstLastPara="1" rIns="91425" wrap="square" tIns="91425">
+          <a:bodyPr spcFirstLastPara="1" wrap="square" lIns="91425" tIns="91425" rIns="91425" bIns="91425" anchor="t" anchorCtr="0">
             <a:noAutofit/>
           </a:bodyPr>
           <a:lstStyle/>
           <a:p>
-            <a:pPr indent="0" lvl="0" marL="0" rtl="0" algn="l">
+            <a:pPr marL="0" lvl="0" indent="0" algn="l" rtl="0">
               <a:spcBef>
                 <a:spcPts val="0"/>
               </a:spcBef>
@@ -788,9 +811,6 @@
               </a:spcAft>
               <a:buNone/>
             </a:pPr>
-            <a:r>
-              <a:t/>
-            </a:r>
             <a:endParaRPr/>
           </a:p>
         </p:txBody>
@@ -804,11 +824,11 @@
 </file>
 
 <file path=ppt/notesSlides/notesSlide2.xml><?xml version="1.0" encoding="utf-8"?>
-<p:notes xmlns:a="http://schemas.openxmlformats.org/drawingml/2006/main" xmlns:r="http://schemas.openxmlformats.org/officeDocument/2006/relationships" xmlns:mc="http://schemas.openxmlformats.org/markup-compatibility/2006" xmlns:mv="urn:schemas-microsoft-com:mac:vml" xmlns:p="http://schemas.openxmlformats.org/presentationml/2006/main" xmlns:c="http://schemas.openxmlformats.org/drawingml/2006/chart" xmlns:dgm="http://schemas.openxmlformats.org/drawingml/2006/diagram" xmlns:o="urn:schemas-microsoft-com:office:office" xmlns:v="urn:schemas-microsoft-com:vml" xmlns:pvml="urn:schemas-microsoft-com:office:powerpoint" xmlns:com="http://schemas.openxmlformats.org/drawingml/2006/compatibility" xmlns:p14="http://schemas.microsoft.com/office/powerpoint/2010/main" xmlns:p15="http://schemas.microsoft.com/office/powerpoint/2012/main" xmlns:ahyp="http://schemas.microsoft.com/office/drawing/2018/hyperlinkcolor" showMasterPhAnim="0" showMasterSp="0">
+<p:notes xmlns:a="http://schemas.openxmlformats.org/drawingml/2006/main" xmlns:r="http://schemas.openxmlformats.org/officeDocument/2006/relationships" xmlns:p="http://schemas.openxmlformats.org/presentationml/2006/main" showMasterSp="0" showMasterPhAnim="0">
   <p:cSld>
     <p:spTree>
       <p:nvGrpSpPr>
-        <p:cNvPr id="74" name="Shape 74"/>
+        <p:cNvPr id="1" name="Shape 74"/>
         <p:cNvGrpSpPr/>
         <p:nvPr/>
       </p:nvGrpSpPr>
@@ -823,20 +843,26 @@
       <p:sp>
         <p:nvSpPr>
           <p:cNvPr id="75" name="Google Shape;75;gf059b93a0d_0_81:notes"/>
-          <p:cNvSpPr/>
+          <p:cNvSpPr>
+            <a:spLocks noGrp="1" noRot="1" noChangeAspect="1"/>
+          </p:cNvSpPr>
           <p:nvPr>
-            <p:ph idx="2" type="sldImg"/>
+            <p:ph type="sldImg" idx="2"/>
           </p:nvPr>
         </p:nvSpPr>
         <p:spPr>
           <a:xfrm>
-            <a:off x="381300" y="685800"/>
+            <a:off x="381000" y="685800"/>
             <a:ext cx="6096000" cy="3429000"/>
           </a:xfrm>
           <a:custGeom>
-            <a:rect b="b" l="l" r="r" t="t"/>
+            <a:avLst/>
+            <a:gdLst/>
+            <a:ahLst/>
+            <a:cxnLst/>
+            <a:rect l="l" t="t" r="r" b="b"/>
             <a:pathLst>
-              <a:path extrusionOk="0" h="120000" w="120000">
+              <a:path w="120000" h="120000" extrusionOk="0">
                 <a:moveTo>
                   <a:pt x="0" y="0"/>
                 </a:moveTo>
@@ -858,9 +884,11 @@
       <p:sp>
         <p:nvSpPr>
           <p:cNvPr id="76" name="Google Shape;76;gf059b93a0d_0_81:notes"/>
-          <p:cNvSpPr txBox="1"/>
+          <p:cNvSpPr txBox="1">
+            <a:spLocks noGrp="1"/>
+          </p:cNvSpPr>
           <p:nvPr>
-            <p:ph idx="1" type="body"/>
+            <p:ph type="body" idx="1"/>
           </p:nvPr>
         </p:nvSpPr>
         <p:spPr>
@@ -873,12 +901,12 @@
           </a:prstGeom>
         </p:spPr>
         <p:txBody>
-          <a:bodyPr anchorCtr="0" anchor="t" bIns="91425" lIns="91425" spcFirstLastPara="1" rIns="91425" wrap="square" tIns="91425">
+          <a:bodyPr spcFirstLastPara="1" wrap="square" lIns="91425" tIns="91425" rIns="91425" bIns="91425" anchor="t" anchorCtr="0">
             <a:noAutofit/>
           </a:bodyPr>
           <a:lstStyle/>
           <a:p>
-            <a:pPr indent="0" lvl="0" marL="0" rtl="0" algn="l">
+            <a:pPr marL="0" lvl="0" indent="0" algn="l" rtl="0">
               <a:spcBef>
                 <a:spcPts val="0"/>
               </a:spcBef>
@@ -887,9 +915,6 @@
               </a:spcAft>
               <a:buNone/>
             </a:pPr>
-            <a:r>
-              <a:t/>
-            </a:r>
             <a:endParaRPr/>
           </a:p>
         </p:txBody>
@@ -903,11 +928,11 @@
 </file>
 
 <file path=ppt/notesSlides/notesSlide3.xml><?xml version="1.0" encoding="utf-8"?>
-<p:notes xmlns:a="http://schemas.openxmlformats.org/drawingml/2006/main" xmlns:r="http://schemas.openxmlformats.org/officeDocument/2006/relationships" xmlns:mc="http://schemas.openxmlformats.org/markup-compatibility/2006" xmlns:mv="urn:schemas-microsoft-com:mac:vml" xmlns:p="http://schemas.openxmlformats.org/presentationml/2006/main" xmlns:c="http://schemas.openxmlformats.org/drawingml/2006/chart" xmlns:dgm="http://schemas.openxmlformats.org/drawingml/2006/diagram" xmlns:o="urn:schemas-microsoft-com:office:office" xmlns:v="urn:schemas-microsoft-com:vml" xmlns:pvml="urn:schemas-microsoft-com:office:powerpoint" xmlns:com="http://schemas.openxmlformats.org/drawingml/2006/compatibility" xmlns:p14="http://schemas.microsoft.com/office/powerpoint/2010/main" xmlns:p15="http://schemas.microsoft.com/office/powerpoint/2012/main" xmlns:ahyp="http://schemas.microsoft.com/office/drawing/2018/hyperlinkcolor" showMasterPhAnim="0" showMasterSp="0">
+<p:notes xmlns:a="http://schemas.openxmlformats.org/drawingml/2006/main" xmlns:r="http://schemas.openxmlformats.org/officeDocument/2006/relationships" xmlns:p="http://schemas.openxmlformats.org/presentationml/2006/main" showMasterSp="0" showMasterPhAnim="0">
   <p:cSld>
     <p:spTree>
       <p:nvGrpSpPr>
-        <p:cNvPr id="80" name="Shape 80"/>
+        <p:cNvPr id="1" name="Shape 80"/>
         <p:cNvGrpSpPr/>
         <p:nvPr/>
       </p:nvGrpSpPr>
@@ -922,20 +947,26 @@
       <p:sp>
         <p:nvSpPr>
           <p:cNvPr id="81" name="Google Shape;81;gf0e24bcc97_0_0:notes"/>
-          <p:cNvSpPr/>
+          <p:cNvSpPr>
+            <a:spLocks noGrp="1" noRot="1" noChangeAspect="1"/>
+          </p:cNvSpPr>
           <p:nvPr>
-            <p:ph idx="2" type="sldImg"/>
+            <p:ph type="sldImg" idx="2"/>
           </p:nvPr>
         </p:nvSpPr>
         <p:spPr>
           <a:xfrm>
-            <a:off x="381300" y="685800"/>
+            <a:off x="381000" y="685800"/>
             <a:ext cx="6096000" cy="3429000"/>
           </a:xfrm>
           <a:custGeom>
-            <a:rect b="b" l="l" r="r" t="t"/>
+            <a:avLst/>
+            <a:gdLst/>
+            <a:ahLst/>
+            <a:cxnLst/>
+            <a:rect l="l" t="t" r="r" b="b"/>
             <a:pathLst>
-              <a:path extrusionOk="0" h="120000" w="120000">
+              <a:path w="120000" h="120000" extrusionOk="0">
                 <a:moveTo>
                   <a:pt x="0" y="0"/>
                 </a:moveTo>
@@ -957,9 +988,11 @@
       <p:sp>
         <p:nvSpPr>
           <p:cNvPr id="82" name="Google Shape;82;gf0e24bcc97_0_0:notes"/>
-          <p:cNvSpPr txBox="1"/>
+          <p:cNvSpPr txBox="1">
+            <a:spLocks noGrp="1"/>
+          </p:cNvSpPr>
           <p:nvPr>
-            <p:ph idx="1" type="body"/>
+            <p:ph type="body" idx="1"/>
           </p:nvPr>
         </p:nvSpPr>
         <p:spPr>
@@ -972,12 +1005,12 @@
           </a:prstGeom>
         </p:spPr>
         <p:txBody>
-          <a:bodyPr anchorCtr="0" anchor="t" bIns="91425" lIns="91425" spcFirstLastPara="1" rIns="91425" wrap="square" tIns="91425">
+          <a:bodyPr spcFirstLastPara="1" wrap="square" lIns="91425" tIns="91425" rIns="91425" bIns="91425" anchor="t" anchorCtr="0">
             <a:noAutofit/>
           </a:bodyPr>
           <a:lstStyle/>
           <a:p>
-            <a:pPr indent="0" lvl="0" marL="0" rtl="0" algn="l">
+            <a:pPr marL="0" lvl="0" indent="0" algn="l" rtl="0">
               <a:spcBef>
                 <a:spcPts val="0"/>
               </a:spcBef>
@@ -986,9 +1019,6 @@
               </a:spcAft>
               <a:buNone/>
             </a:pPr>
-            <a:r>
-              <a:t/>
-            </a:r>
             <a:endParaRPr/>
           </a:p>
         </p:txBody>
@@ -1002,18 +1032,19 @@
 </file>
 
 <file path=ppt/slideLayouts/slideLayout1.xml><?xml version="1.0" encoding="utf-8"?>
-<p:sldLayout xmlns:a="http://schemas.openxmlformats.org/drawingml/2006/main" xmlns:r="http://schemas.openxmlformats.org/officeDocument/2006/relationships" xmlns:mc="http://schemas.openxmlformats.org/markup-compatibility/2006" xmlns:mv="urn:schemas-microsoft-com:mac:vml" xmlns:p="http://schemas.openxmlformats.org/presentationml/2006/main" xmlns:c="http://schemas.openxmlformats.org/drawingml/2006/chart" xmlns:dgm="http://schemas.openxmlformats.org/drawingml/2006/diagram" xmlns:o="urn:schemas-microsoft-com:office:office" xmlns:v="urn:schemas-microsoft-com:vml" xmlns:pvml="urn:schemas-microsoft-com:office:powerpoint" xmlns:com="http://schemas.openxmlformats.org/drawingml/2006/compatibility" xmlns:p14="http://schemas.microsoft.com/office/powerpoint/2010/main" xmlns:p15="http://schemas.microsoft.com/office/powerpoint/2012/main" xmlns:ahyp="http://schemas.microsoft.com/office/drawing/2018/hyperlinkcolor" matchingName="Title slide" type="title">
+<p:sldLayout xmlns:a="http://schemas.openxmlformats.org/drawingml/2006/main" xmlns:r="http://schemas.openxmlformats.org/officeDocument/2006/relationships" xmlns:p="http://schemas.openxmlformats.org/presentationml/2006/main" matchingName="Title slide" type="title">
   <p:cSld name="TITLE">
     <p:bg>
       <p:bgPr>
         <a:solidFill>
           <a:schemeClr val="dk1"/>
         </a:solidFill>
+        <a:effectLst/>
       </p:bgPr>
     </p:bg>
     <p:spTree>
       <p:nvGrpSpPr>
-        <p:cNvPr id="9" name="Shape 9"/>
+        <p:cNvPr id="1" name="Shape 9"/>
         <p:cNvGrpSpPr/>
         <p:nvPr/>
       </p:nvGrpSpPr>
@@ -1040,14 +1071,14 @@
             <a:avLst/>
           </a:prstGeom>
           <a:noFill/>
-          <a:ln cap="flat" cmpd="sng" w="38100">
+          <a:ln w="38100" cap="flat" cmpd="sng">
             <a:solidFill>
               <a:schemeClr val="lt1"/>
             </a:solidFill>
             <a:prstDash val="solid"/>
             <a:round/>
-            <a:headEnd len="sm" w="sm" type="none"/>
-            <a:tailEnd len="sm" w="sm" type="none"/>
+            <a:headEnd type="none" w="sm" len="sm"/>
+            <a:tailEnd type="none" w="sm" len="sm"/>
           </a:ln>
         </p:spPr>
       </p:cxnSp>
@@ -1066,14 +1097,14 @@
             <a:avLst/>
           </a:prstGeom>
           <a:noFill/>
-          <a:ln cap="flat" cmpd="sng" w="19050">
+          <a:ln w="19050" cap="flat" cmpd="sng">
             <a:solidFill>
               <a:schemeClr val="lt1"/>
             </a:solidFill>
             <a:prstDash val="solid"/>
             <a:round/>
-            <a:headEnd len="sm" w="sm" type="none"/>
-            <a:tailEnd len="sm" w="sm" type="none"/>
+            <a:headEnd type="none" w="sm" len="sm"/>
+            <a:tailEnd type="none" w="sm" len="sm"/>
           </a:ln>
         </p:spPr>
       </p:cxnSp>
@@ -1092,21 +1123,23 @@
             <a:avLst/>
           </a:prstGeom>
           <a:noFill/>
-          <a:ln cap="flat" cmpd="sng" w="19050">
+          <a:ln w="19050" cap="flat" cmpd="sng">
             <a:solidFill>
               <a:schemeClr val="lt1"/>
             </a:solidFill>
             <a:prstDash val="solid"/>
             <a:round/>
-            <a:headEnd len="sm" w="sm" type="none"/>
-            <a:tailEnd len="sm" w="sm" type="none"/>
+            <a:headEnd type="none" w="sm" len="sm"/>
+            <a:tailEnd type="none" w="sm" len="sm"/>
           </a:ln>
         </p:spPr>
       </p:cxnSp>
       <p:sp>
         <p:nvSpPr>
           <p:cNvPr id="13" name="Google Shape;13;p2"/>
-          <p:cNvSpPr txBox="1"/>
+          <p:cNvSpPr txBox="1">
+            <a:spLocks noGrp="1"/>
+          </p:cNvSpPr>
           <p:nvPr>
             <p:ph type="ctrTitle"/>
           </p:nvPr>
@@ -1121,7 +1154,7 @@
           </a:prstGeom>
         </p:spPr>
         <p:txBody>
-          <a:bodyPr anchorCtr="0" anchor="t" bIns="91425" lIns="91425" spcFirstLastPara="1" rIns="91425" wrap="square" tIns="91425">
+          <a:bodyPr spcFirstLastPara="1" wrap="square" lIns="91425" tIns="91425" rIns="91425" bIns="91425" anchor="t" anchorCtr="0">
             <a:noAutofit/>
           </a:bodyPr>
           <a:lstStyle>
@@ -1288,15 +1321,19 @@
               </a:defRPr>
             </a:lvl9pPr>
           </a:lstStyle>
-          <a:p/>
+          <a:p>
+            <a:endParaRPr/>
+          </a:p>
         </p:txBody>
       </p:sp>
       <p:sp>
         <p:nvSpPr>
           <p:cNvPr id="14" name="Google Shape;14;p2"/>
-          <p:cNvSpPr txBox="1"/>
+          <p:cNvSpPr txBox="1">
+            <a:spLocks noGrp="1"/>
+          </p:cNvSpPr>
           <p:nvPr>
-            <p:ph idx="1" type="subTitle"/>
+            <p:ph type="subTitle" idx="1"/>
           </p:nvPr>
         </p:nvSpPr>
         <p:spPr>
@@ -1309,7 +1346,7 @@
           </a:prstGeom>
         </p:spPr>
         <p:txBody>
-          <a:bodyPr anchorCtr="0" anchor="b" bIns="91425" lIns="91425" spcFirstLastPara="1" rIns="91425" wrap="square" tIns="91425">
+          <a:bodyPr spcFirstLastPara="1" wrap="square" lIns="91425" tIns="91425" rIns="91425" bIns="91425" anchor="b" anchorCtr="0">
             <a:noAutofit/>
           </a:bodyPr>
           <a:lstStyle>
@@ -1503,15 +1540,19 @@
               </a:defRPr>
             </a:lvl9pPr>
           </a:lstStyle>
-          <a:p/>
+          <a:p>
+            <a:endParaRPr/>
+          </a:p>
         </p:txBody>
       </p:sp>
       <p:sp>
         <p:nvSpPr>
           <p:cNvPr id="15" name="Google Shape;15;p2"/>
-          <p:cNvSpPr txBox="1"/>
+          <p:cNvSpPr txBox="1">
+            <a:spLocks noGrp="1"/>
+          </p:cNvSpPr>
           <p:nvPr>
-            <p:ph idx="12" type="sldNum"/>
+            <p:ph type="sldNum" idx="12"/>
           </p:nvPr>
         </p:nvSpPr>
         <p:spPr>
@@ -1524,7 +1565,7 @@
           </a:prstGeom>
         </p:spPr>
         <p:txBody>
-          <a:bodyPr anchorCtr="0" anchor="ctr" bIns="91425" lIns="91425" spcFirstLastPara="1" rIns="91425" wrap="square" tIns="91425">
+          <a:bodyPr spcFirstLastPara="1" wrap="square" lIns="91425" tIns="91425" rIns="91425" bIns="91425" anchor="ctr" anchorCtr="0">
             <a:noAutofit/>
           </a:bodyPr>
           <a:lstStyle>
@@ -1602,7 +1643,7 @@
             </a:lvl9pPr>
           </a:lstStyle>
           <a:p>
-            <a:pPr indent="0" lvl="0" marL="0" rtl="0" algn="r">
+            <a:pPr marL="0" lvl="0" indent="0" algn="r" rtl="0">
               <a:spcBef>
                 <a:spcPts val="0"/>
               </a:spcBef>
@@ -1628,11 +1669,11 @@
 </file>
 
 <file path=ppt/slideLayouts/slideLayout10.xml><?xml version="1.0" encoding="utf-8"?>
-<p:sldLayout xmlns:a="http://schemas.openxmlformats.org/drawingml/2006/main" xmlns:r="http://schemas.openxmlformats.org/officeDocument/2006/relationships" xmlns:mc="http://schemas.openxmlformats.org/markup-compatibility/2006" xmlns:mv="urn:schemas-microsoft-com:mac:vml" xmlns:p="http://schemas.openxmlformats.org/presentationml/2006/main" xmlns:c="http://schemas.openxmlformats.org/drawingml/2006/chart" xmlns:dgm="http://schemas.openxmlformats.org/drawingml/2006/diagram" xmlns:o="urn:schemas-microsoft-com:office:office" xmlns:v="urn:schemas-microsoft-com:vml" xmlns:pvml="urn:schemas-microsoft-com:office:powerpoint" xmlns:com="http://schemas.openxmlformats.org/drawingml/2006/compatibility" xmlns:p14="http://schemas.microsoft.com/office/powerpoint/2010/main" xmlns:p15="http://schemas.microsoft.com/office/powerpoint/2012/main" xmlns:ahyp="http://schemas.microsoft.com/office/drawing/2018/hyperlinkcolor" matchingName="Big number">
+<p:sldLayout xmlns:a="http://schemas.openxmlformats.org/drawingml/2006/main" xmlns:r="http://schemas.openxmlformats.org/officeDocument/2006/relationships" xmlns:p="http://schemas.openxmlformats.org/presentationml/2006/main" matchingName="Big number">
   <p:cSld name="BIG_NUMBER">
     <p:spTree>
       <p:nvGrpSpPr>
-        <p:cNvPr id="60" name="Shape 60"/>
+        <p:cNvPr id="1" name="Shape 60"/>
         <p:cNvGrpSpPr/>
         <p:nvPr/>
       </p:nvGrpSpPr>
@@ -1659,14 +1700,14 @@
             <a:avLst/>
           </a:prstGeom>
           <a:noFill/>
-          <a:ln cap="flat" cmpd="sng" w="19050">
+          <a:ln w="19050" cap="flat" cmpd="sng">
             <a:solidFill>
               <a:schemeClr val="dk2"/>
             </a:solidFill>
             <a:prstDash val="solid"/>
             <a:round/>
-            <a:headEnd len="sm" w="sm" type="none"/>
-            <a:tailEnd len="sm" w="sm" type="none"/>
+            <a:headEnd type="none" w="sm" len="sm"/>
+            <a:tailEnd type="none" w="sm" len="sm"/>
           </a:ln>
         </p:spPr>
       </p:cxnSp>
@@ -1685,23 +1726,25 @@
             <a:avLst/>
           </a:prstGeom>
           <a:noFill/>
-          <a:ln cap="flat" cmpd="sng" w="38100">
+          <a:ln w="38100" cap="flat" cmpd="sng">
             <a:solidFill>
               <a:schemeClr val="dk2"/>
             </a:solidFill>
             <a:prstDash val="solid"/>
             <a:round/>
-            <a:headEnd len="sm" w="sm" type="none"/>
-            <a:tailEnd len="sm" w="sm" type="none"/>
+            <a:headEnd type="none" w="sm" len="sm"/>
+            <a:tailEnd type="none" w="sm" len="sm"/>
           </a:ln>
         </p:spPr>
       </p:cxnSp>
       <p:sp>
         <p:nvSpPr>
           <p:cNvPr id="63" name="Google Shape;63;p11"/>
-          <p:cNvSpPr txBox="1"/>
+          <p:cNvSpPr txBox="1">
+            <a:spLocks noGrp="1"/>
+          </p:cNvSpPr>
           <p:nvPr>
-            <p:ph hasCustomPrompt="1" type="title"/>
+            <p:ph type="title" hasCustomPrompt="1"/>
           </p:nvPr>
         </p:nvSpPr>
         <p:spPr>
@@ -1714,11 +1757,11 @@
           </a:prstGeom>
         </p:spPr>
         <p:txBody>
-          <a:bodyPr anchorCtr="0" anchor="ctr" bIns="91425" lIns="91425" spcFirstLastPara="1" rIns="91425" wrap="square" tIns="91425">
+          <a:bodyPr spcFirstLastPara="1" wrap="square" lIns="91425" tIns="91425" rIns="91425" bIns="91425" anchor="ctr" anchorCtr="0">
             <a:noAutofit/>
           </a:bodyPr>
           <a:lstStyle>
-            <a:lvl1pPr lvl="0" rtl="0" algn="ctr">
+            <a:lvl1pPr lvl="0" algn="ctr" rtl="0">
               <a:spcBef>
                 <a:spcPts val="0"/>
               </a:spcBef>
@@ -1741,7 +1784,7 @@
                 <a:sym typeface="Lato"/>
               </a:defRPr>
             </a:lvl1pPr>
-            <a:lvl2pPr lvl="1" rtl="0" algn="ctr">
+            <a:lvl2pPr lvl="1" algn="ctr" rtl="0">
               <a:spcBef>
                 <a:spcPts val="0"/>
               </a:spcBef>
@@ -1764,7 +1807,7 @@
                 <a:sym typeface="Lato"/>
               </a:defRPr>
             </a:lvl2pPr>
-            <a:lvl3pPr lvl="2" rtl="0" algn="ctr">
+            <a:lvl3pPr lvl="2" algn="ctr" rtl="0">
               <a:spcBef>
                 <a:spcPts val="0"/>
               </a:spcBef>
@@ -1787,7 +1830,7 @@
                 <a:sym typeface="Lato"/>
               </a:defRPr>
             </a:lvl3pPr>
-            <a:lvl4pPr lvl="3" rtl="0" algn="ctr">
+            <a:lvl4pPr lvl="3" algn="ctr" rtl="0">
               <a:spcBef>
                 <a:spcPts val="0"/>
               </a:spcBef>
@@ -1810,7 +1853,7 @@
                 <a:sym typeface="Lato"/>
               </a:defRPr>
             </a:lvl4pPr>
-            <a:lvl5pPr lvl="4" rtl="0" algn="ctr">
+            <a:lvl5pPr lvl="4" algn="ctr" rtl="0">
               <a:spcBef>
                 <a:spcPts val="0"/>
               </a:spcBef>
@@ -1833,7 +1876,7 @@
                 <a:sym typeface="Lato"/>
               </a:defRPr>
             </a:lvl5pPr>
-            <a:lvl6pPr lvl="5" rtl="0" algn="ctr">
+            <a:lvl6pPr lvl="5" algn="ctr" rtl="0">
               <a:spcBef>
                 <a:spcPts val="0"/>
               </a:spcBef>
@@ -1856,7 +1899,7 @@
                 <a:sym typeface="Lato"/>
               </a:defRPr>
             </a:lvl6pPr>
-            <a:lvl7pPr lvl="6" rtl="0" algn="ctr">
+            <a:lvl7pPr lvl="6" algn="ctr" rtl="0">
               <a:spcBef>
                 <a:spcPts val="0"/>
               </a:spcBef>
@@ -1879,7 +1922,7 @@
                 <a:sym typeface="Lato"/>
               </a:defRPr>
             </a:lvl7pPr>
-            <a:lvl8pPr lvl="7" rtl="0" algn="ctr">
+            <a:lvl8pPr lvl="7" algn="ctr" rtl="0">
               <a:spcBef>
                 <a:spcPts val="0"/>
               </a:spcBef>
@@ -1902,7 +1945,7 @@
                 <a:sym typeface="Lato"/>
               </a:defRPr>
             </a:lvl8pPr>
-            <a:lvl9pPr lvl="8" rtl="0" algn="ctr">
+            <a:lvl9pPr lvl="8" algn="ctr" rtl="0">
               <a:spcBef>
                 <a:spcPts val="0"/>
               </a:spcBef>
@@ -1936,9 +1979,11 @@
       <p:sp>
         <p:nvSpPr>
           <p:cNvPr id="64" name="Google Shape;64;p11"/>
-          <p:cNvSpPr txBox="1"/>
+          <p:cNvSpPr txBox="1">
+            <a:spLocks noGrp="1"/>
+          </p:cNvSpPr>
           <p:nvPr>
-            <p:ph idx="1" type="body"/>
+            <p:ph type="body" idx="1"/>
           </p:nvPr>
         </p:nvSpPr>
         <p:spPr>
@@ -1951,11 +1996,11 @@
           </a:prstGeom>
         </p:spPr>
         <p:txBody>
-          <a:bodyPr anchorCtr="0" anchor="t" bIns="91425" lIns="91425" spcFirstLastPara="1" rIns="91425" wrap="square" tIns="91425">
+          <a:bodyPr spcFirstLastPara="1" wrap="square" lIns="91425" tIns="91425" rIns="91425" bIns="91425" anchor="t" anchorCtr="0">
             <a:noAutofit/>
           </a:bodyPr>
           <a:lstStyle>
-            <a:lvl1pPr indent="-342900" lvl="0" marL="457200" rtl="0" algn="ctr">
+            <a:lvl1pPr marL="457200" lvl="0" indent="-342900" algn="ctr" rtl="0">
               <a:spcBef>
                 <a:spcPts val="0"/>
               </a:spcBef>
@@ -1966,7 +2011,7 @@
               <a:buChar char="●"/>
               <a:defRPr/>
             </a:lvl1pPr>
-            <a:lvl2pPr indent="-317500" lvl="1" marL="914400" rtl="0" algn="ctr">
+            <a:lvl2pPr marL="914400" lvl="1" indent="-317500" algn="ctr" rtl="0">
               <a:spcBef>
                 <a:spcPts val="1600"/>
               </a:spcBef>
@@ -1977,7 +2022,7 @@
               <a:buChar char="○"/>
               <a:defRPr/>
             </a:lvl2pPr>
-            <a:lvl3pPr indent="-317500" lvl="2" marL="1371600" rtl="0" algn="ctr">
+            <a:lvl3pPr marL="1371600" lvl="2" indent="-317500" algn="ctr" rtl="0">
               <a:spcBef>
                 <a:spcPts val="1600"/>
               </a:spcBef>
@@ -1988,7 +2033,7 @@
               <a:buChar char="■"/>
               <a:defRPr/>
             </a:lvl3pPr>
-            <a:lvl4pPr indent="-317500" lvl="3" marL="1828800" rtl="0" algn="ctr">
+            <a:lvl4pPr marL="1828800" lvl="3" indent="-317500" algn="ctr" rtl="0">
               <a:spcBef>
                 <a:spcPts val="1600"/>
               </a:spcBef>
@@ -1999,7 +2044,7 @@
               <a:buChar char="●"/>
               <a:defRPr/>
             </a:lvl4pPr>
-            <a:lvl5pPr indent="-317500" lvl="4" marL="2286000" rtl="0" algn="ctr">
+            <a:lvl5pPr marL="2286000" lvl="4" indent="-317500" algn="ctr" rtl="0">
               <a:spcBef>
                 <a:spcPts val="1600"/>
               </a:spcBef>
@@ -2010,7 +2055,7 @@
               <a:buChar char="○"/>
               <a:defRPr/>
             </a:lvl5pPr>
-            <a:lvl6pPr indent="-317500" lvl="5" marL="2743200" rtl="0" algn="ctr">
+            <a:lvl6pPr marL="2743200" lvl="5" indent="-317500" algn="ctr" rtl="0">
               <a:spcBef>
                 <a:spcPts val="1600"/>
               </a:spcBef>
@@ -2021,7 +2066,7 @@
               <a:buChar char="■"/>
               <a:defRPr/>
             </a:lvl6pPr>
-            <a:lvl7pPr indent="-317500" lvl="6" marL="3200400" rtl="0" algn="ctr">
+            <a:lvl7pPr marL="3200400" lvl="6" indent="-317500" algn="ctr" rtl="0">
               <a:spcBef>
                 <a:spcPts val="1600"/>
               </a:spcBef>
@@ -2032,7 +2077,7 @@
               <a:buChar char="●"/>
               <a:defRPr/>
             </a:lvl7pPr>
-            <a:lvl8pPr indent="-317500" lvl="7" marL="3657600" rtl="0" algn="ctr">
+            <a:lvl8pPr marL="3657600" lvl="7" indent="-317500" algn="ctr" rtl="0">
               <a:spcBef>
                 <a:spcPts val="1600"/>
               </a:spcBef>
@@ -2043,7 +2088,7 @@
               <a:buChar char="○"/>
               <a:defRPr/>
             </a:lvl8pPr>
-            <a:lvl9pPr indent="-317500" lvl="8" marL="4114800" rtl="0" algn="ctr">
+            <a:lvl9pPr marL="4114800" lvl="8" indent="-317500" algn="ctr" rtl="0">
               <a:spcBef>
                 <a:spcPts val="1600"/>
               </a:spcBef>
@@ -2055,15 +2100,19 @@
               <a:defRPr/>
             </a:lvl9pPr>
           </a:lstStyle>
-          <a:p/>
+          <a:p>
+            <a:endParaRPr/>
+          </a:p>
         </p:txBody>
       </p:sp>
       <p:sp>
         <p:nvSpPr>
           <p:cNvPr id="65" name="Google Shape;65;p11"/>
-          <p:cNvSpPr txBox="1"/>
+          <p:cNvSpPr txBox="1">
+            <a:spLocks noGrp="1"/>
+          </p:cNvSpPr>
           <p:nvPr>
-            <p:ph idx="12" type="sldNum"/>
+            <p:ph type="sldNum" idx="12"/>
           </p:nvPr>
         </p:nvSpPr>
         <p:spPr>
@@ -2076,7 +2125,7 @@
           </a:prstGeom>
         </p:spPr>
         <p:txBody>
-          <a:bodyPr anchorCtr="0" anchor="ctr" bIns="91425" lIns="91425" spcFirstLastPara="1" rIns="91425" wrap="square" tIns="91425">
+          <a:bodyPr spcFirstLastPara="1" wrap="square" lIns="91425" tIns="91425" rIns="91425" bIns="91425" anchor="ctr" anchorCtr="0">
             <a:noAutofit/>
           </a:bodyPr>
           <a:lstStyle>
@@ -2118,7 +2167,7 @@
             </a:lvl9pPr>
           </a:lstStyle>
           <a:p>
-            <a:pPr indent="0" lvl="0" marL="0" rtl="0" algn="r">
+            <a:pPr marL="0" lvl="0" indent="0" algn="r" rtl="0">
               <a:spcBef>
                 <a:spcPts val="0"/>
               </a:spcBef>
@@ -2144,11 +2193,11 @@
 </file>
 
 <file path=ppt/slideLayouts/slideLayout11.xml><?xml version="1.0" encoding="utf-8"?>
-<p:sldLayout xmlns:a="http://schemas.openxmlformats.org/drawingml/2006/main" xmlns:r="http://schemas.openxmlformats.org/officeDocument/2006/relationships" xmlns:mc="http://schemas.openxmlformats.org/markup-compatibility/2006" xmlns:mv="urn:schemas-microsoft-com:mac:vml" xmlns:p="http://schemas.openxmlformats.org/presentationml/2006/main" xmlns:c="http://schemas.openxmlformats.org/drawingml/2006/chart" xmlns:dgm="http://schemas.openxmlformats.org/drawingml/2006/diagram" xmlns:o="urn:schemas-microsoft-com:office:office" xmlns:v="urn:schemas-microsoft-com:vml" xmlns:pvml="urn:schemas-microsoft-com:office:powerpoint" xmlns:com="http://schemas.openxmlformats.org/drawingml/2006/compatibility" xmlns:p14="http://schemas.microsoft.com/office/powerpoint/2010/main" xmlns:p15="http://schemas.microsoft.com/office/powerpoint/2012/main" xmlns:ahyp="http://schemas.microsoft.com/office/drawing/2018/hyperlinkcolor" matchingName="Blank" type="blank">
+<p:sldLayout xmlns:a="http://schemas.openxmlformats.org/drawingml/2006/main" xmlns:r="http://schemas.openxmlformats.org/officeDocument/2006/relationships" xmlns:p="http://schemas.openxmlformats.org/presentationml/2006/main" matchingName="Blank" type="blank">
   <p:cSld name="BLANK">
     <p:spTree>
       <p:nvGrpSpPr>
-        <p:cNvPr id="66" name="Shape 66"/>
+        <p:cNvPr id="1" name="Shape 66"/>
         <p:cNvGrpSpPr/>
         <p:nvPr/>
       </p:nvGrpSpPr>
@@ -2163,9 +2212,11 @@
       <p:sp>
         <p:nvSpPr>
           <p:cNvPr id="67" name="Google Shape;67;p12"/>
-          <p:cNvSpPr txBox="1"/>
+          <p:cNvSpPr txBox="1">
+            <a:spLocks noGrp="1"/>
+          </p:cNvSpPr>
           <p:nvPr>
-            <p:ph idx="12" type="sldNum"/>
+            <p:ph type="sldNum" idx="12"/>
           </p:nvPr>
         </p:nvSpPr>
         <p:spPr>
@@ -2178,7 +2229,7 @@
           </a:prstGeom>
         </p:spPr>
         <p:txBody>
-          <a:bodyPr anchorCtr="0" anchor="ctr" bIns="91425" lIns="91425" spcFirstLastPara="1" rIns="91425" wrap="square" tIns="91425">
+          <a:bodyPr spcFirstLastPara="1" wrap="square" lIns="91425" tIns="91425" rIns="91425" bIns="91425" anchor="ctr" anchorCtr="0">
             <a:noAutofit/>
           </a:bodyPr>
           <a:lstStyle>
@@ -2220,7 +2271,7 @@
             </a:lvl9pPr>
           </a:lstStyle>
           <a:p>
-            <a:pPr indent="0" lvl="0" marL="0" rtl="0" algn="r">
+            <a:pPr marL="0" lvl="0" indent="0" algn="r" rtl="0">
               <a:spcBef>
                 <a:spcPts val="0"/>
               </a:spcBef>
@@ -2246,18 +2297,19 @@
 </file>
 
 <file path=ppt/slideLayouts/slideLayout2.xml><?xml version="1.0" encoding="utf-8"?>
-<p:sldLayout xmlns:a="http://schemas.openxmlformats.org/drawingml/2006/main" xmlns:r="http://schemas.openxmlformats.org/officeDocument/2006/relationships" xmlns:mc="http://schemas.openxmlformats.org/markup-compatibility/2006" xmlns:mv="urn:schemas-microsoft-com:mac:vml" xmlns:p="http://schemas.openxmlformats.org/presentationml/2006/main" xmlns:c="http://schemas.openxmlformats.org/drawingml/2006/chart" xmlns:dgm="http://schemas.openxmlformats.org/drawingml/2006/diagram" xmlns:o="urn:schemas-microsoft-com:office:office" xmlns:v="urn:schemas-microsoft-com:vml" xmlns:pvml="urn:schemas-microsoft-com:office:powerpoint" xmlns:com="http://schemas.openxmlformats.org/drawingml/2006/compatibility" xmlns:p14="http://schemas.microsoft.com/office/powerpoint/2010/main" xmlns:p15="http://schemas.microsoft.com/office/powerpoint/2012/main" xmlns:ahyp="http://schemas.microsoft.com/office/drawing/2018/hyperlinkcolor" matchingName="Section header" type="secHead">
+<p:sldLayout xmlns:a="http://schemas.openxmlformats.org/drawingml/2006/main" xmlns:r="http://schemas.openxmlformats.org/officeDocument/2006/relationships" xmlns:p="http://schemas.openxmlformats.org/presentationml/2006/main" matchingName="Section header" type="secHead">
   <p:cSld name="SECTION_HEADER">
     <p:bg>
       <p:bgPr>
         <a:solidFill>
           <a:schemeClr val="dk1"/>
         </a:solidFill>
+        <a:effectLst/>
       </p:bgPr>
     </p:bg>
     <p:spTree>
       <p:nvGrpSpPr>
-        <p:cNvPr id="16" name="Shape 16"/>
+        <p:cNvPr id="1" name="Shape 16"/>
         <p:cNvGrpSpPr/>
         <p:nvPr/>
       </p:nvGrpSpPr>
@@ -2284,14 +2336,14 @@
             <a:avLst/>
           </a:prstGeom>
           <a:noFill/>
-          <a:ln cap="flat" cmpd="sng" w="38100">
+          <a:ln w="38100" cap="flat" cmpd="sng">
             <a:solidFill>
               <a:schemeClr val="lt1"/>
             </a:solidFill>
             <a:prstDash val="solid"/>
             <a:round/>
-            <a:headEnd len="sm" w="sm" type="none"/>
-            <a:tailEnd len="sm" w="sm" type="none"/>
+            <a:headEnd type="none" w="sm" len="sm"/>
+            <a:tailEnd type="none" w="sm" len="sm"/>
           </a:ln>
         </p:spPr>
       </p:cxnSp>
@@ -2310,21 +2362,23 @@
             <a:avLst/>
           </a:prstGeom>
           <a:noFill/>
-          <a:ln cap="flat" cmpd="sng" w="19050">
+          <a:ln w="19050" cap="flat" cmpd="sng">
             <a:solidFill>
               <a:schemeClr val="lt1"/>
             </a:solidFill>
             <a:prstDash val="solid"/>
             <a:round/>
-            <a:headEnd len="sm" w="sm" type="none"/>
-            <a:tailEnd len="sm" w="sm" type="none"/>
+            <a:headEnd type="none" w="sm" len="sm"/>
+            <a:tailEnd type="none" w="sm" len="sm"/>
           </a:ln>
         </p:spPr>
       </p:cxnSp>
       <p:sp>
         <p:nvSpPr>
           <p:cNvPr id="19" name="Google Shape;19;p3"/>
-          <p:cNvSpPr txBox="1"/>
+          <p:cNvSpPr txBox="1">
+            <a:spLocks noGrp="1"/>
+          </p:cNvSpPr>
           <p:nvPr>
             <p:ph type="title"/>
           </p:nvPr>
@@ -2339,11 +2393,11 @@
           </a:prstGeom>
         </p:spPr>
         <p:txBody>
-          <a:bodyPr anchorCtr="0" anchor="ctr" bIns="91425" lIns="91425" spcFirstLastPara="1" rIns="91425" wrap="square" tIns="91425">
+          <a:bodyPr spcFirstLastPara="1" wrap="square" lIns="91425" tIns="91425" rIns="91425" bIns="91425" anchor="ctr" anchorCtr="0">
             <a:noAutofit/>
           </a:bodyPr>
           <a:lstStyle>
-            <a:lvl1pPr lvl="0" rtl="0" algn="ctr">
+            <a:lvl1pPr lvl="0" algn="ctr" rtl="0">
               <a:spcBef>
                 <a:spcPts val="0"/>
               </a:spcBef>
@@ -2361,7 +2415,7 @@
                 </a:solidFill>
               </a:defRPr>
             </a:lvl1pPr>
-            <a:lvl2pPr lvl="1" rtl="0" algn="ctr">
+            <a:lvl2pPr lvl="1" algn="ctr" rtl="0">
               <a:spcBef>
                 <a:spcPts val="0"/>
               </a:spcBef>
@@ -2379,7 +2433,7 @@
                 </a:solidFill>
               </a:defRPr>
             </a:lvl2pPr>
-            <a:lvl3pPr lvl="2" rtl="0" algn="ctr">
+            <a:lvl3pPr lvl="2" algn="ctr" rtl="0">
               <a:spcBef>
                 <a:spcPts val="0"/>
               </a:spcBef>
@@ -2397,7 +2451,7 @@
                 </a:solidFill>
               </a:defRPr>
             </a:lvl3pPr>
-            <a:lvl4pPr lvl="3" rtl="0" algn="ctr">
+            <a:lvl4pPr lvl="3" algn="ctr" rtl="0">
               <a:spcBef>
                 <a:spcPts val="0"/>
               </a:spcBef>
@@ -2415,7 +2469,7 @@
                 </a:solidFill>
               </a:defRPr>
             </a:lvl4pPr>
-            <a:lvl5pPr lvl="4" rtl="0" algn="ctr">
+            <a:lvl5pPr lvl="4" algn="ctr" rtl="0">
               <a:spcBef>
                 <a:spcPts val="0"/>
               </a:spcBef>
@@ -2433,7 +2487,7 @@
                 </a:solidFill>
               </a:defRPr>
             </a:lvl5pPr>
-            <a:lvl6pPr lvl="5" rtl="0" algn="ctr">
+            <a:lvl6pPr lvl="5" algn="ctr" rtl="0">
               <a:spcBef>
                 <a:spcPts val="0"/>
               </a:spcBef>
@@ -2451,7 +2505,7 @@
                 </a:solidFill>
               </a:defRPr>
             </a:lvl6pPr>
-            <a:lvl7pPr lvl="6" rtl="0" algn="ctr">
+            <a:lvl7pPr lvl="6" algn="ctr" rtl="0">
               <a:spcBef>
                 <a:spcPts val="0"/>
               </a:spcBef>
@@ -2469,7 +2523,7 @@
                 </a:solidFill>
               </a:defRPr>
             </a:lvl7pPr>
-            <a:lvl8pPr lvl="7" rtl="0" algn="ctr">
+            <a:lvl8pPr lvl="7" algn="ctr" rtl="0">
               <a:spcBef>
                 <a:spcPts val="0"/>
               </a:spcBef>
@@ -2487,7 +2541,7 @@
                 </a:solidFill>
               </a:defRPr>
             </a:lvl8pPr>
-            <a:lvl9pPr lvl="8" rtl="0" algn="ctr">
+            <a:lvl9pPr lvl="8" algn="ctr" rtl="0">
               <a:spcBef>
                 <a:spcPts val="0"/>
               </a:spcBef>
@@ -2506,15 +2560,19 @@
               </a:defRPr>
             </a:lvl9pPr>
           </a:lstStyle>
-          <a:p/>
+          <a:p>
+            <a:endParaRPr/>
+          </a:p>
         </p:txBody>
       </p:sp>
       <p:sp>
         <p:nvSpPr>
           <p:cNvPr id="20" name="Google Shape;20;p3"/>
-          <p:cNvSpPr txBox="1"/>
+          <p:cNvSpPr txBox="1">
+            <a:spLocks noGrp="1"/>
+          </p:cNvSpPr>
           <p:nvPr>
-            <p:ph idx="12" type="sldNum"/>
+            <p:ph type="sldNum" idx="12"/>
           </p:nvPr>
         </p:nvSpPr>
         <p:spPr>
@@ -2527,7 +2585,7 @@
           </a:prstGeom>
         </p:spPr>
         <p:txBody>
-          <a:bodyPr anchorCtr="0" anchor="ctr" bIns="91425" lIns="91425" spcFirstLastPara="1" rIns="91425" wrap="square" tIns="91425">
+          <a:bodyPr spcFirstLastPara="1" wrap="square" lIns="91425" tIns="91425" rIns="91425" bIns="91425" anchor="ctr" anchorCtr="0">
             <a:noAutofit/>
           </a:bodyPr>
           <a:lstStyle>
@@ -2605,7 +2663,7 @@
             </a:lvl9pPr>
           </a:lstStyle>
           <a:p>
-            <a:pPr indent="0" lvl="0" marL="0" rtl="0" algn="r">
+            <a:pPr marL="0" lvl="0" indent="0" algn="r" rtl="0">
               <a:spcBef>
                 <a:spcPts val="0"/>
               </a:spcBef>
@@ -2631,11 +2689,11 @@
 </file>
 
 <file path=ppt/slideLayouts/slideLayout3.xml><?xml version="1.0" encoding="utf-8"?>
-<p:sldLayout xmlns:a="http://schemas.openxmlformats.org/drawingml/2006/main" xmlns:r="http://schemas.openxmlformats.org/officeDocument/2006/relationships" xmlns:mc="http://schemas.openxmlformats.org/markup-compatibility/2006" xmlns:mv="urn:schemas-microsoft-com:mac:vml" xmlns:p="http://schemas.openxmlformats.org/presentationml/2006/main" xmlns:c="http://schemas.openxmlformats.org/drawingml/2006/chart" xmlns:dgm="http://schemas.openxmlformats.org/drawingml/2006/diagram" xmlns:o="urn:schemas-microsoft-com:office:office" xmlns:v="urn:schemas-microsoft-com:vml" xmlns:pvml="urn:schemas-microsoft-com:office:powerpoint" xmlns:com="http://schemas.openxmlformats.org/drawingml/2006/compatibility" xmlns:p14="http://schemas.microsoft.com/office/powerpoint/2010/main" xmlns:p15="http://schemas.microsoft.com/office/powerpoint/2012/main" xmlns:ahyp="http://schemas.microsoft.com/office/drawing/2018/hyperlinkcolor" matchingName="Title and body" type="tx">
+<p:sldLayout xmlns:a="http://schemas.openxmlformats.org/drawingml/2006/main" xmlns:r="http://schemas.openxmlformats.org/officeDocument/2006/relationships" xmlns:p="http://schemas.openxmlformats.org/presentationml/2006/main" matchingName="Title and body" type="tx">
   <p:cSld name="TITLE_AND_BODY">
     <p:spTree>
       <p:nvGrpSpPr>
-        <p:cNvPr id="21" name="Shape 21"/>
+        <p:cNvPr id="1" name="Shape 21"/>
         <p:cNvGrpSpPr/>
         <p:nvPr/>
       </p:nvGrpSpPr>
@@ -2662,14 +2720,14 @@
             <a:avLst/>
           </a:prstGeom>
           <a:noFill/>
-          <a:ln cap="flat" cmpd="sng" w="38100">
+          <a:ln w="38100" cap="flat" cmpd="sng">
             <a:solidFill>
               <a:schemeClr val="dk2"/>
             </a:solidFill>
             <a:prstDash val="solid"/>
             <a:round/>
-            <a:headEnd len="sm" w="sm" type="none"/>
-            <a:tailEnd len="sm" w="sm" type="none"/>
+            <a:headEnd type="none" w="sm" len="sm"/>
+            <a:tailEnd type="none" w="sm" len="sm"/>
           </a:ln>
         </p:spPr>
       </p:cxnSp>
@@ -2688,14 +2746,14 @@
             <a:avLst/>
           </a:prstGeom>
           <a:noFill/>
-          <a:ln cap="flat" cmpd="sng" w="19050">
+          <a:ln w="19050" cap="flat" cmpd="sng">
             <a:solidFill>
               <a:schemeClr val="dk2"/>
             </a:solidFill>
             <a:prstDash val="solid"/>
             <a:round/>
-            <a:headEnd len="sm" w="sm" type="none"/>
-            <a:tailEnd len="sm" w="sm" type="none"/>
+            <a:headEnd type="none" w="sm" len="sm"/>
+            <a:tailEnd type="none" w="sm" len="sm"/>
           </a:ln>
         </p:spPr>
       </p:cxnSp>
@@ -2714,21 +2772,23 @@
             <a:avLst/>
           </a:prstGeom>
           <a:noFill/>
-          <a:ln cap="flat" cmpd="sng" w="19050">
+          <a:ln w="19050" cap="flat" cmpd="sng">
             <a:solidFill>
               <a:schemeClr val="dk2"/>
             </a:solidFill>
             <a:prstDash val="solid"/>
             <a:round/>
-            <a:headEnd len="sm" w="sm" type="none"/>
-            <a:tailEnd len="sm" w="sm" type="none"/>
+            <a:headEnd type="none" w="sm" len="sm"/>
+            <a:tailEnd type="none" w="sm" len="sm"/>
           </a:ln>
         </p:spPr>
       </p:cxnSp>
       <p:sp>
         <p:nvSpPr>
           <p:cNvPr id="25" name="Google Shape;25;p4"/>
-          <p:cNvSpPr txBox="1"/>
+          <p:cNvSpPr txBox="1">
+            <a:spLocks noGrp="1"/>
+          </p:cNvSpPr>
           <p:nvPr>
             <p:ph type="title"/>
           </p:nvPr>
@@ -2743,7 +2803,7 @@
           </a:prstGeom>
         </p:spPr>
         <p:txBody>
-          <a:bodyPr anchorCtr="0" anchor="t" bIns="91425" lIns="91425" spcFirstLastPara="1" rIns="91425" wrap="square" tIns="91425">
+          <a:bodyPr spcFirstLastPara="1" wrap="square" lIns="91425" tIns="91425" rIns="91425" bIns="91425" anchor="t" anchorCtr="0">
             <a:noAutofit/>
           </a:bodyPr>
           <a:lstStyle>
@@ -2847,15 +2907,19 @@
               <a:defRPr/>
             </a:lvl9pPr>
           </a:lstStyle>
-          <a:p/>
+          <a:p>
+            <a:endParaRPr/>
+          </a:p>
         </p:txBody>
       </p:sp>
       <p:sp>
         <p:nvSpPr>
           <p:cNvPr id="26" name="Google Shape;26;p4"/>
-          <p:cNvSpPr txBox="1"/>
+          <p:cNvSpPr txBox="1">
+            <a:spLocks noGrp="1"/>
+          </p:cNvSpPr>
           <p:nvPr>
-            <p:ph idx="1" type="body"/>
+            <p:ph type="body" idx="1"/>
           </p:nvPr>
         </p:nvSpPr>
         <p:spPr>
@@ -2868,11 +2932,11 @@
           </a:prstGeom>
         </p:spPr>
         <p:txBody>
-          <a:bodyPr anchorCtr="0" anchor="t" bIns="91425" lIns="91425" spcFirstLastPara="1" rIns="91425" wrap="square" tIns="91425">
+          <a:bodyPr spcFirstLastPara="1" wrap="square" lIns="91425" tIns="91425" rIns="91425" bIns="91425" anchor="t" anchorCtr="0">
             <a:noAutofit/>
           </a:bodyPr>
           <a:lstStyle>
-            <a:lvl1pPr indent="-342900" lvl="0" marL="457200" rtl="0">
+            <a:lvl1pPr marL="457200" lvl="0" indent="-342900" rtl="0">
               <a:spcBef>
                 <a:spcPts val="0"/>
               </a:spcBef>
@@ -2883,7 +2947,7 @@
               <a:buChar char="●"/>
               <a:defRPr/>
             </a:lvl1pPr>
-            <a:lvl2pPr indent="-317500" lvl="1" marL="914400" rtl="0">
+            <a:lvl2pPr marL="914400" lvl="1" indent="-317500" rtl="0">
               <a:spcBef>
                 <a:spcPts val="1600"/>
               </a:spcBef>
@@ -2894,7 +2958,7 @@
               <a:buChar char="○"/>
               <a:defRPr/>
             </a:lvl2pPr>
-            <a:lvl3pPr indent="-317500" lvl="2" marL="1371600" rtl="0">
+            <a:lvl3pPr marL="1371600" lvl="2" indent="-317500" rtl="0">
               <a:spcBef>
                 <a:spcPts val="1600"/>
               </a:spcBef>
@@ -2905,7 +2969,7 @@
               <a:buChar char="■"/>
               <a:defRPr/>
             </a:lvl3pPr>
-            <a:lvl4pPr indent="-317500" lvl="3" marL="1828800" rtl="0">
+            <a:lvl4pPr marL="1828800" lvl="3" indent="-317500" rtl="0">
               <a:spcBef>
                 <a:spcPts val="1600"/>
               </a:spcBef>
@@ -2916,7 +2980,7 @@
               <a:buChar char="●"/>
               <a:defRPr/>
             </a:lvl4pPr>
-            <a:lvl5pPr indent="-317500" lvl="4" marL="2286000" rtl="0">
+            <a:lvl5pPr marL="2286000" lvl="4" indent="-317500" rtl="0">
               <a:spcBef>
                 <a:spcPts val="1600"/>
               </a:spcBef>
@@ -2927,7 +2991,7 @@
               <a:buChar char="○"/>
               <a:defRPr/>
             </a:lvl5pPr>
-            <a:lvl6pPr indent="-317500" lvl="5" marL="2743200" rtl="0">
+            <a:lvl6pPr marL="2743200" lvl="5" indent="-317500" rtl="0">
               <a:spcBef>
                 <a:spcPts val="1600"/>
               </a:spcBef>
@@ -2938,7 +3002,7 @@
               <a:buChar char="■"/>
               <a:defRPr/>
             </a:lvl6pPr>
-            <a:lvl7pPr indent="-317500" lvl="6" marL="3200400" rtl="0">
+            <a:lvl7pPr marL="3200400" lvl="6" indent="-317500" rtl="0">
               <a:spcBef>
                 <a:spcPts val="1600"/>
               </a:spcBef>
@@ -2949,7 +3013,7 @@
               <a:buChar char="●"/>
               <a:defRPr/>
             </a:lvl7pPr>
-            <a:lvl8pPr indent="-317500" lvl="7" marL="3657600" rtl="0">
+            <a:lvl8pPr marL="3657600" lvl="7" indent="-317500" rtl="0">
               <a:spcBef>
                 <a:spcPts val="1600"/>
               </a:spcBef>
@@ -2960,7 +3024,7 @@
               <a:buChar char="○"/>
               <a:defRPr/>
             </a:lvl8pPr>
-            <a:lvl9pPr indent="-317500" lvl="8" marL="4114800" rtl="0">
+            <a:lvl9pPr marL="4114800" lvl="8" indent="-317500" rtl="0">
               <a:spcBef>
                 <a:spcPts val="1600"/>
               </a:spcBef>
@@ -2972,15 +3036,19 @@
               <a:defRPr/>
             </a:lvl9pPr>
           </a:lstStyle>
-          <a:p/>
+          <a:p>
+            <a:endParaRPr/>
+          </a:p>
         </p:txBody>
       </p:sp>
       <p:sp>
         <p:nvSpPr>
           <p:cNvPr id="27" name="Google Shape;27;p4"/>
-          <p:cNvSpPr txBox="1"/>
+          <p:cNvSpPr txBox="1">
+            <a:spLocks noGrp="1"/>
+          </p:cNvSpPr>
           <p:nvPr>
-            <p:ph idx="12" type="sldNum"/>
+            <p:ph type="sldNum" idx="12"/>
           </p:nvPr>
         </p:nvSpPr>
         <p:spPr>
@@ -2993,7 +3061,7 @@
           </a:prstGeom>
         </p:spPr>
         <p:txBody>
-          <a:bodyPr anchorCtr="0" anchor="ctr" bIns="91425" lIns="91425" spcFirstLastPara="1" rIns="91425" wrap="square" tIns="91425">
+          <a:bodyPr spcFirstLastPara="1" wrap="square" lIns="91425" tIns="91425" rIns="91425" bIns="91425" anchor="ctr" anchorCtr="0">
             <a:noAutofit/>
           </a:bodyPr>
           <a:lstStyle>
@@ -3035,7 +3103,7 @@
             </a:lvl9pPr>
           </a:lstStyle>
           <a:p>
-            <a:pPr indent="0" lvl="0" marL="0" rtl="0" algn="r">
+            <a:pPr marL="0" lvl="0" indent="0" algn="r" rtl="0">
               <a:spcBef>
                 <a:spcPts val="0"/>
               </a:spcBef>
@@ -3061,11 +3129,11 @@
 </file>
 
 <file path=ppt/slideLayouts/slideLayout4.xml><?xml version="1.0" encoding="utf-8"?>
-<p:sldLayout xmlns:a="http://schemas.openxmlformats.org/drawingml/2006/main" xmlns:r="http://schemas.openxmlformats.org/officeDocument/2006/relationships" xmlns:mc="http://schemas.openxmlformats.org/markup-compatibility/2006" xmlns:mv="urn:schemas-microsoft-com:mac:vml" xmlns:p="http://schemas.openxmlformats.org/presentationml/2006/main" xmlns:c="http://schemas.openxmlformats.org/drawingml/2006/chart" xmlns:dgm="http://schemas.openxmlformats.org/drawingml/2006/diagram" xmlns:o="urn:schemas-microsoft-com:office:office" xmlns:v="urn:schemas-microsoft-com:vml" xmlns:pvml="urn:schemas-microsoft-com:office:powerpoint" xmlns:com="http://schemas.openxmlformats.org/drawingml/2006/compatibility" xmlns:p14="http://schemas.microsoft.com/office/powerpoint/2010/main" xmlns:p15="http://schemas.microsoft.com/office/powerpoint/2012/main" xmlns:ahyp="http://schemas.microsoft.com/office/drawing/2018/hyperlinkcolor" matchingName="Title and two columns" type="twoColTx">
+<p:sldLayout xmlns:a="http://schemas.openxmlformats.org/drawingml/2006/main" xmlns:r="http://schemas.openxmlformats.org/officeDocument/2006/relationships" xmlns:p="http://schemas.openxmlformats.org/presentationml/2006/main" matchingName="Title and two columns" type="twoColTx">
   <p:cSld name="TITLE_AND_TWO_COLUMNS">
     <p:spTree>
       <p:nvGrpSpPr>
-        <p:cNvPr id="28" name="Shape 28"/>
+        <p:cNvPr id="1" name="Shape 28"/>
         <p:cNvGrpSpPr/>
         <p:nvPr/>
       </p:nvGrpSpPr>
@@ -3092,14 +3160,14 @@
             <a:avLst/>
           </a:prstGeom>
           <a:noFill/>
-          <a:ln cap="flat" cmpd="sng" w="38100">
+          <a:ln w="38100" cap="flat" cmpd="sng">
             <a:solidFill>
               <a:schemeClr val="dk2"/>
             </a:solidFill>
             <a:prstDash val="solid"/>
             <a:round/>
-            <a:headEnd len="sm" w="sm" type="none"/>
-            <a:tailEnd len="sm" w="sm" type="none"/>
+            <a:headEnd type="none" w="sm" len="sm"/>
+            <a:tailEnd type="none" w="sm" len="sm"/>
           </a:ln>
         </p:spPr>
       </p:cxnSp>
@@ -3118,14 +3186,14 @@
             <a:avLst/>
           </a:prstGeom>
           <a:noFill/>
-          <a:ln cap="flat" cmpd="sng" w="19050">
+          <a:ln w="19050" cap="flat" cmpd="sng">
             <a:solidFill>
               <a:schemeClr val="dk2"/>
             </a:solidFill>
             <a:prstDash val="solid"/>
             <a:round/>
-            <a:headEnd len="sm" w="sm" type="none"/>
-            <a:tailEnd len="sm" w="sm" type="none"/>
+            <a:headEnd type="none" w="sm" len="sm"/>
+            <a:tailEnd type="none" w="sm" len="sm"/>
           </a:ln>
         </p:spPr>
       </p:cxnSp>
@@ -3144,21 +3212,23 @@
             <a:avLst/>
           </a:prstGeom>
           <a:noFill/>
-          <a:ln cap="flat" cmpd="sng" w="19050">
+          <a:ln w="19050" cap="flat" cmpd="sng">
             <a:solidFill>
               <a:schemeClr val="dk2"/>
             </a:solidFill>
             <a:prstDash val="solid"/>
             <a:round/>
-            <a:headEnd len="sm" w="sm" type="none"/>
-            <a:tailEnd len="sm" w="sm" type="none"/>
+            <a:headEnd type="none" w="sm" len="sm"/>
+            <a:tailEnd type="none" w="sm" len="sm"/>
           </a:ln>
         </p:spPr>
       </p:cxnSp>
       <p:sp>
         <p:nvSpPr>
           <p:cNvPr id="32" name="Google Shape;32;p5"/>
-          <p:cNvSpPr txBox="1"/>
+          <p:cNvSpPr txBox="1">
+            <a:spLocks noGrp="1"/>
+          </p:cNvSpPr>
           <p:nvPr>
             <p:ph type="title"/>
           </p:nvPr>
@@ -3173,7 +3243,7 @@
           </a:prstGeom>
         </p:spPr>
         <p:txBody>
-          <a:bodyPr anchorCtr="0" anchor="t" bIns="91425" lIns="91425" spcFirstLastPara="1" rIns="91425" wrap="square" tIns="91425">
+          <a:bodyPr spcFirstLastPara="1" wrap="square" lIns="91425" tIns="91425" rIns="91425" bIns="91425" anchor="t" anchorCtr="0">
             <a:noAutofit/>
           </a:bodyPr>
           <a:lstStyle>
@@ -3277,15 +3347,19 @@
               <a:defRPr/>
             </a:lvl9pPr>
           </a:lstStyle>
-          <a:p/>
+          <a:p>
+            <a:endParaRPr/>
+          </a:p>
         </p:txBody>
       </p:sp>
       <p:sp>
         <p:nvSpPr>
           <p:cNvPr id="33" name="Google Shape;33;p5"/>
-          <p:cNvSpPr txBox="1"/>
+          <p:cNvSpPr txBox="1">
+            <a:spLocks noGrp="1"/>
+          </p:cNvSpPr>
           <p:nvPr>
-            <p:ph idx="1" type="body"/>
+            <p:ph type="body" idx="1"/>
           </p:nvPr>
         </p:nvSpPr>
         <p:spPr>
@@ -3298,11 +3372,11 @@
           </a:prstGeom>
         </p:spPr>
         <p:txBody>
-          <a:bodyPr anchorCtr="0" anchor="t" bIns="91425" lIns="91425" spcFirstLastPara="1" rIns="91425" wrap="square" tIns="91425">
+          <a:bodyPr spcFirstLastPara="1" wrap="square" lIns="91425" tIns="91425" rIns="91425" bIns="91425" anchor="t" anchorCtr="0">
             <a:noAutofit/>
           </a:bodyPr>
           <a:lstStyle>
-            <a:lvl1pPr indent="-317500" lvl="0" marL="457200" rtl="0">
+            <a:lvl1pPr marL="457200" lvl="0" indent="-317500" rtl="0">
               <a:spcBef>
                 <a:spcPts val="0"/>
               </a:spcBef>
@@ -3313,7 +3387,7 @@
               <a:buChar char="●"/>
               <a:defRPr sz="1400"/>
             </a:lvl1pPr>
-            <a:lvl2pPr indent="-304800" lvl="1" marL="914400" rtl="0">
+            <a:lvl2pPr marL="914400" lvl="1" indent="-304800" rtl="0">
               <a:spcBef>
                 <a:spcPts val="1600"/>
               </a:spcBef>
@@ -3324,7 +3398,7 @@
               <a:buChar char="○"/>
               <a:defRPr sz="1200"/>
             </a:lvl2pPr>
-            <a:lvl3pPr indent="-304800" lvl="2" marL="1371600" rtl="0">
+            <a:lvl3pPr marL="1371600" lvl="2" indent="-304800" rtl="0">
               <a:spcBef>
                 <a:spcPts val="1600"/>
               </a:spcBef>
@@ -3335,7 +3409,7 @@
               <a:buChar char="■"/>
               <a:defRPr sz="1200"/>
             </a:lvl3pPr>
-            <a:lvl4pPr indent="-304800" lvl="3" marL="1828800" rtl="0">
+            <a:lvl4pPr marL="1828800" lvl="3" indent="-304800" rtl="0">
               <a:spcBef>
                 <a:spcPts val="1600"/>
               </a:spcBef>
@@ -3346,7 +3420,7 @@
               <a:buChar char="●"/>
               <a:defRPr sz="1200"/>
             </a:lvl4pPr>
-            <a:lvl5pPr indent="-304800" lvl="4" marL="2286000" rtl="0">
+            <a:lvl5pPr marL="2286000" lvl="4" indent="-304800" rtl="0">
               <a:spcBef>
                 <a:spcPts val="1600"/>
               </a:spcBef>
@@ -3357,7 +3431,7 @@
               <a:buChar char="○"/>
               <a:defRPr sz="1200"/>
             </a:lvl5pPr>
-            <a:lvl6pPr indent="-304800" lvl="5" marL="2743200" rtl="0">
+            <a:lvl6pPr marL="2743200" lvl="5" indent="-304800" rtl="0">
               <a:spcBef>
                 <a:spcPts val="1600"/>
               </a:spcBef>
@@ -3368,7 +3442,7 @@
               <a:buChar char="■"/>
               <a:defRPr sz="1200"/>
             </a:lvl6pPr>
-            <a:lvl7pPr indent="-304800" lvl="6" marL="3200400" rtl="0">
+            <a:lvl7pPr marL="3200400" lvl="6" indent="-304800" rtl="0">
               <a:spcBef>
                 <a:spcPts val="1600"/>
               </a:spcBef>
@@ -3379,7 +3453,7 @@
               <a:buChar char="●"/>
               <a:defRPr sz="1200"/>
             </a:lvl7pPr>
-            <a:lvl8pPr indent="-304800" lvl="7" marL="3657600" rtl="0">
+            <a:lvl8pPr marL="3657600" lvl="7" indent="-304800" rtl="0">
               <a:spcBef>
                 <a:spcPts val="1600"/>
               </a:spcBef>
@@ -3390,7 +3464,7 @@
               <a:buChar char="○"/>
               <a:defRPr sz="1200"/>
             </a:lvl8pPr>
-            <a:lvl9pPr indent="-304800" lvl="8" marL="4114800" rtl="0">
+            <a:lvl9pPr marL="4114800" lvl="8" indent="-304800" rtl="0">
               <a:spcBef>
                 <a:spcPts val="1600"/>
               </a:spcBef>
@@ -3402,15 +3476,19 @@
               <a:defRPr sz="1200"/>
             </a:lvl9pPr>
           </a:lstStyle>
-          <a:p/>
+          <a:p>
+            <a:endParaRPr/>
+          </a:p>
         </p:txBody>
       </p:sp>
       <p:sp>
         <p:nvSpPr>
           <p:cNvPr id="34" name="Google Shape;34;p5"/>
-          <p:cNvSpPr txBox="1"/>
+          <p:cNvSpPr txBox="1">
+            <a:spLocks noGrp="1"/>
+          </p:cNvSpPr>
           <p:nvPr>
-            <p:ph idx="2" type="body"/>
+            <p:ph type="body" idx="2"/>
           </p:nvPr>
         </p:nvSpPr>
         <p:spPr>
@@ -3423,11 +3501,11 @@
           </a:prstGeom>
         </p:spPr>
         <p:txBody>
-          <a:bodyPr anchorCtr="0" anchor="t" bIns="91425" lIns="91425" spcFirstLastPara="1" rIns="91425" wrap="square" tIns="91425">
+          <a:bodyPr spcFirstLastPara="1" wrap="square" lIns="91425" tIns="91425" rIns="91425" bIns="91425" anchor="t" anchorCtr="0">
             <a:noAutofit/>
           </a:bodyPr>
           <a:lstStyle>
-            <a:lvl1pPr indent="-317500" lvl="0" marL="457200" rtl="0">
+            <a:lvl1pPr marL="457200" lvl="0" indent="-317500" rtl="0">
               <a:spcBef>
                 <a:spcPts val="0"/>
               </a:spcBef>
@@ -3438,7 +3516,7 @@
               <a:buChar char="●"/>
               <a:defRPr sz="1400"/>
             </a:lvl1pPr>
-            <a:lvl2pPr indent="-304800" lvl="1" marL="914400" rtl="0">
+            <a:lvl2pPr marL="914400" lvl="1" indent="-304800" rtl="0">
               <a:spcBef>
                 <a:spcPts val="1600"/>
               </a:spcBef>
@@ -3449,7 +3527,7 @@
               <a:buChar char="○"/>
               <a:defRPr sz="1200"/>
             </a:lvl2pPr>
-            <a:lvl3pPr indent="-304800" lvl="2" marL="1371600" rtl="0">
+            <a:lvl3pPr marL="1371600" lvl="2" indent="-304800" rtl="0">
               <a:spcBef>
                 <a:spcPts val="1600"/>
               </a:spcBef>
@@ -3460,7 +3538,7 @@
               <a:buChar char="■"/>
               <a:defRPr sz="1200"/>
             </a:lvl3pPr>
-            <a:lvl4pPr indent="-304800" lvl="3" marL="1828800" rtl="0">
+            <a:lvl4pPr marL="1828800" lvl="3" indent="-304800" rtl="0">
               <a:spcBef>
                 <a:spcPts val="1600"/>
               </a:spcBef>
@@ -3471,7 +3549,7 @@
               <a:buChar char="●"/>
               <a:defRPr sz="1200"/>
             </a:lvl4pPr>
-            <a:lvl5pPr indent="-304800" lvl="4" marL="2286000" rtl="0">
+            <a:lvl5pPr marL="2286000" lvl="4" indent="-304800" rtl="0">
               <a:spcBef>
                 <a:spcPts val="1600"/>
               </a:spcBef>
@@ -3482,7 +3560,7 @@
               <a:buChar char="○"/>
               <a:defRPr sz="1200"/>
             </a:lvl5pPr>
-            <a:lvl6pPr indent="-304800" lvl="5" marL="2743200" rtl="0">
+            <a:lvl6pPr marL="2743200" lvl="5" indent="-304800" rtl="0">
               <a:spcBef>
                 <a:spcPts val="1600"/>
               </a:spcBef>
@@ -3493,7 +3571,7 @@
               <a:buChar char="■"/>
               <a:defRPr sz="1200"/>
             </a:lvl6pPr>
-            <a:lvl7pPr indent="-304800" lvl="6" marL="3200400" rtl="0">
+            <a:lvl7pPr marL="3200400" lvl="6" indent="-304800" rtl="0">
               <a:spcBef>
                 <a:spcPts val="1600"/>
               </a:spcBef>
@@ -3504,7 +3582,7 @@
               <a:buChar char="●"/>
               <a:defRPr sz="1200"/>
             </a:lvl7pPr>
-            <a:lvl8pPr indent="-304800" lvl="7" marL="3657600" rtl="0">
+            <a:lvl8pPr marL="3657600" lvl="7" indent="-304800" rtl="0">
               <a:spcBef>
                 <a:spcPts val="1600"/>
               </a:spcBef>
@@ -3515,7 +3593,7 @@
               <a:buChar char="○"/>
               <a:defRPr sz="1200"/>
             </a:lvl8pPr>
-            <a:lvl9pPr indent="-304800" lvl="8" marL="4114800" rtl="0">
+            <a:lvl9pPr marL="4114800" lvl="8" indent="-304800" rtl="0">
               <a:spcBef>
                 <a:spcPts val="1600"/>
               </a:spcBef>
@@ -3527,15 +3605,19 @@
               <a:defRPr sz="1200"/>
             </a:lvl9pPr>
           </a:lstStyle>
-          <a:p/>
+          <a:p>
+            <a:endParaRPr/>
+          </a:p>
         </p:txBody>
       </p:sp>
       <p:sp>
         <p:nvSpPr>
           <p:cNvPr id="35" name="Google Shape;35;p5"/>
-          <p:cNvSpPr txBox="1"/>
+          <p:cNvSpPr txBox="1">
+            <a:spLocks noGrp="1"/>
+          </p:cNvSpPr>
           <p:nvPr>
-            <p:ph idx="12" type="sldNum"/>
+            <p:ph type="sldNum" idx="12"/>
           </p:nvPr>
         </p:nvSpPr>
         <p:spPr>
@@ -3548,7 +3630,7 @@
           </a:prstGeom>
         </p:spPr>
         <p:txBody>
-          <a:bodyPr anchorCtr="0" anchor="ctr" bIns="91425" lIns="91425" spcFirstLastPara="1" rIns="91425" wrap="square" tIns="91425">
+          <a:bodyPr spcFirstLastPara="1" wrap="square" lIns="91425" tIns="91425" rIns="91425" bIns="91425" anchor="ctr" anchorCtr="0">
             <a:noAutofit/>
           </a:bodyPr>
           <a:lstStyle>
@@ -3590,7 +3672,7 @@
             </a:lvl9pPr>
           </a:lstStyle>
           <a:p>
-            <a:pPr indent="0" lvl="0" marL="0" rtl="0" algn="r">
+            <a:pPr marL="0" lvl="0" indent="0" algn="r" rtl="0">
               <a:spcBef>
                 <a:spcPts val="0"/>
               </a:spcBef>
@@ -3616,11 +3698,11 @@
 </file>
 
 <file path=ppt/slideLayouts/slideLayout5.xml><?xml version="1.0" encoding="utf-8"?>
-<p:sldLayout xmlns:a="http://schemas.openxmlformats.org/drawingml/2006/main" xmlns:r="http://schemas.openxmlformats.org/officeDocument/2006/relationships" xmlns:mc="http://schemas.openxmlformats.org/markup-compatibility/2006" xmlns:mv="urn:schemas-microsoft-com:mac:vml" xmlns:p="http://schemas.openxmlformats.org/presentationml/2006/main" xmlns:c="http://schemas.openxmlformats.org/drawingml/2006/chart" xmlns:dgm="http://schemas.openxmlformats.org/drawingml/2006/diagram" xmlns:o="urn:schemas-microsoft-com:office:office" xmlns:v="urn:schemas-microsoft-com:vml" xmlns:pvml="urn:schemas-microsoft-com:office:powerpoint" xmlns:com="http://schemas.openxmlformats.org/drawingml/2006/compatibility" xmlns:p14="http://schemas.microsoft.com/office/powerpoint/2010/main" xmlns:p15="http://schemas.microsoft.com/office/powerpoint/2012/main" xmlns:ahyp="http://schemas.microsoft.com/office/drawing/2018/hyperlinkcolor" matchingName="Title only" type="titleOnly">
+<p:sldLayout xmlns:a="http://schemas.openxmlformats.org/drawingml/2006/main" xmlns:r="http://schemas.openxmlformats.org/officeDocument/2006/relationships" xmlns:p="http://schemas.openxmlformats.org/presentationml/2006/main" matchingName="Title only" type="titleOnly">
   <p:cSld name="TITLE_ONLY">
     <p:spTree>
       <p:nvGrpSpPr>
-        <p:cNvPr id="36" name="Shape 36"/>
+        <p:cNvPr id="1" name="Shape 36"/>
         <p:cNvGrpSpPr/>
         <p:nvPr/>
       </p:nvGrpSpPr>
@@ -3635,7 +3717,9 @@
       <p:sp>
         <p:nvSpPr>
           <p:cNvPr id="37" name="Google Shape;37;p6"/>
-          <p:cNvSpPr txBox="1"/>
+          <p:cNvSpPr txBox="1">
+            <a:spLocks noGrp="1"/>
+          </p:cNvSpPr>
           <p:nvPr>
             <p:ph type="title"/>
           </p:nvPr>
@@ -3650,7 +3734,7 @@
           </a:prstGeom>
         </p:spPr>
         <p:txBody>
-          <a:bodyPr anchorCtr="0" anchor="t" bIns="91425" lIns="91425" spcFirstLastPara="1" rIns="91425" wrap="square" tIns="91425">
+          <a:bodyPr spcFirstLastPara="1" wrap="square" lIns="91425" tIns="91425" rIns="91425" bIns="91425" anchor="t" anchorCtr="0">
             <a:noAutofit/>
           </a:bodyPr>
           <a:lstStyle>
@@ -3754,15 +3838,19 @@
               <a:defRPr/>
             </a:lvl9pPr>
           </a:lstStyle>
-          <a:p/>
+          <a:p>
+            <a:endParaRPr/>
+          </a:p>
         </p:txBody>
       </p:sp>
       <p:sp>
         <p:nvSpPr>
           <p:cNvPr id="38" name="Google Shape;38;p6"/>
-          <p:cNvSpPr txBox="1"/>
+          <p:cNvSpPr txBox="1">
+            <a:spLocks noGrp="1"/>
+          </p:cNvSpPr>
           <p:nvPr>
-            <p:ph idx="12" type="sldNum"/>
+            <p:ph type="sldNum" idx="12"/>
           </p:nvPr>
         </p:nvSpPr>
         <p:spPr>
@@ -3775,7 +3863,7 @@
           </a:prstGeom>
         </p:spPr>
         <p:txBody>
-          <a:bodyPr anchorCtr="0" anchor="ctr" bIns="91425" lIns="91425" spcFirstLastPara="1" rIns="91425" wrap="square" tIns="91425">
+          <a:bodyPr spcFirstLastPara="1" wrap="square" lIns="91425" tIns="91425" rIns="91425" bIns="91425" anchor="ctr" anchorCtr="0">
             <a:noAutofit/>
           </a:bodyPr>
           <a:lstStyle>
@@ -3817,7 +3905,7 @@
             </a:lvl9pPr>
           </a:lstStyle>
           <a:p>
-            <a:pPr indent="0" lvl="0" marL="0" rtl="0" algn="r">
+            <a:pPr marL="0" lvl="0" indent="0" algn="r" rtl="0">
               <a:spcBef>
                 <a:spcPts val="0"/>
               </a:spcBef>
@@ -3843,11 +3931,11 @@
 </file>
 
 <file path=ppt/slideLayouts/slideLayout6.xml><?xml version="1.0" encoding="utf-8"?>
-<p:sldLayout xmlns:a="http://schemas.openxmlformats.org/drawingml/2006/main" xmlns:r="http://schemas.openxmlformats.org/officeDocument/2006/relationships" xmlns:mc="http://schemas.openxmlformats.org/markup-compatibility/2006" xmlns:mv="urn:schemas-microsoft-com:mac:vml" xmlns:p="http://schemas.openxmlformats.org/presentationml/2006/main" xmlns:c="http://schemas.openxmlformats.org/drawingml/2006/chart" xmlns:dgm="http://schemas.openxmlformats.org/drawingml/2006/diagram" xmlns:o="urn:schemas-microsoft-com:office:office" xmlns:v="urn:schemas-microsoft-com:vml" xmlns:pvml="urn:schemas-microsoft-com:office:powerpoint" xmlns:com="http://schemas.openxmlformats.org/drawingml/2006/compatibility" xmlns:p14="http://schemas.microsoft.com/office/powerpoint/2010/main" xmlns:p15="http://schemas.microsoft.com/office/powerpoint/2012/main" xmlns:ahyp="http://schemas.microsoft.com/office/drawing/2018/hyperlinkcolor" matchingName="One column text">
+<p:sldLayout xmlns:a="http://schemas.openxmlformats.org/drawingml/2006/main" xmlns:r="http://schemas.openxmlformats.org/officeDocument/2006/relationships" xmlns:p="http://schemas.openxmlformats.org/presentationml/2006/main" matchingName="One column text">
   <p:cSld name="ONE_COLUMN_TEXT">
     <p:spTree>
       <p:nvGrpSpPr>
-        <p:cNvPr id="39" name="Shape 39"/>
+        <p:cNvPr id="1" name="Shape 39"/>
         <p:cNvGrpSpPr/>
         <p:nvPr/>
       </p:nvGrpSpPr>
@@ -3874,21 +3962,23 @@
             <a:avLst/>
           </a:prstGeom>
           <a:noFill/>
-          <a:ln cap="flat" cmpd="sng" w="19050">
+          <a:ln w="19050" cap="flat" cmpd="sng">
             <a:solidFill>
               <a:schemeClr val="dk2"/>
             </a:solidFill>
             <a:prstDash val="solid"/>
             <a:round/>
-            <a:headEnd len="sm" w="sm" type="none"/>
-            <a:tailEnd len="sm" w="sm" type="none"/>
+            <a:headEnd type="none" w="sm" len="sm"/>
+            <a:tailEnd type="none" w="sm" len="sm"/>
           </a:ln>
         </p:spPr>
       </p:cxnSp>
       <p:sp>
         <p:nvSpPr>
           <p:cNvPr id="41" name="Google Shape;41;p7"/>
-          <p:cNvSpPr txBox="1"/>
+          <p:cNvSpPr txBox="1">
+            <a:spLocks noGrp="1"/>
+          </p:cNvSpPr>
           <p:nvPr>
             <p:ph type="title"/>
           </p:nvPr>
@@ -3903,7 +3993,7 @@
           </a:prstGeom>
         </p:spPr>
         <p:txBody>
-          <a:bodyPr anchorCtr="0" anchor="b" bIns="91425" lIns="91425" spcFirstLastPara="1" rIns="91425" wrap="square" tIns="91425">
+          <a:bodyPr spcFirstLastPara="1" wrap="square" lIns="91425" tIns="91425" rIns="91425" bIns="91425" anchor="b" anchorCtr="0">
             <a:noAutofit/>
           </a:bodyPr>
           <a:lstStyle>
@@ -4007,15 +4097,19 @@
               <a:defRPr sz="2400"/>
             </a:lvl9pPr>
           </a:lstStyle>
-          <a:p/>
+          <a:p>
+            <a:endParaRPr/>
+          </a:p>
         </p:txBody>
       </p:sp>
       <p:sp>
         <p:nvSpPr>
           <p:cNvPr id="42" name="Google Shape;42;p7"/>
-          <p:cNvSpPr txBox="1"/>
+          <p:cNvSpPr txBox="1">
+            <a:spLocks noGrp="1"/>
+          </p:cNvSpPr>
           <p:nvPr>
-            <p:ph idx="1" type="body"/>
+            <p:ph type="body" idx="1"/>
           </p:nvPr>
         </p:nvSpPr>
         <p:spPr>
@@ -4028,11 +4122,11 @@
           </a:prstGeom>
         </p:spPr>
         <p:txBody>
-          <a:bodyPr anchorCtr="0" anchor="t" bIns="91425" lIns="91425" spcFirstLastPara="1" rIns="91425" wrap="square" tIns="91425">
+          <a:bodyPr spcFirstLastPara="1" wrap="square" lIns="91425" tIns="91425" rIns="91425" bIns="91425" anchor="t" anchorCtr="0">
             <a:noAutofit/>
           </a:bodyPr>
           <a:lstStyle>
-            <a:lvl1pPr indent="-304800" lvl="0" marL="457200" rtl="0">
+            <a:lvl1pPr marL="457200" lvl="0" indent="-304800" rtl="0">
               <a:spcBef>
                 <a:spcPts val="0"/>
               </a:spcBef>
@@ -4043,7 +4137,7 @@
               <a:buChar char="●"/>
               <a:defRPr sz="1200"/>
             </a:lvl1pPr>
-            <a:lvl2pPr indent="-304800" lvl="1" marL="914400" rtl="0">
+            <a:lvl2pPr marL="914400" lvl="1" indent="-304800" rtl="0">
               <a:spcBef>
                 <a:spcPts val="1600"/>
               </a:spcBef>
@@ -4054,7 +4148,7 @@
               <a:buChar char="○"/>
               <a:defRPr sz="1200"/>
             </a:lvl2pPr>
-            <a:lvl3pPr indent="-304800" lvl="2" marL="1371600" rtl="0">
+            <a:lvl3pPr marL="1371600" lvl="2" indent="-304800" rtl="0">
               <a:spcBef>
                 <a:spcPts val="1600"/>
               </a:spcBef>
@@ -4065,7 +4159,7 @@
               <a:buChar char="■"/>
               <a:defRPr sz="1200"/>
             </a:lvl3pPr>
-            <a:lvl4pPr indent="-304800" lvl="3" marL="1828800" rtl="0">
+            <a:lvl4pPr marL="1828800" lvl="3" indent="-304800" rtl="0">
               <a:spcBef>
                 <a:spcPts val="1600"/>
               </a:spcBef>
@@ -4076,7 +4170,7 @@
               <a:buChar char="●"/>
               <a:defRPr sz="1200"/>
             </a:lvl4pPr>
-            <a:lvl5pPr indent="-304800" lvl="4" marL="2286000" rtl="0">
+            <a:lvl5pPr marL="2286000" lvl="4" indent="-304800" rtl="0">
               <a:spcBef>
                 <a:spcPts val="1600"/>
               </a:spcBef>
@@ -4087,7 +4181,7 @@
               <a:buChar char="○"/>
               <a:defRPr sz="1200"/>
             </a:lvl5pPr>
-            <a:lvl6pPr indent="-304800" lvl="5" marL="2743200" rtl="0">
+            <a:lvl6pPr marL="2743200" lvl="5" indent="-304800" rtl="0">
               <a:spcBef>
                 <a:spcPts val="1600"/>
               </a:spcBef>
@@ -4098,7 +4192,7 @@
               <a:buChar char="■"/>
               <a:defRPr sz="1200"/>
             </a:lvl6pPr>
-            <a:lvl7pPr indent="-304800" lvl="6" marL="3200400" rtl="0">
+            <a:lvl7pPr marL="3200400" lvl="6" indent="-304800" rtl="0">
               <a:spcBef>
                 <a:spcPts val="1600"/>
               </a:spcBef>
@@ -4109,7 +4203,7 @@
               <a:buChar char="●"/>
               <a:defRPr sz="1200"/>
             </a:lvl7pPr>
-            <a:lvl8pPr indent="-304800" lvl="7" marL="3657600" rtl="0">
+            <a:lvl8pPr marL="3657600" lvl="7" indent="-304800" rtl="0">
               <a:spcBef>
                 <a:spcPts val="1600"/>
               </a:spcBef>
@@ -4120,7 +4214,7 @@
               <a:buChar char="○"/>
               <a:defRPr sz="1200"/>
             </a:lvl8pPr>
-            <a:lvl9pPr indent="-304800" lvl="8" marL="4114800" rtl="0">
+            <a:lvl9pPr marL="4114800" lvl="8" indent="-304800" rtl="0">
               <a:spcBef>
                 <a:spcPts val="1600"/>
               </a:spcBef>
@@ -4132,15 +4226,19 @@
               <a:defRPr sz="1200"/>
             </a:lvl9pPr>
           </a:lstStyle>
-          <a:p/>
+          <a:p>
+            <a:endParaRPr/>
+          </a:p>
         </p:txBody>
       </p:sp>
       <p:sp>
         <p:nvSpPr>
           <p:cNvPr id="43" name="Google Shape;43;p7"/>
-          <p:cNvSpPr txBox="1"/>
+          <p:cNvSpPr txBox="1">
+            <a:spLocks noGrp="1"/>
+          </p:cNvSpPr>
           <p:nvPr>
-            <p:ph idx="12" type="sldNum"/>
+            <p:ph type="sldNum" idx="12"/>
           </p:nvPr>
         </p:nvSpPr>
         <p:spPr>
@@ -4153,7 +4251,7 @@
           </a:prstGeom>
         </p:spPr>
         <p:txBody>
-          <a:bodyPr anchorCtr="0" anchor="ctr" bIns="91425" lIns="91425" spcFirstLastPara="1" rIns="91425" wrap="square" tIns="91425">
+          <a:bodyPr spcFirstLastPara="1" wrap="square" lIns="91425" tIns="91425" rIns="91425" bIns="91425" anchor="ctr" anchorCtr="0">
             <a:noAutofit/>
           </a:bodyPr>
           <a:lstStyle>
@@ -4195,7 +4293,7 @@
             </a:lvl9pPr>
           </a:lstStyle>
           <a:p>
-            <a:pPr indent="0" lvl="0" marL="0" rtl="0" algn="r">
+            <a:pPr marL="0" lvl="0" indent="0" algn="r" rtl="0">
               <a:spcBef>
                 <a:spcPts val="0"/>
               </a:spcBef>
@@ -4221,18 +4319,19 @@
 </file>
 
 <file path=ppt/slideLayouts/slideLayout7.xml><?xml version="1.0" encoding="utf-8"?>
-<p:sldLayout xmlns:a="http://schemas.openxmlformats.org/drawingml/2006/main" xmlns:r="http://schemas.openxmlformats.org/officeDocument/2006/relationships" xmlns:mc="http://schemas.openxmlformats.org/markup-compatibility/2006" xmlns:mv="urn:schemas-microsoft-com:mac:vml" xmlns:p="http://schemas.openxmlformats.org/presentationml/2006/main" xmlns:c="http://schemas.openxmlformats.org/drawingml/2006/chart" xmlns:dgm="http://schemas.openxmlformats.org/drawingml/2006/diagram" xmlns:o="urn:schemas-microsoft-com:office:office" xmlns:v="urn:schemas-microsoft-com:vml" xmlns:pvml="urn:schemas-microsoft-com:office:powerpoint" xmlns:com="http://schemas.openxmlformats.org/drawingml/2006/compatibility" xmlns:p14="http://schemas.microsoft.com/office/powerpoint/2010/main" xmlns:p15="http://schemas.microsoft.com/office/powerpoint/2012/main" xmlns:ahyp="http://schemas.microsoft.com/office/drawing/2018/hyperlinkcolor" matchingName="Main point">
+<p:sldLayout xmlns:a="http://schemas.openxmlformats.org/drawingml/2006/main" xmlns:r="http://schemas.openxmlformats.org/officeDocument/2006/relationships" xmlns:p="http://schemas.openxmlformats.org/presentationml/2006/main" matchingName="Main point">
   <p:cSld name="MAIN_POINT">
     <p:bg>
       <p:bgPr>
         <a:solidFill>
           <a:srgbClr val="353535"/>
         </a:solidFill>
+        <a:effectLst/>
       </p:bgPr>
     </p:bg>
     <p:spTree>
       <p:nvGrpSpPr>
-        <p:cNvPr id="44" name="Shape 44"/>
+        <p:cNvPr id="1" name="Shape 44"/>
         <p:cNvGrpSpPr/>
         <p:nvPr/>
       </p:nvGrpSpPr>
@@ -4259,21 +4358,23 @@
             <a:avLst/>
           </a:prstGeom>
           <a:noFill/>
-          <a:ln cap="flat" cmpd="sng" w="19050">
+          <a:ln w="19050" cap="flat" cmpd="sng">
             <a:solidFill>
               <a:schemeClr val="lt1"/>
             </a:solidFill>
             <a:prstDash val="solid"/>
             <a:round/>
-            <a:headEnd len="sm" w="sm" type="none"/>
-            <a:tailEnd len="sm" w="sm" type="none"/>
+            <a:headEnd type="none" w="sm" len="sm"/>
+            <a:tailEnd type="none" w="sm" len="sm"/>
           </a:ln>
         </p:spPr>
       </p:cxnSp>
       <p:sp>
         <p:nvSpPr>
           <p:cNvPr id="46" name="Google Shape;46;p8"/>
-          <p:cNvSpPr txBox="1"/>
+          <p:cNvSpPr txBox="1">
+            <a:spLocks noGrp="1"/>
+          </p:cNvSpPr>
           <p:nvPr>
             <p:ph type="title"/>
           </p:nvPr>
@@ -4288,7 +4389,7 @@
           </a:prstGeom>
         </p:spPr>
         <p:txBody>
-          <a:bodyPr anchorCtr="0" anchor="ctr" bIns="91425" lIns="91425" spcFirstLastPara="1" rIns="91425" wrap="square" tIns="91425">
+          <a:bodyPr spcFirstLastPara="1" wrap="square" lIns="91425" tIns="91425" rIns="91425" bIns="91425" anchor="ctr" anchorCtr="0">
             <a:noAutofit/>
           </a:bodyPr>
           <a:lstStyle>
@@ -4455,15 +4556,19 @@
               </a:defRPr>
             </a:lvl9pPr>
           </a:lstStyle>
-          <a:p/>
+          <a:p>
+            <a:endParaRPr/>
+          </a:p>
         </p:txBody>
       </p:sp>
       <p:sp>
         <p:nvSpPr>
           <p:cNvPr id="47" name="Google Shape;47;p8"/>
-          <p:cNvSpPr txBox="1"/>
+          <p:cNvSpPr txBox="1">
+            <a:spLocks noGrp="1"/>
+          </p:cNvSpPr>
           <p:nvPr>
-            <p:ph idx="12" type="sldNum"/>
+            <p:ph type="sldNum" idx="12"/>
           </p:nvPr>
         </p:nvSpPr>
         <p:spPr>
@@ -4476,7 +4581,7 @@
           </a:prstGeom>
         </p:spPr>
         <p:txBody>
-          <a:bodyPr anchorCtr="0" anchor="ctr" bIns="91425" lIns="91425" spcFirstLastPara="1" rIns="91425" wrap="square" tIns="91425">
+          <a:bodyPr spcFirstLastPara="1" wrap="square" lIns="91425" tIns="91425" rIns="91425" bIns="91425" anchor="ctr" anchorCtr="0">
             <a:noAutofit/>
           </a:bodyPr>
           <a:lstStyle>
@@ -4554,7 +4659,7 @@
             </a:lvl9pPr>
           </a:lstStyle>
           <a:p>
-            <a:pPr indent="0" lvl="0" marL="0" rtl="0" algn="r">
+            <a:pPr marL="0" lvl="0" indent="0" algn="r" rtl="0">
               <a:spcBef>
                 <a:spcPts val="0"/>
               </a:spcBef>
@@ -4580,11 +4685,11 @@
 </file>
 
 <file path=ppt/slideLayouts/slideLayout8.xml><?xml version="1.0" encoding="utf-8"?>
-<p:sldLayout xmlns:a="http://schemas.openxmlformats.org/drawingml/2006/main" xmlns:r="http://schemas.openxmlformats.org/officeDocument/2006/relationships" xmlns:mc="http://schemas.openxmlformats.org/markup-compatibility/2006" xmlns:mv="urn:schemas-microsoft-com:mac:vml" xmlns:p="http://schemas.openxmlformats.org/presentationml/2006/main" xmlns:c="http://schemas.openxmlformats.org/drawingml/2006/chart" xmlns:dgm="http://schemas.openxmlformats.org/drawingml/2006/diagram" xmlns:o="urn:schemas-microsoft-com:office:office" xmlns:v="urn:schemas-microsoft-com:vml" xmlns:pvml="urn:schemas-microsoft-com:office:powerpoint" xmlns:com="http://schemas.openxmlformats.org/drawingml/2006/compatibility" xmlns:p14="http://schemas.microsoft.com/office/powerpoint/2010/main" xmlns:p15="http://schemas.microsoft.com/office/powerpoint/2012/main" xmlns:ahyp="http://schemas.microsoft.com/office/drawing/2018/hyperlinkcolor" matchingName="Section title and description">
+<p:sldLayout xmlns:a="http://schemas.openxmlformats.org/drawingml/2006/main" xmlns:r="http://schemas.openxmlformats.org/officeDocument/2006/relationships" xmlns:p="http://schemas.openxmlformats.org/presentationml/2006/main" matchingName="Section title and description">
   <p:cSld name="SECTION_TITLE_AND_DESCRIPTION">
     <p:spTree>
       <p:nvGrpSpPr>
-        <p:cNvPr id="48" name="Shape 48"/>
+        <p:cNvPr id="1" name="Shape 48"/>
         <p:cNvGrpSpPr/>
         <p:nvPr/>
       </p:nvGrpSpPr>
@@ -4618,12 +4723,12 @@
           </a:ln>
         </p:spPr>
         <p:txBody>
-          <a:bodyPr anchorCtr="0" anchor="ctr" bIns="91425" lIns="91425" spcFirstLastPara="1" rIns="91425" wrap="square" tIns="91425">
+          <a:bodyPr spcFirstLastPara="1" wrap="square" lIns="91425" tIns="91425" rIns="91425" bIns="91425" anchor="ctr" anchorCtr="0">
             <a:noAutofit/>
           </a:bodyPr>
           <a:lstStyle/>
           <a:p>
-            <a:pPr indent="0" lvl="0" marL="0" rtl="0" algn="l">
+            <a:pPr marL="0" lvl="0" indent="0" algn="l" rtl="0">
               <a:spcBef>
                 <a:spcPts val="0"/>
               </a:spcBef>
@@ -4632,9 +4737,6 @@
               </a:spcAft>
               <a:buNone/>
             </a:pPr>
-            <a:r>
-              <a:t/>
-            </a:r>
             <a:endParaRPr/>
           </a:p>
         </p:txBody>
@@ -4654,21 +4756,23 @@
             <a:avLst/>
           </a:prstGeom>
           <a:noFill/>
-          <a:ln cap="flat" cmpd="sng" w="19050">
+          <a:ln w="19050" cap="flat" cmpd="sng">
             <a:solidFill>
               <a:schemeClr val="lt1"/>
             </a:solidFill>
             <a:prstDash val="solid"/>
             <a:round/>
-            <a:headEnd len="sm" w="sm" type="none"/>
-            <a:tailEnd len="sm" w="sm" type="none"/>
+            <a:headEnd type="none" w="sm" len="sm"/>
+            <a:tailEnd type="none" w="sm" len="sm"/>
           </a:ln>
         </p:spPr>
       </p:cxnSp>
       <p:sp>
         <p:nvSpPr>
           <p:cNvPr id="51" name="Google Shape;51;p9"/>
-          <p:cNvSpPr txBox="1"/>
+          <p:cNvSpPr txBox="1">
+            <a:spLocks noGrp="1"/>
+          </p:cNvSpPr>
           <p:nvPr>
             <p:ph type="title"/>
           </p:nvPr>
@@ -4683,11 +4787,11 @@
           </a:prstGeom>
         </p:spPr>
         <p:txBody>
-          <a:bodyPr anchorCtr="0" anchor="b" bIns="91425" lIns="91425" spcFirstLastPara="1" rIns="91425" wrap="square" tIns="91425">
+          <a:bodyPr spcFirstLastPara="1" wrap="square" lIns="91425" tIns="91425" rIns="91425" bIns="91425" anchor="b" anchorCtr="0">
             <a:noAutofit/>
           </a:bodyPr>
           <a:lstStyle>
-            <a:lvl1pPr lvl="0" rtl="0" algn="ctr">
+            <a:lvl1pPr lvl="0" algn="ctr" rtl="0">
               <a:spcBef>
                 <a:spcPts val="0"/>
               </a:spcBef>
@@ -4705,7 +4809,7 @@
                 </a:solidFill>
               </a:defRPr>
             </a:lvl1pPr>
-            <a:lvl2pPr lvl="1" rtl="0" algn="ctr">
+            <a:lvl2pPr lvl="1" algn="ctr" rtl="0">
               <a:spcBef>
                 <a:spcPts val="0"/>
               </a:spcBef>
@@ -4723,7 +4827,7 @@
                 </a:solidFill>
               </a:defRPr>
             </a:lvl2pPr>
-            <a:lvl3pPr lvl="2" rtl="0" algn="ctr">
+            <a:lvl3pPr lvl="2" algn="ctr" rtl="0">
               <a:spcBef>
                 <a:spcPts val="0"/>
               </a:spcBef>
@@ -4741,7 +4845,7 @@
                 </a:solidFill>
               </a:defRPr>
             </a:lvl3pPr>
-            <a:lvl4pPr lvl="3" rtl="0" algn="ctr">
+            <a:lvl4pPr lvl="3" algn="ctr" rtl="0">
               <a:spcBef>
                 <a:spcPts val="0"/>
               </a:spcBef>
@@ -4759,7 +4863,7 @@
                 </a:solidFill>
               </a:defRPr>
             </a:lvl4pPr>
-            <a:lvl5pPr lvl="4" rtl="0" algn="ctr">
+            <a:lvl5pPr lvl="4" algn="ctr" rtl="0">
               <a:spcBef>
                 <a:spcPts val="0"/>
               </a:spcBef>
@@ -4777,7 +4881,7 @@
                 </a:solidFill>
               </a:defRPr>
             </a:lvl5pPr>
-            <a:lvl6pPr lvl="5" rtl="0" algn="ctr">
+            <a:lvl6pPr lvl="5" algn="ctr" rtl="0">
               <a:spcBef>
                 <a:spcPts val="0"/>
               </a:spcBef>
@@ -4795,7 +4899,7 @@
                 </a:solidFill>
               </a:defRPr>
             </a:lvl6pPr>
-            <a:lvl7pPr lvl="6" rtl="0" algn="ctr">
+            <a:lvl7pPr lvl="6" algn="ctr" rtl="0">
               <a:spcBef>
                 <a:spcPts val="0"/>
               </a:spcBef>
@@ -4813,7 +4917,7 @@
                 </a:solidFill>
               </a:defRPr>
             </a:lvl7pPr>
-            <a:lvl8pPr lvl="7" rtl="0" algn="ctr">
+            <a:lvl8pPr lvl="7" algn="ctr" rtl="0">
               <a:spcBef>
                 <a:spcPts val="0"/>
               </a:spcBef>
@@ -4831,7 +4935,7 @@
                 </a:solidFill>
               </a:defRPr>
             </a:lvl8pPr>
-            <a:lvl9pPr lvl="8" rtl="0" algn="ctr">
+            <a:lvl9pPr lvl="8" algn="ctr" rtl="0">
               <a:spcBef>
                 <a:spcPts val="0"/>
               </a:spcBef>
@@ -4850,15 +4954,19 @@
               </a:defRPr>
             </a:lvl9pPr>
           </a:lstStyle>
-          <a:p/>
+          <a:p>
+            <a:endParaRPr/>
+          </a:p>
         </p:txBody>
       </p:sp>
       <p:sp>
         <p:nvSpPr>
           <p:cNvPr id="52" name="Google Shape;52;p9"/>
-          <p:cNvSpPr txBox="1"/>
+          <p:cNvSpPr txBox="1">
+            <a:spLocks noGrp="1"/>
+          </p:cNvSpPr>
           <p:nvPr>
-            <p:ph idx="1" type="subTitle"/>
+            <p:ph type="subTitle" idx="1"/>
           </p:nvPr>
         </p:nvSpPr>
         <p:spPr>
@@ -4871,11 +4979,11 @@
           </a:prstGeom>
         </p:spPr>
         <p:txBody>
-          <a:bodyPr anchorCtr="0" anchor="t" bIns="91425" lIns="91425" spcFirstLastPara="1" rIns="91425" wrap="square" tIns="91425">
+          <a:bodyPr spcFirstLastPara="1" wrap="square" lIns="91425" tIns="91425" rIns="91425" bIns="91425" anchor="t" anchorCtr="0">
             <a:noAutofit/>
           </a:bodyPr>
           <a:lstStyle>
-            <a:lvl1pPr lvl="0" rtl="0" algn="ctr">
+            <a:lvl1pPr lvl="0" algn="ctr" rtl="0">
               <a:lnSpc>
                 <a:spcPct val="100000"/>
               </a:lnSpc>
@@ -4889,7 +4997,7 @@
               <a:buNone/>
               <a:defRPr sz="2100"/>
             </a:lvl1pPr>
-            <a:lvl2pPr lvl="1" rtl="0" algn="ctr">
+            <a:lvl2pPr lvl="1" algn="ctr" rtl="0">
               <a:lnSpc>
                 <a:spcPct val="100000"/>
               </a:lnSpc>
@@ -4903,7 +5011,7 @@
               <a:buNone/>
               <a:defRPr sz="2100"/>
             </a:lvl2pPr>
-            <a:lvl3pPr lvl="2" rtl="0" algn="ctr">
+            <a:lvl3pPr lvl="2" algn="ctr" rtl="0">
               <a:lnSpc>
                 <a:spcPct val="100000"/>
               </a:lnSpc>
@@ -4917,7 +5025,7 @@
               <a:buNone/>
               <a:defRPr sz="2100"/>
             </a:lvl3pPr>
-            <a:lvl4pPr lvl="3" rtl="0" algn="ctr">
+            <a:lvl4pPr lvl="3" algn="ctr" rtl="0">
               <a:lnSpc>
                 <a:spcPct val="100000"/>
               </a:lnSpc>
@@ -4931,7 +5039,7 @@
               <a:buNone/>
               <a:defRPr sz="2100"/>
             </a:lvl4pPr>
-            <a:lvl5pPr lvl="4" rtl="0" algn="ctr">
+            <a:lvl5pPr lvl="4" algn="ctr" rtl="0">
               <a:lnSpc>
                 <a:spcPct val="100000"/>
               </a:lnSpc>
@@ -4945,7 +5053,7 @@
               <a:buNone/>
               <a:defRPr sz="2100"/>
             </a:lvl5pPr>
-            <a:lvl6pPr lvl="5" rtl="0" algn="ctr">
+            <a:lvl6pPr lvl="5" algn="ctr" rtl="0">
               <a:lnSpc>
                 <a:spcPct val="100000"/>
               </a:lnSpc>
@@ -4959,7 +5067,7 @@
               <a:buNone/>
               <a:defRPr sz="2100"/>
             </a:lvl6pPr>
-            <a:lvl7pPr lvl="6" rtl="0" algn="ctr">
+            <a:lvl7pPr lvl="6" algn="ctr" rtl="0">
               <a:lnSpc>
                 <a:spcPct val="100000"/>
               </a:lnSpc>
@@ -4973,7 +5081,7 @@
               <a:buNone/>
               <a:defRPr sz="2100"/>
             </a:lvl7pPr>
-            <a:lvl8pPr lvl="7" rtl="0" algn="ctr">
+            <a:lvl8pPr lvl="7" algn="ctr" rtl="0">
               <a:lnSpc>
                 <a:spcPct val="100000"/>
               </a:lnSpc>
@@ -4987,7 +5095,7 @@
               <a:buNone/>
               <a:defRPr sz="2100"/>
             </a:lvl8pPr>
-            <a:lvl9pPr lvl="8" rtl="0" algn="ctr">
+            <a:lvl9pPr lvl="8" algn="ctr" rtl="0">
               <a:lnSpc>
                 <a:spcPct val="100000"/>
               </a:lnSpc>
@@ -5002,15 +5110,19 @@
               <a:defRPr sz="2100"/>
             </a:lvl9pPr>
           </a:lstStyle>
-          <a:p/>
+          <a:p>
+            <a:endParaRPr/>
+          </a:p>
         </p:txBody>
       </p:sp>
       <p:sp>
         <p:nvSpPr>
           <p:cNvPr id="53" name="Google Shape;53;p9"/>
-          <p:cNvSpPr txBox="1"/>
+          <p:cNvSpPr txBox="1">
+            <a:spLocks noGrp="1"/>
+          </p:cNvSpPr>
           <p:nvPr>
-            <p:ph idx="2" type="body"/>
+            <p:ph type="body" idx="2"/>
           </p:nvPr>
         </p:nvSpPr>
         <p:spPr>
@@ -5023,11 +5135,11 @@
           </a:prstGeom>
         </p:spPr>
         <p:txBody>
-          <a:bodyPr anchorCtr="0" anchor="ctr" bIns="91425" lIns="91425" spcFirstLastPara="1" rIns="91425" wrap="square" tIns="91425">
+          <a:bodyPr spcFirstLastPara="1" wrap="square" lIns="91425" tIns="91425" rIns="91425" bIns="91425" anchor="ctr" anchorCtr="0">
             <a:noAutofit/>
           </a:bodyPr>
           <a:lstStyle>
-            <a:lvl1pPr indent="-342900" lvl="0" marL="457200" rtl="0">
+            <a:lvl1pPr marL="457200" lvl="0" indent="-342900" rtl="0">
               <a:spcBef>
                 <a:spcPts val="0"/>
               </a:spcBef>
@@ -5045,7 +5157,7 @@
                 </a:solidFill>
               </a:defRPr>
             </a:lvl1pPr>
-            <a:lvl2pPr indent="-317500" lvl="1" marL="914400" rtl="0">
+            <a:lvl2pPr marL="914400" lvl="1" indent="-317500" rtl="0">
               <a:spcBef>
                 <a:spcPts val="1600"/>
               </a:spcBef>
@@ -5063,7 +5175,7 @@
                 </a:solidFill>
               </a:defRPr>
             </a:lvl2pPr>
-            <a:lvl3pPr indent="-317500" lvl="2" marL="1371600" rtl="0">
+            <a:lvl3pPr marL="1371600" lvl="2" indent="-317500" rtl="0">
               <a:spcBef>
                 <a:spcPts val="1600"/>
               </a:spcBef>
@@ -5081,7 +5193,7 @@
                 </a:solidFill>
               </a:defRPr>
             </a:lvl3pPr>
-            <a:lvl4pPr indent="-317500" lvl="3" marL="1828800" rtl="0">
+            <a:lvl4pPr marL="1828800" lvl="3" indent="-317500" rtl="0">
               <a:spcBef>
                 <a:spcPts val="1600"/>
               </a:spcBef>
@@ -5099,7 +5211,7 @@
                 </a:solidFill>
               </a:defRPr>
             </a:lvl4pPr>
-            <a:lvl5pPr indent="-317500" lvl="4" marL="2286000" rtl="0">
+            <a:lvl5pPr marL="2286000" lvl="4" indent="-317500" rtl="0">
               <a:spcBef>
                 <a:spcPts val="1600"/>
               </a:spcBef>
@@ -5117,7 +5229,7 @@
                 </a:solidFill>
               </a:defRPr>
             </a:lvl5pPr>
-            <a:lvl6pPr indent="-317500" lvl="5" marL="2743200" rtl="0">
+            <a:lvl6pPr marL="2743200" lvl="5" indent="-317500" rtl="0">
               <a:spcBef>
                 <a:spcPts val="1600"/>
               </a:spcBef>
@@ -5135,7 +5247,7 @@
                 </a:solidFill>
               </a:defRPr>
             </a:lvl6pPr>
-            <a:lvl7pPr indent="-317500" lvl="6" marL="3200400" rtl="0">
+            <a:lvl7pPr marL="3200400" lvl="6" indent="-317500" rtl="0">
               <a:spcBef>
                 <a:spcPts val="1600"/>
               </a:spcBef>
@@ -5153,7 +5265,7 @@
                 </a:solidFill>
               </a:defRPr>
             </a:lvl7pPr>
-            <a:lvl8pPr indent="-317500" lvl="7" marL="3657600" rtl="0">
+            <a:lvl8pPr marL="3657600" lvl="7" indent="-317500" rtl="0">
               <a:spcBef>
                 <a:spcPts val="1600"/>
               </a:spcBef>
@@ -5171,7 +5283,7 @@
                 </a:solidFill>
               </a:defRPr>
             </a:lvl8pPr>
-            <a:lvl9pPr indent="-317500" lvl="8" marL="4114800" rtl="0">
+            <a:lvl9pPr marL="4114800" lvl="8" indent="-317500" rtl="0">
               <a:spcBef>
                 <a:spcPts val="1600"/>
               </a:spcBef>
@@ -5190,15 +5302,19 @@
               </a:defRPr>
             </a:lvl9pPr>
           </a:lstStyle>
-          <a:p/>
+          <a:p>
+            <a:endParaRPr/>
+          </a:p>
         </p:txBody>
       </p:sp>
       <p:sp>
         <p:nvSpPr>
           <p:cNvPr id="54" name="Google Shape;54;p9"/>
-          <p:cNvSpPr txBox="1"/>
+          <p:cNvSpPr txBox="1">
+            <a:spLocks noGrp="1"/>
+          </p:cNvSpPr>
           <p:nvPr>
-            <p:ph idx="12" type="sldNum"/>
+            <p:ph type="sldNum" idx="12"/>
           </p:nvPr>
         </p:nvSpPr>
         <p:spPr>
@@ -5211,7 +5327,7 @@
           </a:prstGeom>
         </p:spPr>
         <p:txBody>
-          <a:bodyPr anchorCtr="0" anchor="ctr" bIns="91425" lIns="91425" spcFirstLastPara="1" rIns="91425" wrap="square" tIns="91425">
+          <a:bodyPr spcFirstLastPara="1" wrap="square" lIns="91425" tIns="91425" rIns="91425" bIns="91425" anchor="ctr" anchorCtr="0">
             <a:noAutofit/>
           </a:bodyPr>
           <a:lstStyle>
@@ -5289,7 +5405,7 @@
             </a:lvl9pPr>
           </a:lstStyle>
           <a:p>
-            <a:pPr indent="0" lvl="0" marL="0" rtl="0" algn="r">
+            <a:pPr marL="0" lvl="0" indent="0" algn="r" rtl="0">
               <a:spcBef>
                 <a:spcPts val="0"/>
               </a:spcBef>
@@ -5315,11 +5431,11 @@
 </file>
 
 <file path=ppt/slideLayouts/slideLayout9.xml><?xml version="1.0" encoding="utf-8"?>
-<p:sldLayout xmlns:a="http://schemas.openxmlformats.org/drawingml/2006/main" xmlns:r="http://schemas.openxmlformats.org/officeDocument/2006/relationships" xmlns:mc="http://schemas.openxmlformats.org/markup-compatibility/2006" xmlns:mv="urn:schemas-microsoft-com:mac:vml" xmlns:p="http://schemas.openxmlformats.org/presentationml/2006/main" xmlns:c="http://schemas.openxmlformats.org/drawingml/2006/chart" xmlns:dgm="http://schemas.openxmlformats.org/drawingml/2006/diagram" xmlns:o="urn:schemas-microsoft-com:office:office" xmlns:v="urn:schemas-microsoft-com:vml" xmlns:pvml="urn:schemas-microsoft-com:office:powerpoint" xmlns:com="http://schemas.openxmlformats.org/drawingml/2006/compatibility" xmlns:p14="http://schemas.microsoft.com/office/powerpoint/2010/main" xmlns:p15="http://schemas.microsoft.com/office/powerpoint/2012/main" xmlns:ahyp="http://schemas.microsoft.com/office/drawing/2018/hyperlinkcolor" matchingName="Caption">
+<p:sldLayout xmlns:a="http://schemas.openxmlformats.org/drawingml/2006/main" xmlns:r="http://schemas.openxmlformats.org/officeDocument/2006/relationships" xmlns:p="http://schemas.openxmlformats.org/presentationml/2006/main" matchingName="Caption">
   <p:cSld name="CAPTION_ONLY">
     <p:spTree>
       <p:nvGrpSpPr>
-        <p:cNvPr id="55" name="Shape 55"/>
+        <p:cNvPr id="1" name="Shape 55"/>
         <p:cNvGrpSpPr/>
         <p:nvPr/>
       </p:nvGrpSpPr>
@@ -5346,14 +5462,14 @@
             <a:avLst/>
           </a:prstGeom>
           <a:noFill/>
-          <a:ln cap="flat" cmpd="sng" w="19050">
+          <a:ln w="19050" cap="flat" cmpd="sng">
             <a:solidFill>
               <a:schemeClr val="dk2"/>
             </a:solidFill>
             <a:prstDash val="solid"/>
             <a:round/>
-            <a:headEnd len="sm" w="sm" type="none"/>
-            <a:tailEnd len="sm" w="sm" type="none"/>
+            <a:headEnd type="none" w="sm" len="sm"/>
+            <a:tailEnd type="none" w="sm" len="sm"/>
           </a:ln>
         </p:spPr>
       </p:cxnSp>
@@ -5372,23 +5488,25 @@
             <a:avLst/>
           </a:prstGeom>
           <a:noFill/>
-          <a:ln cap="flat" cmpd="sng" w="19050">
+          <a:ln w="19050" cap="flat" cmpd="sng">
             <a:solidFill>
               <a:schemeClr val="dk2"/>
             </a:solidFill>
             <a:prstDash val="solid"/>
             <a:round/>
-            <a:headEnd len="sm" w="sm" type="none"/>
-            <a:tailEnd len="sm" w="sm" type="none"/>
+            <a:headEnd type="none" w="sm" len="sm"/>
+            <a:tailEnd type="none" w="sm" len="sm"/>
           </a:ln>
         </p:spPr>
       </p:cxnSp>
       <p:sp>
         <p:nvSpPr>
           <p:cNvPr id="58" name="Google Shape;58;p10"/>
-          <p:cNvSpPr txBox="1"/>
+          <p:cNvSpPr txBox="1">
+            <a:spLocks noGrp="1"/>
+          </p:cNvSpPr>
           <p:nvPr>
-            <p:ph idx="1" type="body"/>
+            <p:ph type="body" idx="1"/>
           </p:nvPr>
         </p:nvSpPr>
         <p:spPr>
@@ -5401,11 +5519,11 @@
           </a:prstGeom>
         </p:spPr>
         <p:txBody>
-          <a:bodyPr anchorCtr="0" anchor="ctr" bIns="91425" lIns="91425" spcFirstLastPara="1" rIns="91425" wrap="square" tIns="91425">
+          <a:bodyPr spcFirstLastPara="1" wrap="square" lIns="91425" tIns="91425" rIns="91425" bIns="91425" anchor="ctr" anchorCtr="0">
             <a:noAutofit/>
           </a:bodyPr>
           <a:lstStyle>
-            <a:lvl1pPr indent="-228600" lvl="0" marL="457200" rtl="0">
+            <a:lvl1pPr marL="457200" lvl="0" indent="-228600" rtl="0">
               <a:lnSpc>
                 <a:spcPct val="100000"/>
               </a:lnSpc>
@@ -5420,15 +5538,19 @@
               <a:defRPr/>
             </a:lvl1pPr>
           </a:lstStyle>
-          <a:p/>
+          <a:p>
+            <a:endParaRPr/>
+          </a:p>
         </p:txBody>
       </p:sp>
       <p:sp>
         <p:nvSpPr>
           <p:cNvPr id="59" name="Google Shape;59;p10"/>
-          <p:cNvSpPr txBox="1"/>
+          <p:cNvSpPr txBox="1">
+            <a:spLocks noGrp="1"/>
+          </p:cNvSpPr>
           <p:nvPr>
-            <p:ph idx="12" type="sldNum"/>
+            <p:ph type="sldNum" idx="12"/>
           </p:nvPr>
         </p:nvSpPr>
         <p:spPr>
@@ -5441,7 +5563,7 @@
           </a:prstGeom>
         </p:spPr>
         <p:txBody>
-          <a:bodyPr anchorCtr="0" anchor="ctr" bIns="91425" lIns="91425" spcFirstLastPara="1" rIns="91425" wrap="square" tIns="91425">
+          <a:bodyPr spcFirstLastPara="1" wrap="square" lIns="91425" tIns="91425" rIns="91425" bIns="91425" anchor="ctr" anchorCtr="0">
             <a:noAutofit/>
           </a:bodyPr>
           <a:lstStyle>
@@ -5483,7 +5605,7 @@
             </a:lvl9pPr>
           </a:lstStyle>
           <a:p>
-            <a:pPr indent="0" lvl="0" marL="0" rtl="0" algn="r">
+            <a:pPr marL="0" lvl="0" indent="0" algn="r" rtl="0">
               <a:spcBef>
                 <a:spcPts val="0"/>
               </a:spcBef>
@@ -5509,18 +5631,19 @@
 </file>
 
 <file path=ppt/slideMasters/slideMaster1.xml><?xml version="1.0" encoding="utf-8"?>
-<p:sldMaster xmlns:a="http://schemas.openxmlformats.org/drawingml/2006/main" xmlns:r="http://schemas.openxmlformats.org/officeDocument/2006/relationships" xmlns:mc="http://schemas.openxmlformats.org/markup-compatibility/2006" xmlns:mv="urn:schemas-microsoft-com:mac:vml" xmlns:p="http://schemas.openxmlformats.org/presentationml/2006/main" xmlns:c="http://schemas.openxmlformats.org/drawingml/2006/chart" xmlns:dgm="http://schemas.openxmlformats.org/drawingml/2006/diagram" xmlns:o="urn:schemas-microsoft-com:office:office" xmlns:v="urn:schemas-microsoft-com:vml" xmlns:pvml="urn:schemas-microsoft-com:office:powerpoint" xmlns:com="http://schemas.openxmlformats.org/drawingml/2006/compatibility" xmlns:p14="http://schemas.microsoft.com/office/powerpoint/2010/main" xmlns:p15="http://schemas.microsoft.com/office/powerpoint/2012/main" xmlns:ahyp="http://schemas.microsoft.com/office/drawing/2018/hyperlinkcolor">
+<p:sldMaster xmlns:a="http://schemas.openxmlformats.org/drawingml/2006/main" xmlns:r="http://schemas.openxmlformats.org/officeDocument/2006/relationships" xmlns:p="http://schemas.openxmlformats.org/presentationml/2006/main">
   <p:cSld name="swiss-2">
     <p:bg>
       <p:bgPr>
         <a:solidFill>
           <a:schemeClr val="lt1"/>
         </a:solidFill>
+        <a:effectLst/>
       </p:bgPr>
     </p:bg>
     <p:spTree>
       <p:nvGrpSpPr>
-        <p:cNvPr id="5" name="Shape 5"/>
+        <p:cNvPr id="1" name="Shape 5"/>
         <p:cNvGrpSpPr/>
         <p:nvPr/>
       </p:nvGrpSpPr>
@@ -5535,7 +5658,9 @@
       <p:sp>
         <p:nvSpPr>
           <p:cNvPr id="6" name="Google Shape;6;p1"/>
-          <p:cNvSpPr txBox="1"/>
+          <p:cNvSpPr txBox="1">
+            <a:spLocks noGrp="1"/>
+          </p:cNvSpPr>
           <p:nvPr>
             <p:ph type="title"/>
           </p:nvPr>
@@ -5554,7 +5679,7 @@
           </a:ln>
         </p:spPr>
         <p:txBody>
-          <a:bodyPr anchorCtr="0" anchor="t" bIns="91425" lIns="91425" spcFirstLastPara="1" rIns="91425" wrap="square" tIns="91425">
+          <a:bodyPr spcFirstLastPara="1" wrap="square" lIns="91425" tIns="91425" rIns="91425" bIns="91425" anchor="t" anchorCtr="0">
             <a:noAutofit/>
           </a:bodyPr>
           <a:lstStyle>
@@ -5571,7 +5696,7 @@
               <a:buSzPts val="3000"/>
               <a:buFont typeface="Raleway"/>
               <a:buNone/>
-              <a:defRPr b="1" sz="3000">
+              <a:defRPr sz="3000" b="1">
                 <a:solidFill>
                   <a:schemeClr val="dk2"/>
                 </a:solidFill>
@@ -5594,7 +5719,7 @@
               <a:buSzPts val="3000"/>
               <a:buFont typeface="Raleway"/>
               <a:buNone/>
-              <a:defRPr b="1" sz="3000">
+              <a:defRPr sz="3000" b="1">
                 <a:solidFill>
                   <a:schemeClr val="dk2"/>
                 </a:solidFill>
@@ -5617,7 +5742,7 @@
               <a:buSzPts val="3000"/>
               <a:buFont typeface="Raleway"/>
               <a:buNone/>
-              <a:defRPr b="1" sz="3000">
+              <a:defRPr sz="3000" b="1">
                 <a:solidFill>
                   <a:schemeClr val="dk2"/>
                 </a:solidFill>
@@ -5640,7 +5765,7 @@
               <a:buSzPts val="3000"/>
               <a:buFont typeface="Raleway"/>
               <a:buNone/>
-              <a:defRPr b="1" sz="3000">
+              <a:defRPr sz="3000" b="1">
                 <a:solidFill>
                   <a:schemeClr val="dk2"/>
                 </a:solidFill>
@@ -5663,7 +5788,7 @@
               <a:buSzPts val="3000"/>
               <a:buFont typeface="Raleway"/>
               <a:buNone/>
-              <a:defRPr b="1" sz="3000">
+              <a:defRPr sz="3000" b="1">
                 <a:solidFill>
                   <a:schemeClr val="dk2"/>
                 </a:solidFill>
@@ -5686,7 +5811,7 @@
               <a:buSzPts val="3000"/>
               <a:buFont typeface="Raleway"/>
               <a:buNone/>
-              <a:defRPr b="1" sz="3000">
+              <a:defRPr sz="3000" b="1">
                 <a:solidFill>
                   <a:schemeClr val="dk2"/>
                 </a:solidFill>
@@ -5709,7 +5834,7 @@
               <a:buSzPts val="3000"/>
               <a:buFont typeface="Raleway"/>
               <a:buNone/>
-              <a:defRPr b="1" sz="3000">
+              <a:defRPr sz="3000" b="1">
                 <a:solidFill>
                   <a:schemeClr val="dk2"/>
                 </a:solidFill>
@@ -5732,7 +5857,7 @@
               <a:buSzPts val="3000"/>
               <a:buFont typeface="Raleway"/>
               <a:buNone/>
-              <a:defRPr b="1" sz="3000">
+              <a:defRPr sz="3000" b="1">
                 <a:solidFill>
                   <a:schemeClr val="dk2"/>
                 </a:solidFill>
@@ -5755,7 +5880,7 @@
               <a:buSzPts val="3000"/>
               <a:buFont typeface="Raleway"/>
               <a:buNone/>
-              <a:defRPr b="1" sz="3000">
+              <a:defRPr sz="3000" b="1">
                 <a:solidFill>
                   <a:schemeClr val="dk2"/>
                 </a:solidFill>
@@ -5766,15 +5891,19 @@
               </a:defRPr>
             </a:lvl9pPr>
           </a:lstStyle>
-          <a:p/>
+          <a:p>
+            <a:endParaRPr/>
+          </a:p>
         </p:txBody>
       </p:sp>
       <p:sp>
         <p:nvSpPr>
           <p:cNvPr id="7" name="Google Shape;7;p1"/>
-          <p:cNvSpPr txBox="1"/>
+          <p:cNvSpPr txBox="1">
+            <a:spLocks noGrp="1"/>
+          </p:cNvSpPr>
           <p:nvPr>
-            <p:ph idx="1" type="body"/>
+            <p:ph type="body" idx="1"/>
           </p:nvPr>
         </p:nvSpPr>
         <p:spPr>
@@ -5791,11 +5920,11 @@
           </a:ln>
         </p:spPr>
         <p:txBody>
-          <a:bodyPr anchorCtr="0" anchor="t" bIns="91425" lIns="91425" spcFirstLastPara="1" rIns="91425" wrap="square" tIns="91425">
+          <a:bodyPr spcFirstLastPara="1" wrap="square" lIns="91425" tIns="91425" rIns="91425" bIns="91425" anchor="t" anchorCtr="0">
             <a:noAutofit/>
           </a:bodyPr>
           <a:lstStyle>
-            <a:lvl1pPr indent="-342900" lvl="0" marL="457200" rtl="0">
+            <a:lvl1pPr marL="457200" lvl="0" indent="-342900" rtl="0">
               <a:lnSpc>
                 <a:spcPct val="115000"/>
               </a:lnSpc>
@@ -5821,7 +5950,7 @@
                 <a:sym typeface="Lato"/>
               </a:defRPr>
             </a:lvl1pPr>
-            <a:lvl2pPr indent="-317500" lvl="1" marL="914400" rtl="0">
+            <a:lvl2pPr marL="914400" lvl="1" indent="-317500" rtl="0">
               <a:lnSpc>
                 <a:spcPct val="115000"/>
               </a:lnSpc>
@@ -5847,7 +5976,7 @@
                 <a:sym typeface="Lato"/>
               </a:defRPr>
             </a:lvl2pPr>
-            <a:lvl3pPr indent="-317500" lvl="2" marL="1371600" rtl="0">
+            <a:lvl3pPr marL="1371600" lvl="2" indent="-317500" rtl="0">
               <a:lnSpc>
                 <a:spcPct val="115000"/>
               </a:lnSpc>
@@ -5873,7 +6002,7 @@
                 <a:sym typeface="Lato"/>
               </a:defRPr>
             </a:lvl3pPr>
-            <a:lvl4pPr indent="-317500" lvl="3" marL="1828800" rtl="0">
+            <a:lvl4pPr marL="1828800" lvl="3" indent="-317500" rtl="0">
               <a:lnSpc>
                 <a:spcPct val="115000"/>
               </a:lnSpc>
@@ -5899,7 +6028,7 @@
                 <a:sym typeface="Lato"/>
               </a:defRPr>
             </a:lvl4pPr>
-            <a:lvl5pPr indent="-317500" lvl="4" marL="2286000" rtl="0">
+            <a:lvl5pPr marL="2286000" lvl="4" indent="-317500" rtl="0">
               <a:lnSpc>
                 <a:spcPct val="115000"/>
               </a:lnSpc>
@@ -5925,7 +6054,7 @@
                 <a:sym typeface="Lato"/>
               </a:defRPr>
             </a:lvl5pPr>
-            <a:lvl6pPr indent="-317500" lvl="5" marL="2743200" rtl="0">
+            <a:lvl6pPr marL="2743200" lvl="5" indent="-317500" rtl="0">
               <a:lnSpc>
                 <a:spcPct val="115000"/>
               </a:lnSpc>
@@ -5951,7 +6080,7 @@
                 <a:sym typeface="Lato"/>
               </a:defRPr>
             </a:lvl6pPr>
-            <a:lvl7pPr indent="-317500" lvl="6" marL="3200400" rtl="0">
+            <a:lvl7pPr marL="3200400" lvl="6" indent="-317500" rtl="0">
               <a:lnSpc>
                 <a:spcPct val="115000"/>
               </a:lnSpc>
@@ -5977,7 +6106,7 @@
                 <a:sym typeface="Lato"/>
               </a:defRPr>
             </a:lvl7pPr>
-            <a:lvl8pPr indent="-317500" lvl="7" marL="3657600" rtl="0">
+            <a:lvl8pPr marL="3657600" lvl="7" indent="-317500" rtl="0">
               <a:lnSpc>
                 <a:spcPct val="115000"/>
               </a:lnSpc>
@@ -6003,7 +6132,7 @@
                 <a:sym typeface="Lato"/>
               </a:defRPr>
             </a:lvl8pPr>
-            <a:lvl9pPr indent="-317500" lvl="8" marL="4114800" rtl="0">
+            <a:lvl9pPr marL="4114800" lvl="8" indent="-317500" rtl="0">
               <a:lnSpc>
                 <a:spcPct val="115000"/>
               </a:lnSpc>
@@ -6030,15 +6159,19 @@
               </a:defRPr>
             </a:lvl9pPr>
           </a:lstStyle>
-          <a:p/>
+          <a:p>
+            <a:endParaRPr/>
+          </a:p>
         </p:txBody>
       </p:sp>
       <p:sp>
         <p:nvSpPr>
           <p:cNvPr id="8" name="Google Shape;8;p1"/>
-          <p:cNvSpPr txBox="1"/>
+          <p:cNvSpPr txBox="1">
+            <a:spLocks noGrp="1"/>
+          </p:cNvSpPr>
           <p:nvPr>
-            <p:ph idx="12" type="sldNum"/>
+            <p:ph type="sldNum" idx="12"/>
           </p:nvPr>
         </p:nvSpPr>
         <p:spPr>
@@ -6055,11 +6188,11 @@
           </a:ln>
         </p:spPr>
         <p:txBody>
-          <a:bodyPr anchorCtr="0" anchor="ctr" bIns="91425" lIns="91425" spcFirstLastPara="1" rIns="91425" wrap="square" tIns="91425">
+          <a:bodyPr spcFirstLastPara="1" wrap="square" lIns="91425" tIns="91425" rIns="91425" bIns="91425" anchor="ctr" anchorCtr="0">
             <a:noAutofit/>
           </a:bodyPr>
           <a:lstStyle>
-            <a:lvl1pPr lvl="0" rtl="0" algn="r">
+            <a:lvl1pPr lvl="0" algn="r" rtl="0">
               <a:buNone/>
               <a:defRPr sz="1000">
                 <a:solidFill>
@@ -6071,7 +6204,7 @@
                 <a:sym typeface="Lato"/>
               </a:defRPr>
             </a:lvl1pPr>
-            <a:lvl2pPr lvl="1" rtl="0" algn="r">
+            <a:lvl2pPr lvl="1" algn="r" rtl="0">
               <a:buNone/>
               <a:defRPr sz="1000">
                 <a:solidFill>
@@ -6083,7 +6216,7 @@
                 <a:sym typeface="Lato"/>
               </a:defRPr>
             </a:lvl2pPr>
-            <a:lvl3pPr lvl="2" rtl="0" algn="r">
+            <a:lvl3pPr lvl="2" algn="r" rtl="0">
               <a:buNone/>
               <a:defRPr sz="1000">
                 <a:solidFill>
@@ -6095,7 +6228,7 @@
                 <a:sym typeface="Lato"/>
               </a:defRPr>
             </a:lvl3pPr>
-            <a:lvl4pPr lvl="3" rtl="0" algn="r">
+            <a:lvl4pPr lvl="3" algn="r" rtl="0">
               <a:buNone/>
               <a:defRPr sz="1000">
                 <a:solidFill>
@@ -6107,7 +6240,7 @@
                 <a:sym typeface="Lato"/>
               </a:defRPr>
             </a:lvl4pPr>
-            <a:lvl5pPr lvl="4" rtl="0" algn="r">
+            <a:lvl5pPr lvl="4" algn="r" rtl="0">
               <a:buNone/>
               <a:defRPr sz="1000">
                 <a:solidFill>
@@ -6119,7 +6252,7 @@
                 <a:sym typeface="Lato"/>
               </a:defRPr>
             </a:lvl5pPr>
-            <a:lvl6pPr lvl="5" rtl="0" algn="r">
+            <a:lvl6pPr lvl="5" algn="r" rtl="0">
               <a:buNone/>
               <a:defRPr sz="1000">
                 <a:solidFill>
@@ -6131,7 +6264,7 @@
                 <a:sym typeface="Lato"/>
               </a:defRPr>
             </a:lvl6pPr>
-            <a:lvl7pPr lvl="6" rtl="0" algn="r">
+            <a:lvl7pPr lvl="6" algn="r" rtl="0">
               <a:buNone/>
               <a:defRPr sz="1000">
                 <a:solidFill>
@@ -6143,7 +6276,7 @@
                 <a:sym typeface="Lato"/>
               </a:defRPr>
             </a:lvl7pPr>
-            <a:lvl8pPr lvl="7" rtl="0" algn="r">
+            <a:lvl8pPr lvl="7" algn="r" rtl="0">
               <a:buNone/>
               <a:defRPr sz="1000">
                 <a:solidFill>
@@ -6155,7 +6288,7 @@
                 <a:sym typeface="Lato"/>
               </a:defRPr>
             </a:lvl8pPr>
-            <a:lvl9pPr lvl="8" rtl="0" algn="r">
+            <a:lvl9pPr lvl="8" algn="r" rtl="0">
               <a:buNone/>
               <a:defRPr sz="1000">
                 <a:solidFill>
@@ -6169,7 +6302,7 @@
             </a:lvl9pPr>
           </a:lstStyle>
           <a:p>
-            <a:pPr indent="0" lvl="0" marL="0" rtl="0" algn="r">
+            <a:pPr marL="0" lvl="0" indent="0" algn="r" rtl="0">
               <a:spcBef>
                 <a:spcPts val="0"/>
               </a:spcBef>
@@ -6188,7 +6321,7 @@
       </p:sp>
     </p:spTree>
   </p:cSld>
-  <p:clrMap accent1="accent1" accent2="accent2" accent3="accent3" accent4="accent4" accent5="accent5" accent6="accent6" bg1="lt1" bg2="dk2" tx1="dk1" tx2="lt2" folHlink="folHlink" hlink="hlink"/>
+  <p:clrMap bg1="lt1" tx1="dk1" bg2="dk2" tx2="lt2" accent1="accent1" accent2="accent2" accent3="accent3" accent4="accent4" accent5="accent5" accent6="accent6" hlink="hlink" folHlink="folHlink"/>
   <p:sldLayoutIdLst>
     <p:sldLayoutId id="2147483648" r:id="rId1"/>
     <p:sldLayoutId id="2147483649" r:id="rId2"/>
@@ -6202,10 +6335,10 @@
     <p:sldLayoutId id="2147483657" r:id="rId10"/>
     <p:sldLayoutId id="2147483658" r:id="rId11"/>
   </p:sldLayoutIdLst>
-  <p:hf dt="0" ftr="0" hdr="0" sldNum="0"/>
+  <p:hf sldNum="0" hdr="0" ftr="0" dt="0"/>
   <p:txStyles>
     <p:titleStyle>
-      <a:defPPr lvl="0" marR="0" rtl="0" algn="l">
+      <a:defPPr marR="0" lvl="0" algn="l" rtl="0">
         <a:lnSpc>
           <a:spcPct val="100000"/>
         </a:lnSpc>
@@ -6216,7 +6349,7 @@
           <a:spcPts val="0"/>
         </a:spcAft>
       </a:defPPr>
-      <a:lvl1pPr lvl="0" marR="0" rtl="0" algn="l">
+      <a:lvl1pPr marR="0" lvl="0" algn="l" rtl="0">
         <a:lnSpc>
           <a:spcPct val="100000"/>
         </a:lnSpc>
@@ -6230,7 +6363,7 @@
           <a:srgbClr val="000000"/>
         </a:buClr>
         <a:buFont typeface="Arial"/>
-        <a:defRPr b="0" i="0" sz="1400" u="none" cap="none" strike="noStrike">
+        <a:defRPr sz="1400" b="0" i="0" u="none" strike="noStrike" cap="none">
           <a:solidFill>
             <a:srgbClr val="000000"/>
           </a:solidFill>
@@ -6240,7 +6373,7 @@
           <a:sym typeface="Arial"/>
         </a:defRPr>
       </a:lvl1pPr>
-      <a:lvl2pPr lvl="1" marR="0" rtl="0" algn="l">
+      <a:lvl2pPr marR="0" lvl="1" algn="l" rtl="0">
         <a:lnSpc>
           <a:spcPct val="100000"/>
         </a:lnSpc>
@@ -6254,7 +6387,7 @@
           <a:srgbClr val="000000"/>
         </a:buClr>
         <a:buFont typeface="Arial"/>
-        <a:defRPr b="0" i="0" sz="1400" u="none" cap="none" strike="noStrike">
+        <a:defRPr sz="1400" b="0" i="0" u="none" strike="noStrike" cap="none">
           <a:solidFill>
             <a:srgbClr val="000000"/>
           </a:solidFill>
@@ -6264,7 +6397,7 @@
           <a:sym typeface="Arial"/>
         </a:defRPr>
       </a:lvl2pPr>
-      <a:lvl3pPr lvl="2" marR="0" rtl="0" algn="l">
+      <a:lvl3pPr marR="0" lvl="2" algn="l" rtl="0">
         <a:lnSpc>
           <a:spcPct val="100000"/>
         </a:lnSpc>
@@ -6278,7 +6411,7 @@
           <a:srgbClr val="000000"/>
         </a:buClr>
         <a:buFont typeface="Arial"/>
-        <a:defRPr b="0" i="0" sz="1400" u="none" cap="none" strike="noStrike">
+        <a:defRPr sz="1400" b="0" i="0" u="none" strike="noStrike" cap="none">
           <a:solidFill>
             <a:srgbClr val="000000"/>
           </a:solidFill>
@@ -6288,7 +6421,7 @@
           <a:sym typeface="Arial"/>
         </a:defRPr>
       </a:lvl3pPr>
-      <a:lvl4pPr lvl="3" marR="0" rtl="0" algn="l">
+      <a:lvl4pPr marR="0" lvl="3" algn="l" rtl="0">
         <a:lnSpc>
           <a:spcPct val="100000"/>
         </a:lnSpc>
@@ -6302,7 +6435,7 @@
           <a:srgbClr val="000000"/>
         </a:buClr>
         <a:buFont typeface="Arial"/>
-        <a:defRPr b="0" i="0" sz="1400" u="none" cap="none" strike="noStrike">
+        <a:defRPr sz="1400" b="0" i="0" u="none" strike="noStrike" cap="none">
           <a:solidFill>
             <a:srgbClr val="000000"/>
           </a:solidFill>
@@ -6312,7 +6445,7 @@
           <a:sym typeface="Arial"/>
         </a:defRPr>
       </a:lvl4pPr>
-      <a:lvl5pPr lvl="4" marR="0" rtl="0" algn="l">
+      <a:lvl5pPr marR="0" lvl="4" algn="l" rtl="0">
         <a:lnSpc>
           <a:spcPct val="100000"/>
         </a:lnSpc>
@@ -6326,7 +6459,7 @@
           <a:srgbClr val="000000"/>
         </a:buClr>
         <a:buFont typeface="Arial"/>
-        <a:defRPr b="0" i="0" sz="1400" u="none" cap="none" strike="noStrike">
+        <a:defRPr sz="1400" b="0" i="0" u="none" strike="noStrike" cap="none">
           <a:solidFill>
             <a:srgbClr val="000000"/>
           </a:solidFill>
@@ -6336,7 +6469,7 @@
           <a:sym typeface="Arial"/>
         </a:defRPr>
       </a:lvl5pPr>
-      <a:lvl6pPr lvl="5" marR="0" rtl="0" algn="l">
+      <a:lvl6pPr marR="0" lvl="5" algn="l" rtl="0">
         <a:lnSpc>
           <a:spcPct val="100000"/>
         </a:lnSpc>
@@ -6350,7 +6483,7 @@
           <a:srgbClr val="000000"/>
         </a:buClr>
         <a:buFont typeface="Arial"/>
-        <a:defRPr b="0" i="0" sz="1400" u="none" cap="none" strike="noStrike">
+        <a:defRPr sz="1400" b="0" i="0" u="none" strike="noStrike" cap="none">
           <a:solidFill>
             <a:srgbClr val="000000"/>
           </a:solidFill>
@@ -6360,7 +6493,7 @@
           <a:sym typeface="Arial"/>
         </a:defRPr>
       </a:lvl6pPr>
-      <a:lvl7pPr lvl="6" marR="0" rtl="0" algn="l">
+      <a:lvl7pPr marR="0" lvl="6" algn="l" rtl="0">
         <a:lnSpc>
           <a:spcPct val="100000"/>
         </a:lnSpc>
@@ -6374,7 +6507,7 @@
           <a:srgbClr val="000000"/>
         </a:buClr>
         <a:buFont typeface="Arial"/>
-        <a:defRPr b="0" i="0" sz="1400" u="none" cap="none" strike="noStrike">
+        <a:defRPr sz="1400" b="0" i="0" u="none" strike="noStrike" cap="none">
           <a:solidFill>
             <a:srgbClr val="000000"/>
           </a:solidFill>
@@ -6384,7 +6517,7 @@
           <a:sym typeface="Arial"/>
         </a:defRPr>
       </a:lvl7pPr>
-      <a:lvl8pPr lvl="7" marR="0" rtl="0" algn="l">
+      <a:lvl8pPr marR="0" lvl="7" algn="l" rtl="0">
         <a:lnSpc>
           <a:spcPct val="100000"/>
         </a:lnSpc>
@@ -6398,7 +6531,7 @@
           <a:srgbClr val="000000"/>
         </a:buClr>
         <a:buFont typeface="Arial"/>
-        <a:defRPr b="0" i="0" sz="1400" u="none" cap="none" strike="noStrike">
+        <a:defRPr sz="1400" b="0" i="0" u="none" strike="noStrike" cap="none">
           <a:solidFill>
             <a:srgbClr val="000000"/>
           </a:solidFill>
@@ -6408,7 +6541,7 @@
           <a:sym typeface="Arial"/>
         </a:defRPr>
       </a:lvl8pPr>
-      <a:lvl9pPr lvl="8" marR="0" rtl="0" algn="l">
+      <a:lvl9pPr marR="0" lvl="8" algn="l" rtl="0">
         <a:lnSpc>
           <a:spcPct val="100000"/>
         </a:lnSpc>
@@ -6422,7 +6555,7 @@
           <a:srgbClr val="000000"/>
         </a:buClr>
         <a:buFont typeface="Arial"/>
-        <a:defRPr b="0" i="0" sz="1400" u="none" cap="none" strike="noStrike">
+        <a:defRPr sz="1400" b="0" i="0" u="none" strike="noStrike" cap="none">
           <a:solidFill>
             <a:srgbClr val="000000"/>
           </a:solidFill>
@@ -6434,7 +6567,7 @@
       </a:lvl9pPr>
     </p:titleStyle>
     <p:bodyStyle>
-      <a:defPPr lvl="0" marR="0" rtl="0" algn="l">
+      <a:defPPr marR="0" lvl="0" algn="l" rtl="0">
         <a:lnSpc>
           <a:spcPct val="100000"/>
         </a:lnSpc>
@@ -6445,7 +6578,7 @@
           <a:spcPts val="0"/>
         </a:spcAft>
       </a:defPPr>
-      <a:lvl1pPr lvl="0" marR="0" rtl="0" algn="l">
+      <a:lvl1pPr marR="0" lvl="0" algn="l" rtl="0">
         <a:lnSpc>
           <a:spcPct val="100000"/>
         </a:lnSpc>
@@ -6459,7 +6592,7 @@
           <a:srgbClr val="000000"/>
         </a:buClr>
         <a:buFont typeface="Arial"/>
-        <a:defRPr b="0" i="0" sz="1400" u="none" cap="none" strike="noStrike">
+        <a:defRPr sz="1400" b="0" i="0" u="none" strike="noStrike" cap="none">
           <a:solidFill>
             <a:srgbClr val="000000"/>
           </a:solidFill>
@@ -6469,7 +6602,7 @@
           <a:sym typeface="Arial"/>
         </a:defRPr>
       </a:lvl1pPr>
-      <a:lvl2pPr lvl="1" marR="0" rtl="0" algn="l">
+      <a:lvl2pPr marR="0" lvl="1" algn="l" rtl="0">
         <a:lnSpc>
           <a:spcPct val="100000"/>
         </a:lnSpc>
@@ -6483,7 +6616,7 @@
           <a:srgbClr val="000000"/>
         </a:buClr>
         <a:buFont typeface="Arial"/>
-        <a:defRPr b="0" i="0" sz="1400" u="none" cap="none" strike="noStrike">
+        <a:defRPr sz="1400" b="0" i="0" u="none" strike="noStrike" cap="none">
           <a:solidFill>
             <a:srgbClr val="000000"/>
           </a:solidFill>
@@ -6493,7 +6626,7 @@
           <a:sym typeface="Arial"/>
         </a:defRPr>
       </a:lvl2pPr>
-      <a:lvl3pPr lvl="2" marR="0" rtl="0" algn="l">
+      <a:lvl3pPr marR="0" lvl="2" algn="l" rtl="0">
         <a:lnSpc>
           <a:spcPct val="100000"/>
         </a:lnSpc>
@@ -6507,7 +6640,7 @@
           <a:srgbClr val="000000"/>
         </a:buClr>
         <a:buFont typeface="Arial"/>
-        <a:defRPr b="0" i="0" sz="1400" u="none" cap="none" strike="noStrike">
+        <a:defRPr sz="1400" b="0" i="0" u="none" strike="noStrike" cap="none">
           <a:solidFill>
             <a:srgbClr val="000000"/>
           </a:solidFill>
@@ -6517,7 +6650,7 @@
           <a:sym typeface="Arial"/>
         </a:defRPr>
       </a:lvl3pPr>
-      <a:lvl4pPr lvl="3" marR="0" rtl="0" algn="l">
+      <a:lvl4pPr marR="0" lvl="3" algn="l" rtl="0">
         <a:lnSpc>
           <a:spcPct val="100000"/>
         </a:lnSpc>
@@ -6531,7 +6664,7 @@
           <a:srgbClr val="000000"/>
         </a:buClr>
         <a:buFont typeface="Arial"/>
-        <a:defRPr b="0" i="0" sz="1400" u="none" cap="none" strike="noStrike">
+        <a:defRPr sz="1400" b="0" i="0" u="none" strike="noStrike" cap="none">
           <a:solidFill>
             <a:srgbClr val="000000"/>
           </a:solidFill>
@@ -6541,7 +6674,7 @@
           <a:sym typeface="Arial"/>
         </a:defRPr>
       </a:lvl4pPr>
-      <a:lvl5pPr lvl="4" marR="0" rtl="0" algn="l">
+      <a:lvl5pPr marR="0" lvl="4" algn="l" rtl="0">
         <a:lnSpc>
           <a:spcPct val="100000"/>
         </a:lnSpc>
@@ -6555,7 +6688,7 @@
           <a:srgbClr val="000000"/>
         </a:buClr>
         <a:buFont typeface="Arial"/>
-        <a:defRPr b="0" i="0" sz="1400" u="none" cap="none" strike="noStrike">
+        <a:defRPr sz="1400" b="0" i="0" u="none" strike="noStrike" cap="none">
           <a:solidFill>
             <a:srgbClr val="000000"/>
           </a:solidFill>
@@ -6565,7 +6698,7 @@
           <a:sym typeface="Arial"/>
         </a:defRPr>
       </a:lvl5pPr>
-      <a:lvl6pPr lvl="5" marR="0" rtl="0" algn="l">
+      <a:lvl6pPr marR="0" lvl="5" algn="l" rtl="0">
         <a:lnSpc>
           <a:spcPct val="100000"/>
         </a:lnSpc>
@@ -6579,7 +6712,7 @@
           <a:srgbClr val="000000"/>
         </a:buClr>
         <a:buFont typeface="Arial"/>
-        <a:defRPr b="0" i="0" sz="1400" u="none" cap="none" strike="noStrike">
+        <a:defRPr sz="1400" b="0" i="0" u="none" strike="noStrike" cap="none">
           <a:solidFill>
             <a:srgbClr val="000000"/>
           </a:solidFill>
@@ -6589,7 +6722,7 @@
           <a:sym typeface="Arial"/>
         </a:defRPr>
       </a:lvl6pPr>
-      <a:lvl7pPr lvl="6" marR="0" rtl="0" algn="l">
+      <a:lvl7pPr marR="0" lvl="6" algn="l" rtl="0">
         <a:lnSpc>
           <a:spcPct val="100000"/>
         </a:lnSpc>
@@ -6603,7 +6736,7 @@
           <a:srgbClr val="000000"/>
         </a:buClr>
         <a:buFont typeface="Arial"/>
-        <a:defRPr b="0" i="0" sz="1400" u="none" cap="none" strike="noStrike">
+        <a:defRPr sz="1400" b="0" i="0" u="none" strike="noStrike" cap="none">
           <a:solidFill>
             <a:srgbClr val="000000"/>
           </a:solidFill>
@@ -6613,7 +6746,7 @@
           <a:sym typeface="Arial"/>
         </a:defRPr>
       </a:lvl7pPr>
-      <a:lvl8pPr lvl="7" marR="0" rtl="0" algn="l">
+      <a:lvl8pPr marR="0" lvl="7" algn="l" rtl="0">
         <a:lnSpc>
           <a:spcPct val="100000"/>
         </a:lnSpc>
@@ -6627,7 +6760,7 @@
           <a:srgbClr val="000000"/>
         </a:buClr>
         <a:buFont typeface="Arial"/>
-        <a:defRPr b="0" i="0" sz="1400" u="none" cap="none" strike="noStrike">
+        <a:defRPr sz="1400" b="0" i="0" u="none" strike="noStrike" cap="none">
           <a:solidFill>
             <a:srgbClr val="000000"/>
           </a:solidFill>
@@ -6637,7 +6770,7 @@
           <a:sym typeface="Arial"/>
         </a:defRPr>
       </a:lvl8pPr>
-      <a:lvl9pPr lvl="8" marR="0" rtl="0" algn="l">
+      <a:lvl9pPr marR="0" lvl="8" algn="l" rtl="0">
         <a:lnSpc>
           <a:spcPct val="100000"/>
         </a:lnSpc>
@@ -6651,7 +6784,7 @@
           <a:srgbClr val="000000"/>
         </a:buClr>
         <a:buFont typeface="Arial"/>
-        <a:defRPr b="0" i="0" sz="1400" u="none" cap="none" strike="noStrike">
+        <a:defRPr sz="1400" b="0" i="0" u="none" strike="noStrike" cap="none">
           <a:solidFill>
             <a:srgbClr val="000000"/>
           </a:solidFill>
@@ -6663,7 +6796,7 @@
       </a:lvl9pPr>
     </p:bodyStyle>
     <p:otherStyle>
-      <a:defPPr lvl="0" marR="0" rtl="0" algn="l">
+      <a:defPPr marR="0" lvl="0" algn="l" rtl="0">
         <a:lnSpc>
           <a:spcPct val="100000"/>
         </a:lnSpc>
@@ -6674,7 +6807,7 @@
           <a:spcPts val="0"/>
         </a:spcAft>
       </a:defPPr>
-      <a:lvl1pPr lvl="0" marR="0" rtl="0" algn="l">
+      <a:lvl1pPr marR="0" lvl="0" algn="l" rtl="0">
         <a:lnSpc>
           <a:spcPct val="100000"/>
         </a:lnSpc>
@@ -6688,7 +6821,7 @@
           <a:srgbClr val="000000"/>
         </a:buClr>
         <a:buFont typeface="Arial"/>
-        <a:defRPr b="0" i="0" sz="1400" u="none" cap="none" strike="noStrike">
+        <a:defRPr sz="1400" b="0" i="0" u="none" strike="noStrike" cap="none">
           <a:solidFill>
             <a:srgbClr val="000000"/>
           </a:solidFill>
@@ -6698,7 +6831,7 @@
           <a:sym typeface="Arial"/>
         </a:defRPr>
       </a:lvl1pPr>
-      <a:lvl2pPr lvl="1" marR="0" rtl="0" algn="l">
+      <a:lvl2pPr marR="0" lvl="1" algn="l" rtl="0">
         <a:lnSpc>
           <a:spcPct val="100000"/>
         </a:lnSpc>
@@ -6712,7 +6845,7 @@
           <a:srgbClr val="000000"/>
         </a:buClr>
         <a:buFont typeface="Arial"/>
-        <a:defRPr b="0" i="0" sz="1400" u="none" cap="none" strike="noStrike">
+        <a:defRPr sz="1400" b="0" i="0" u="none" strike="noStrike" cap="none">
           <a:solidFill>
             <a:srgbClr val="000000"/>
           </a:solidFill>
@@ -6722,7 +6855,7 @@
           <a:sym typeface="Arial"/>
         </a:defRPr>
       </a:lvl2pPr>
-      <a:lvl3pPr lvl="2" marR="0" rtl="0" algn="l">
+      <a:lvl3pPr marR="0" lvl="2" algn="l" rtl="0">
         <a:lnSpc>
           <a:spcPct val="100000"/>
         </a:lnSpc>
@@ -6736,7 +6869,7 @@
           <a:srgbClr val="000000"/>
         </a:buClr>
         <a:buFont typeface="Arial"/>
-        <a:defRPr b="0" i="0" sz="1400" u="none" cap="none" strike="noStrike">
+        <a:defRPr sz="1400" b="0" i="0" u="none" strike="noStrike" cap="none">
           <a:solidFill>
             <a:srgbClr val="000000"/>
           </a:solidFill>
@@ -6746,7 +6879,7 @@
           <a:sym typeface="Arial"/>
         </a:defRPr>
       </a:lvl3pPr>
-      <a:lvl4pPr lvl="3" marR="0" rtl="0" algn="l">
+      <a:lvl4pPr marR="0" lvl="3" algn="l" rtl="0">
         <a:lnSpc>
           <a:spcPct val="100000"/>
         </a:lnSpc>
@@ -6760,7 +6893,7 @@
           <a:srgbClr val="000000"/>
         </a:buClr>
         <a:buFont typeface="Arial"/>
-        <a:defRPr b="0" i="0" sz="1400" u="none" cap="none" strike="noStrike">
+        <a:defRPr sz="1400" b="0" i="0" u="none" strike="noStrike" cap="none">
           <a:solidFill>
             <a:srgbClr val="000000"/>
           </a:solidFill>
@@ -6770,7 +6903,7 @@
           <a:sym typeface="Arial"/>
         </a:defRPr>
       </a:lvl4pPr>
-      <a:lvl5pPr lvl="4" marR="0" rtl="0" algn="l">
+      <a:lvl5pPr marR="0" lvl="4" algn="l" rtl="0">
         <a:lnSpc>
           <a:spcPct val="100000"/>
         </a:lnSpc>
@@ -6784,7 +6917,7 @@
           <a:srgbClr val="000000"/>
         </a:buClr>
         <a:buFont typeface="Arial"/>
-        <a:defRPr b="0" i="0" sz="1400" u="none" cap="none" strike="noStrike">
+        <a:defRPr sz="1400" b="0" i="0" u="none" strike="noStrike" cap="none">
           <a:solidFill>
             <a:srgbClr val="000000"/>
           </a:solidFill>
@@ -6794,7 +6927,7 @@
           <a:sym typeface="Arial"/>
         </a:defRPr>
       </a:lvl5pPr>
-      <a:lvl6pPr lvl="5" marR="0" rtl="0" algn="l">
+      <a:lvl6pPr marR="0" lvl="5" algn="l" rtl="0">
         <a:lnSpc>
           <a:spcPct val="100000"/>
         </a:lnSpc>
@@ -6808,7 +6941,7 @@
           <a:srgbClr val="000000"/>
         </a:buClr>
         <a:buFont typeface="Arial"/>
-        <a:defRPr b="0" i="0" sz="1400" u="none" cap="none" strike="noStrike">
+        <a:defRPr sz="1400" b="0" i="0" u="none" strike="noStrike" cap="none">
           <a:solidFill>
             <a:srgbClr val="000000"/>
           </a:solidFill>
@@ -6818,7 +6951,7 @@
           <a:sym typeface="Arial"/>
         </a:defRPr>
       </a:lvl6pPr>
-      <a:lvl7pPr lvl="6" marR="0" rtl="0" algn="l">
+      <a:lvl7pPr marR="0" lvl="6" algn="l" rtl="0">
         <a:lnSpc>
           <a:spcPct val="100000"/>
         </a:lnSpc>
@@ -6832,7 +6965,7 @@
           <a:srgbClr val="000000"/>
         </a:buClr>
         <a:buFont typeface="Arial"/>
-        <a:defRPr b="0" i="0" sz="1400" u="none" cap="none" strike="noStrike">
+        <a:defRPr sz="1400" b="0" i="0" u="none" strike="noStrike" cap="none">
           <a:solidFill>
             <a:srgbClr val="000000"/>
           </a:solidFill>
@@ -6842,7 +6975,7 @@
           <a:sym typeface="Arial"/>
         </a:defRPr>
       </a:lvl7pPr>
-      <a:lvl8pPr lvl="7" marR="0" rtl="0" algn="l">
+      <a:lvl8pPr marR="0" lvl="7" algn="l" rtl="0">
         <a:lnSpc>
           <a:spcPct val="100000"/>
         </a:lnSpc>
@@ -6856,7 +6989,7 @@
           <a:srgbClr val="000000"/>
         </a:buClr>
         <a:buFont typeface="Arial"/>
-        <a:defRPr b="0" i="0" sz="1400" u="none" cap="none" strike="noStrike">
+        <a:defRPr sz="1400" b="0" i="0" u="none" strike="noStrike" cap="none">
           <a:solidFill>
             <a:srgbClr val="000000"/>
           </a:solidFill>
@@ -6866,7 +6999,7 @@
           <a:sym typeface="Arial"/>
         </a:defRPr>
       </a:lvl8pPr>
-      <a:lvl9pPr lvl="8" marR="0" rtl="0" algn="l">
+      <a:lvl9pPr marR="0" lvl="8" algn="l" rtl="0">
         <a:lnSpc>
           <a:spcPct val="100000"/>
         </a:lnSpc>
@@ -6880,7 +7013,7 @@
           <a:srgbClr val="000000"/>
         </a:buClr>
         <a:buFont typeface="Arial"/>
-        <a:defRPr b="0" i="0" sz="1400" u="none" cap="none" strike="noStrike">
+        <a:defRPr sz="1400" b="0" i="0" u="none" strike="noStrike" cap="none">
           <a:solidFill>
             <a:srgbClr val="000000"/>
           </a:solidFill>
@@ -6896,18 +7029,19 @@
 </file>
 
 <file path=ppt/slides/slide1.xml><?xml version="1.0" encoding="utf-8"?>
-<p:sld xmlns:a="http://schemas.openxmlformats.org/drawingml/2006/main" xmlns:r="http://schemas.openxmlformats.org/officeDocument/2006/relationships" xmlns:mc="http://schemas.openxmlformats.org/markup-compatibility/2006" xmlns:mv="urn:schemas-microsoft-com:mac:vml" xmlns:p="http://schemas.openxmlformats.org/presentationml/2006/main" xmlns:c="http://schemas.openxmlformats.org/drawingml/2006/chart" xmlns:dgm="http://schemas.openxmlformats.org/drawingml/2006/diagram" xmlns:o="urn:schemas-microsoft-com:office:office" xmlns:v="urn:schemas-microsoft-com:vml" xmlns:pvml="urn:schemas-microsoft-com:office:powerpoint" xmlns:com="http://schemas.openxmlformats.org/drawingml/2006/compatibility" xmlns:p14="http://schemas.microsoft.com/office/powerpoint/2010/main" xmlns:p15="http://schemas.microsoft.com/office/powerpoint/2012/main" xmlns:ahyp="http://schemas.microsoft.com/office/drawing/2018/hyperlinkcolor">
+<p:sld xmlns:a="http://schemas.openxmlformats.org/drawingml/2006/main" xmlns:r="http://schemas.openxmlformats.org/officeDocument/2006/relationships" xmlns:p="http://schemas.openxmlformats.org/presentationml/2006/main">
   <p:cSld>
     <p:bg>
       <p:bgPr>
         <a:solidFill>
           <a:schemeClr val="lt2"/>
         </a:solidFill>
+        <a:effectLst/>
       </p:bgPr>
     </p:bg>
     <p:spTree>
       <p:nvGrpSpPr>
-        <p:cNvPr id="71" name="Shape 71"/>
+        <p:cNvPr id="1" name="Shape 71"/>
         <p:cNvGrpSpPr/>
         <p:nvPr/>
       </p:nvGrpSpPr>
@@ -6922,7 +7056,9 @@
       <p:sp>
         <p:nvSpPr>
           <p:cNvPr id="72" name="Google Shape;72;p13"/>
-          <p:cNvSpPr txBox="1"/>
+          <p:cNvSpPr txBox="1">
+            <a:spLocks noGrp="1"/>
+          </p:cNvSpPr>
           <p:nvPr>
             <p:ph type="ctrTitle"/>
           </p:nvPr>
@@ -6937,12 +7073,12 @@
           </a:prstGeom>
         </p:spPr>
         <p:txBody>
-          <a:bodyPr anchorCtr="0" anchor="t" bIns="91425" lIns="91425" spcFirstLastPara="1" rIns="91425" wrap="square" tIns="91425">
+          <a:bodyPr spcFirstLastPara="1" wrap="square" lIns="91425" tIns="91425" rIns="91425" bIns="91425" anchor="t" anchorCtr="0">
             <a:noAutofit/>
           </a:bodyPr>
           <a:lstStyle/>
           <a:p>
-            <a:pPr indent="0" lvl="0" marL="0" rtl="0" algn="l">
+            <a:pPr marL="0" lvl="0" indent="0" algn="l" rtl="0">
               <a:spcBef>
                 <a:spcPts val="0"/>
               </a:spcBef>
@@ -6962,9 +7098,11 @@
       <p:sp>
         <p:nvSpPr>
           <p:cNvPr id="73" name="Google Shape;73;p13"/>
-          <p:cNvSpPr txBox="1"/>
+          <p:cNvSpPr txBox="1">
+            <a:spLocks noGrp="1"/>
+          </p:cNvSpPr>
           <p:nvPr>
-            <p:ph idx="1" type="subTitle"/>
+            <p:ph type="subTitle" idx="1"/>
           </p:nvPr>
         </p:nvSpPr>
         <p:spPr>
@@ -6977,12 +7115,12 @@
           </a:prstGeom>
         </p:spPr>
         <p:txBody>
-          <a:bodyPr anchorCtr="0" anchor="b" bIns="91425" lIns="91425" spcFirstLastPara="1" rIns="91425" wrap="square" tIns="91425">
+          <a:bodyPr spcFirstLastPara="1" wrap="square" lIns="91425" tIns="91425" rIns="91425" bIns="91425" anchor="b" anchorCtr="0">
             <a:noAutofit/>
           </a:bodyPr>
           <a:lstStyle/>
           <a:p>
-            <a:pPr indent="0" lvl="0" marL="0" rtl="0" algn="l">
+            <a:pPr marL="0" lvl="0" indent="0" algn="l" rtl="0">
               <a:spcBef>
                 <a:spcPts val="0"/>
               </a:spcBef>
@@ -6996,10 +7134,10 @@
               <a:t>predicting movie success using Movies MARK</a:t>
             </a:r>
             <a:r>
-              <a:rPr b="1" baseline="30000" lang="en" sz="2500"/>
+              <a:rPr lang="en" sz="2500" b="1" baseline="30000"/>
               <a:t>®</a:t>
             </a:r>
-            <a:endParaRPr b="1" sz="2400"/>
+            <a:endParaRPr sz="2400" b="1"/>
           </a:p>
         </p:txBody>
       </p:sp>
@@ -7012,11 +7150,11 @@
 </file>
 
 <file path=ppt/slides/slide2.xml><?xml version="1.0" encoding="utf-8"?>
-<p:sld xmlns:a="http://schemas.openxmlformats.org/drawingml/2006/main" xmlns:r="http://schemas.openxmlformats.org/officeDocument/2006/relationships" xmlns:mc="http://schemas.openxmlformats.org/markup-compatibility/2006" xmlns:mv="urn:schemas-microsoft-com:mac:vml" xmlns:p="http://schemas.openxmlformats.org/presentationml/2006/main" xmlns:c="http://schemas.openxmlformats.org/drawingml/2006/chart" xmlns:dgm="http://schemas.openxmlformats.org/drawingml/2006/diagram" xmlns:o="urn:schemas-microsoft-com:office:office" xmlns:v="urn:schemas-microsoft-com:vml" xmlns:pvml="urn:schemas-microsoft-com:office:powerpoint" xmlns:com="http://schemas.openxmlformats.org/drawingml/2006/compatibility" xmlns:p14="http://schemas.microsoft.com/office/powerpoint/2010/main" xmlns:p15="http://schemas.microsoft.com/office/powerpoint/2012/main" xmlns:ahyp="http://schemas.microsoft.com/office/drawing/2018/hyperlinkcolor">
+<p:sld xmlns:a="http://schemas.openxmlformats.org/drawingml/2006/main" xmlns:r="http://schemas.openxmlformats.org/officeDocument/2006/relationships" xmlns:p="http://schemas.openxmlformats.org/presentationml/2006/main">
   <p:cSld>
     <p:spTree>
       <p:nvGrpSpPr>
-        <p:cNvPr id="77" name="Shape 77"/>
+        <p:cNvPr id="1" name="Shape 77"/>
         <p:cNvGrpSpPr/>
         <p:nvPr/>
       </p:nvGrpSpPr>
@@ -7031,9 +7169,11 @@
       <p:sp>
         <p:nvSpPr>
           <p:cNvPr id="78" name="Google Shape;78;p14"/>
-          <p:cNvSpPr txBox="1"/>
+          <p:cNvSpPr txBox="1">
+            <a:spLocks noGrp="1"/>
+          </p:cNvSpPr>
           <p:nvPr>
-            <p:ph idx="4294967295" type="title"/>
+            <p:ph type="title" idx="4294967295"/>
           </p:nvPr>
         </p:nvSpPr>
         <p:spPr>
@@ -7046,12 +7186,12 @@
           </a:prstGeom>
         </p:spPr>
         <p:txBody>
-          <a:bodyPr anchorCtr="0" anchor="t" bIns="91425" lIns="91425" spcFirstLastPara="1" rIns="91425" wrap="square" tIns="91425">
+          <a:bodyPr spcFirstLastPara="1" wrap="square" lIns="91425" tIns="91425" rIns="91425" bIns="91425" anchor="t" anchorCtr="0">
             <a:noAutofit/>
           </a:bodyPr>
           <a:lstStyle/>
           <a:p>
-            <a:pPr indent="0" lvl="0" marL="0" rtl="0" algn="l">
+            <a:pPr marL="0" lvl="0" indent="0" algn="l" rtl="0">
               <a:spcBef>
                 <a:spcPts val="0"/>
               </a:spcBef>
@@ -7061,14 +7201,14 @@
               <a:buNone/>
             </a:pPr>
             <a:r>
-              <a:rPr lang="en" sz="3600">
+              <a:rPr lang="en" sz="3600" dirty="0">
                 <a:solidFill>
                   <a:schemeClr val="accent1"/>
                 </a:solidFill>
               </a:rPr>
-              <a:t>Stakeholder Updates:</a:t>
+              <a:t>Stakeholder Update:</a:t>
             </a:r>
-            <a:endParaRPr sz="2400">
+            <a:endParaRPr sz="2400" dirty="0">
               <a:solidFill>
                 <a:schemeClr val="accent1"/>
               </a:solidFill>
@@ -7079,9 +7219,11 @@
       <p:sp>
         <p:nvSpPr>
           <p:cNvPr id="79" name="Google Shape;79;p14"/>
-          <p:cNvSpPr txBox="1"/>
+          <p:cNvSpPr txBox="1">
+            <a:spLocks noGrp="1"/>
+          </p:cNvSpPr>
           <p:nvPr>
-            <p:ph idx="4294967295" type="title"/>
+            <p:ph type="title" idx="4294967295"/>
           </p:nvPr>
         </p:nvSpPr>
         <p:spPr>
@@ -7094,12 +7236,12 @@
           </a:prstGeom>
         </p:spPr>
         <p:txBody>
-          <a:bodyPr anchorCtr="0" anchor="t" bIns="91425" lIns="91425" spcFirstLastPara="1" rIns="91425" wrap="square" tIns="91425">
+          <a:bodyPr spcFirstLastPara="1" wrap="square" lIns="91425" tIns="91425" rIns="91425" bIns="91425" anchor="t" anchorCtr="0">
             <a:noAutofit/>
           </a:bodyPr>
           <a:lstStyle/>
           <a:p>
-            <a:pPr indent="-342900" lvl="0" marL="457200" rtl="0" algn="l">
+            <a:pPr marL="457200" lvl="0" indent="-342900" algn="l" rtl="0">
               <a:lnSpc>
                 <a:spcPct val="115000"/>
               </a:lnSpc>
@@ -7114,7 +7256,7 @@
               <a:buChar char="-"/>
             </a:pPr>
             <a:r>
-              <a:rPr b="0" lang="en" sz="1800" u="sng">
+              <a:rPr lang="en" sz="1800" b="0" u="sng" dirty="0">
                 <a:solidFill>
                   <a:schemeClr val="hlink"/>
                 </a:solidFill>
@@ -7126,7 +7268,7 @@
               </a:rPr>
               <a:t>Link to Repository </a:t>
             </a:r>
-            <a:endParaRPr sz="1700">
+            <a:endParaRPr sz="1700" dirty="0">
               <a:latin typeface="Lato"/>
               <a:ea typeface="Lato"/>
               <a:cs typeface="Lato"/>
@@ -7134,7 +7276,7 @@
             </a:endParaRPr>
           </a:p>
           <a:p>
-            <a:pPr indent="-336550" lvl="0" marL="457200" rtl="0" algn="l">
+            <a:pPr marL="457200" lvl="0" indent="-336550" algn="l" rtl="0">
               <a:lnSpc>
                 <a:spcPct val="115000"/>
               </a:lnSpc>
@@ -7149,7 +7291,7 @@
               <a:buChar char="-"/>
             </a:pPr>
             <a:r>
-              <a:rPr b="0" lang="en" sz="1800" u="sng">
+              <a:rPr lang="en" sz="1800" b="0" u="sng" dirty="0">
                 <a:solidFill>
                   <a:schemeClr val="hlink"/>
                 </a:solidFill>
@@ -7162,7 +7304,7 @@
               <a:t>Link to ReadMe.md file</a:t>
             </a:r>
             <a:r>
-              <a:rPr lang="en" sz="1700">
+              <a:rPr lang="en" sz="1700" dirty="0">
                 <a:latin typeface="Lato"/>
                 <a:ea typeface="Lato"/>
                 <a:cs typeface="Lato"/>
@@ -7171,7 +7313,7 @@
               <a:t> </a:t>
             </a:r>
             <a:r>
-              <a:rPr b="0" lang="en" sz="1700">
+              <a:rPr lang="en" sz="1700" b="0" dirty="0">
                 <a:latin typeface="Lato"/>
                 <a:ea typeface="Lato"/>
                 <a:cs typeface="Lato"/>
@@ -7179,7 +7321,7 @@
               </a:rPr>
               <a:t>for project overview</a:t>
             </a:r>
-            <a:endParaRPr b="0" sz="1700">
+            <a:endParaRPr sz="1700" b="0" dirty="0">
               <a:latin typeface="Lato"/>
               <a:ea typeface="Lato"/>
               <a:cs typeface="Lato"/>
@@ -7187,7 +7329,7 @@
             </a:endParaRPr>
           </a:p>
           <a:p>
-            <a:pPr indent="-336550" lvl="0" marL="457200" rtl="0" algn="l">
+            <a:pPr marL="457200" lvl="0" indent="-336550" algn="l" rtl="0">
               <a:lnSpc>
                 <a:spcPct val="115000"/>
               </a:lnSpc>
@@ -7202,15 +7344,16 @@
               <a:buChar char="-"/>
             </a:pPr>
             <a:r>
-              <a:rPr b="0" lang="en" sz="1700">
+              <a:rPr lang="en" sz="1700" b="0" dirty="0">
                 <a:latin typeface="Lato"/>
                 <a:ea typeface="Lato"/>
                 <a:cs typeface="Lato"/>
                 <a:sym typeface="Lato"/>
+                <a:hlinkClick r:id="rId5"/>
               </a:rPr>
               <a:t>Link to description of machine learning model</a:t>
             </a:r>
-            <a:endParaRPr b="0" sz="1700">
+            <a:endParaRPr sz="1700" b="0" dirty="0">
               <a:latin typeface="Lato"/>
               <a:ea typeface="Lato"/>
               <a:cs typeface="Lato"/>
@@ -7218,7 +7361,7 @@
             </a:endParaRPr>
           </a:p>
           <a:p>
-            <a:pPr indent="-336550" lvl="0" marL="457200" rtl="0" algn="l">
+            <a:pPr marL="457200" lvl="0" indent="-336550" algn="l" rtl="0">
               <a:lnSpc>
                 <a:spcPct val="115000"/>
               </a:lnSpc>
@@ -7233,15 +7376,16 @@
               <a:buChar char="-"/>
             </a:pPr>
             <a:r>
-              <a:rPr b="0" lang="en" sz="1700">
+              <a:rPr lang="en" sz="1700" b="0" dirty="0">
                 <a:latin typeface="Lato"/>
                 <a:ea typeface="Lato"/>
                 <a:cs typeface="Lato"/>
                 <a:sym typeface="Lato"/>
+                <a:hlinkClick r:id="rId6"/>
               </a:rPr>
               <a:t>Link to database overview</a:t>
             </a:r>
-            <a:endParaRPr b="0" sz="1700">
+            <a:endParaRPr sz="1700" b="0" dirty="0">
               <a:latin typeface="Lato"/>
               <a:ea typeface="Lato"/>
               <a:cs typeface="Lato"/>
@@ -7249,7 +7393,7 @@
             </a:endParaRPr>
           </a:p>
           <a:p>
-            <a:pPr indent="-336550" lvl="0" marL="457200" rtl="0" algn="l">
+            <a:pPr marL="457200" lvl="0" indent="-336550" algn="l" rtl="0">
               <a:lnSpc>
                 <a:spcPct val="115000"/>
               </a:lnSpc>
@@ -7264,33 +7408,16 @@
               <a:buChar char="-"/>
             </a:pPr>
             <a:r>
-              <a:rPr b="0" lang="en" sz="1700">
+              <a:rPr lang="en" sz="1700" b="0" dirty="0">
                 <a:latin typeface="Lato"/>
                 <a:ea typeface="Lato"/>
                 <a:cs typeface="Lato"/>
                 <a:sym typeface="Lato"/>
+                <a:hlinkClick r:id="rId7"/>
               </a:rPr>
-              <a:t>Link to </a:t>
+              <a:t>Link to dashboard blueprint</a:t>
             </a:r>
-            <a:r>
-              <a:rPr b="0" lang="en" sz="1700">
-                <a:latin typeface="Lato"/>
-                <a:ea typeface="Lato"/>
-                <a:cs typeface="Lato"/>
-                <a:sym typeface="Lato"/>
-              </a:rPr>
-              <a:t>dashboard</a:t>
-            </a:r>
-            <a:r>
-              <a:rPr b="0" lang="en" sz="1700">
-                <a:latin typeface="Lato"/>
-                <a:ea typeface="Lato"/>
-                <a:cs typeface="Lato"/>
-                <a:sym typeface="Lato"/>
-              </a:rPr>
-              <a:t> blueprint</a:t>
-            </a:r>
-            <a:endParaRPr b="0" sz="1700">
+            <a:endParaRPr sz="1700" b="0" dirty="0">
               <a:latin typeface="Lato"/>
               <a:ea typeface="Lato"/>
               <a:cs typeface="Lato"/>
@@ -7298,7 +7425,7 @@
             </a:endParaRPr>
           </a:p>
           <a:p>
-            <a:pPr indent="-336550" lvl="0" marL="457200" rtl="0" algn="l">
+            <a:pPr marL="457200" lvl="0" indent="-336550" algn="l" rtl="0">
               <a:lnSpc>
                 <a:spcPct val="115000"/>
               </a:lnSpc>
@@ -7313,15 +7440,16 @@
               <a:buChar char="-"/>
             </a:pPr>
             <a:r>
-              <a:rPr b="0" lang="en" sz="1700">
+              <a:rPr lang="en" sz="1700" b="0" dirty="0">
                 <a:latin typeface="Lato"/>
                 <a:ea typeface="Lato"/>
                 <a:cs typeface="Lato"/>
                 <a:sym typeface="Lato"/>
+                <a:hlinkClick r:id="rId8"/>
               </a:rPr>
-              <a:t>See below for presentation blueprint</a:t>
+              <a:t>Link to presentation blueprint</a:t>
             </a:r>
-            <a:endParaRPr b="0" sz="1700">
+            <a:endParaRPr sz="1700" b="0" dirty="0">
               <a:latin typeface="Lato"/>
               <a:ea typeface="Lato"/>
               <a:cs typeface="Lato"/>
@@ -7339,11 +7467,11 @@
 </file>
 
 <file path=ppt/slides/slide3.xml><?xml version="1.0" encoding="utf-8"?>
-<p:sld xmlns:a="http://schemas.openxmlformats.org/drawingml/2006/main" xmlns:r="http://schemas.openxmlformats.org/officeDocument/2006/relationships" xmlns:mc="http://schemas.openxmlformats.org/markup-compatibility/2006" xmlns:mv="urn:schemas-microsoft-com:mac:vml" xmlns:p="http://schemas.openxmlformats.org/presentationml/2006/main" xmlns:c="http://schemas.openxmlformats.org/drawingml/2006/chart" xmlns:dgm="http://schemas.openxmlformats.org/drawingml/2006/diagram" xmlns:o="urn:schemas-microsoft-com:office:office" xmlns:v="urn:schemas-microsoft-com:vml" xmlns:pvml="urn:schemas-microsoft-com:office:powerpoint" xmlns:com="http://schemas.openxmlformats.org/drawingml/2006/compatibility" xmlns:p14="http://schemas.microsoft.com/office/powerpoint/2010/main" xmlns:p15="http://schemas.microsoft.com/office/powerpoint/2012/main" xmlns:ahyp="http://schemas.microsoft.com/office/drawing/2018/hyperlinkcolor">
+<p:sld xmlns:a="http://schemas.openxmlformats.org/drawingml/2006/main" xmlns:r="http://schemas.openxmlformats.org/officeDocument/2006/relationships" xmlns:p="http://schemas.openxmlformats.org/presentationml/2006/main">
   <p:cSld>
     <p:spTree>
       <p:nvGrpSpPr>
-        <p:cNvPr id="83" name="Shape 83"/>
+        <p:cNvPr id="1" name="Shape 83"/>
         <p:cNvGrpSpPr/>
         <p:nvPr/>
       </p:nvGrpSpPr>
@@ -7355,6 +7483,685 @@
           <a:chExt cx="0" cy="0"/>
         </a:xfrm>
       </p:grpSpPr>
+      <p:sp>
+        <p:nvSpPr>
+          <p:cNvPr id="2" name="Google Shape;78;p14">
+            <a:extLst>
+              <a:ext uri="{FF2B5EF4-FFF2-40B4-BE49-F238E27FC236}">
+                <a16:creationId xmlns:a16="http://schemas.microsoft.com/office/drawing/2014/main" id="{5893AB18-8521-E340-A36F-9A2BCD587FB2}"/>
+              </a:ext>
+            </a:extLst>
+          </p:cNvPr>
+          <p:cNvSpPr txBox="1">
+            <a:spLocks/>
+          </p:cNvSpPr>
+          <p:nvPr/>
+        </p:nvSpPr>
+        <p:spPr>
+          <a:xfrm>
+            <a:off x="535774" y="254951"/>
+            <a:ext cx="8176425" cy="768000"/>
+          </a:xfrm>
+          <a:prstGeom prst="rect">
+            <a:avLst/>
+          </a:prstGeom>
+          <a:noFill/>
+          <a:ln>
+            <a:noFill/>
+          </a:ln>
+        </p:spPr>
+        <p:txBody>
+          <a:bodyPr spcFirstLastPara="1" wrap="square" lIns="91425" tIns="91425" rIns="91425" bIns="91425" anchor="t" anchorCtr="0">
+            <a:noAutofit/>
+          </a:bodyPr>
+          <a:lstStyle>
+            <a:defPPr marR="0" lvl="0" algn="l" rtl="0">
+              <a:lnSpc>
+                <a:spcPct val="100000"/>
+              </a:lnSpc>
+              <a:spcBef>
+                <a:spcPts val="0"/>
+              </a:spcBef>
+              <a:spcAft>
+                <a:spcPts val="0"/>
+              </a:spcAft>
+            </a:defPPr>
+            <a:lvl1pPr marR="0" lvl="0" algn="l" rtl="0">
+              <a:lnSpc>
+                <a:spcPct val="100000"/>
+              </a:lnSpc>
+              <a:spcBef>
+                <a:spcPts val="0"/>
+              </a:spcBef>
+              <a:spcAft>
+                <a:spcPts val="0"/>
+              </a:spcAft>
+              <a:buClr>
+                <a:schemeClr val="dk2"/>
+              </a:buClr>
+              <a:buSzPts val="3000"/>
+              <a:buFont typeface="Raleway"/>
+              <a:buNone/>
+              <a:defRPr sz="3000" b="1" i="0" u="none" strike="noStrike" cap="none">
+                <a:solidFill>
+                  <a:schemeClr val="dk2"/>
+                </a:solidFill>
+                <a:latin typeface="Raleway"/>
+                <a:ea typeface="Raleway"/>
+                <a:cs typeface="Raleway"/>
+                <a:sym typeface="Raleway"/>
+              </a:defRPr>
+            </a:lvl1pPr>
+            <a:lvl2pPr marR="0" lvl="1" algn="l" rtl="0">
+              <a:lnSpc>
+                <a:spcPct val="100000"/>
+              </a:lnSpc>
+              <a:spcBef>
+                <a:spcPts val="0"/>
+              </a:spcBef>
+              <a:spcAft>
+                <a:spcPts val="0"/>
+              </a:spcAft>
+              <a:buClr>
+                <a:schemeClr val="dk2"/>
+              </a:buClr>
+              <a:buSzPts val="3000"/>
+              <a:buFont typeface="Raleway"/>
+              <a:buNone/>
+              <a:defRPr sz="3000" b="1" i="0" u="none" strike="noStrike" cap="none">
+                <a:solidFill>
+                  <a:schemeClr val="dk2"/>
+                </a:solidFill>
+                <a:latin typeface="Raleway"/>
+                <a:ea typeface="Raleway"/>
+                <a:cs typeface="Raleway"/>
+                <a:sym typeface="Raleway"/>
+              </a:defRPr>
+            </a:lvl2pPr>
+            <a:lvl3pPr marR="0" lvl="2" algn="l" rtl="0">
+              <a:lnSpc>
+                <a:spcPct val="100000"/>
+              </a:lnSpc>
+              <a:spcBef>
+                <a:spcPts val="0"/>
+              </a:spcBef>
+              <a:spcAft>
+                <a:spcPts val="0"/>
+              </a:spcAft>
+              <a:buClr>
+                <a:schemeClr val="dk2"/>
+              </a:buClr>
+              <a:buSzPts val="3000"/>
+              <a:buFont typeface="Raleway"/>
+              <a:buNone/>
+              <a:defRPr sz="3000" b="1" i="0" u="none" strike="noStrike" cap="none">
+                <a:solidFill>
+                  <a:schemeClr val="dk2"/>
+                </a:solidFill>
+                <a:latin typeface="Raleway"/>
+                <a:ea typeface="Raleway"/>
+                <a:cs typeface="Raleway"/>
+                <a:sym typeface="Raleway"/>
+              </a:defRPr>
+            </a:lvl3pPr>
+            <a:lvl4pPr marR="0" lvl="3" algn="l" rtl="0">
+              <a:lnSpc>
+                <a:spcPct val="100000"/>
+              </a:lnSpc>
+              <a:spcBef>
+                <a:spcPts val="0"/>
+              </a:spcBef>
+              <a:spcAft>
+                <a:spcPts val="0"/>
+              </a:spcAft>
+              <a:buClr>
+                <a:schemeClr val="dk2"/>
+              </a:buClr>
+              <a:buSzPts val="3000"/>
+              <a:buFont typeface="Raleway"/>
+              <a:buNone/>
+              <a:defRPr sz="3000" b="1" i="0" u="none" strike="noStrike" cap="none">
+                <a:solidFill>
+                  <a:schemeClr val="dk2"/>
+                </a:solidFill>
+                <a:latin typeface="Raleway"/>
+                <a:ea typeface="Raleway"/>
+                <a:cs typeface="Raleway"/>
+                <a:sym typeface="Raleway"/>
+              </a:defRPr>
+            </a:lvl4pPr>
+            <a:lvl5pPr marR="0" lvl="4" algn="l" rtl="0">
+              <a:lnSpc>
+                <a:spcPct val="100000"/>
+              </a:lnSpc>
+              <a:spcBef>
+                <a:spcPts val="0"/>
+              </a:spcBef>
+              <a:spcAft>
+                <a:spcPts val="0"/>
+              </a:spcAft>
+              <a:buClr>
+                <a:schemeClr val="dk2"/>
+              </a:buClr>
+              <a:buSzPts val="3000"/>
+              <a:buFont typeface="Raleway"/>
+              <a:buNone/>
+              <a:defRPr sz="3000" b="1" i="0" u="none" strike="noStrike" cap="none">
+                <a:solidFill>
+                  <a:schemeClr val="dk2"/>
+                </a:solidFill>
+                <a:latin typeface="Raleway"/>
+                <a:ea typeface="Raleway"/>
+                <a:cs typeface="Raleway"/>
+                <a:sym typeface="Raleway"/>
+              </a:defRPr>
+            </a:lvl5pPr>
+            <a:lvl6pPr marR="0" lvl="5" algn="l" rtl="0">
+              <a:lnSpc>
+                <a:spcPct val="100000"/>
+              </a:lnSpc>
+              <a:spcBef>
+                <a:spcPts val="0"/>
+              </a:spcBef>
+              <a:spcAft>
+                <a:spcPts val="0"/>
+              </a:spcAft>
+              <a:buClr>
+                <a:schemeClr val="dk2"/>
+              </a:buClr>
+              <a:buSzPts val="3000"/>
+              <a:buFont typeface="Raleway"/>
+              <a:buNone/>
+              <a:defRPr sz="3000" b="1" i="0" u="none" strike="noStrike" cap="none">
+                <a:solidFill>
+                  <a:schemeClr val="dk2"/>
+                </a:solidFill>
+                <a:latin typeface="Raleway"/>
+                <a:ea typeface="Raleway"/>
+                <a:cs typeface="Raleway"/>
+                <a:sym typeface="Raleway"/>
+              </a:defRPr>
+            </a:lvl6pPr>
+            <a:lvl7pPr marR="0" lvl="6" algn="l" rtl="0">
+              <a:lnSpc>
+                <a:spcPct val="100000"/>
+              </a:lnSpc>
+              <a:spcBef>
+                <a:spcPts val="0"/>
+              </a:spcBef>
+              <a:spcAft>
+                <a:spcPts val="0"/>
+              </a:spcAft>
+              <a:buClr>
+                <a:schemeClr val="dk2"/>
+              </a:buClr>
+              <a:buSzPts val="3000"/>
+              <a:buFont typeface="Raleway"/>
+              <a:buNone/>
+              <a:defRPr sz="3000" b="1" i="0" u="none" strike="noStrike" cap="none">
+                <a:solidFill>
+                  <a:schemeClr val="dk2"/>
+                </a:solidFill>
+                <a:latin typeface="Raleway"/>
+                <a:ea typeface="Raleway"/>
+                <a:cs typeface="Raleway"/>
+                <a:sym typeface="Raleway"/>
+              </a:defRPr>
+            </a:lvl7pPr>
+            <a:lvl8pPr marR="0" lvl="7" algn="l" rtl="0">
+              <a:lnSpc>
+                <a:spcPct val="100000"/>
+              </a:lnSpc>
+              <a:spcBef>
+                <a:spcPts val="0"/>
+              </a:spcBef>
+              <a:spcAft>
+                <a:spcPts val="0"/>
+              </a:spcAft>
+              <a:buClr>
+                <a:schemeClr val="dk2"/>
+              </a:buClr>
+              <a:buSzPts val="3000"/>
+              <a:buFont typeface="Raleway"/>
+              <a:buNone/>
+              <a:defRPr sz="3000" b="1" i="0" u="none" strike="noStrike" cap="none">
+                <a:solidFill>
+                  <a:schemeClr val="dk2"/>
+                </a:solidFill>
+                <a:latin typeface="Raleway"/>
+                <a:ea typeface="Raleway"/>
+                <a:cs typeface="Raleway"/>
+                <a:sym typeface="Raleway"/>
+              </a:defRPr>
+            </a:lvl8pPr>
+            <a:lvl9pPr marR="0" lvl="8" algn="l" rtl="0">
+              <a:lnSpc>
+                <a:spcPct val="100000"/>
+              </a:lnSpc>
+              <a:spcBef>
+                <a:spcPts val="0"/>
+              </a:spcBef>
+              <a:spcAft>
+                <a:spcPts val="0"/>
+              </a:spcAft>
+              <a:buClr>
+                <a:schemeClr val="dk2"/>
+              </a:buClr>
+              <a:buSzPts val="3000"/>
+              <a:buFont typeface="Raleway"/>
+              <a:buNone/>
+              <a:defRPr sz="3000" b="1" i="0" u="none" strike="noStrike" cap="none">
+                <a:solidFill>
+                  <a:schemeClr val="dk2"/>
+                </a:solidFill>
+                <a:latin typeface="Raleway"/>
+                <a:ea typeface="Raleway"/>
+                <a:cs typeface="Raleway"/>
+                <a:sym typeface="Raleway"/>
+              </a:defRPr>
+            </a:lvl9pPr>
+          </a:lstStyle>
+          <a:p>
+            <a:pPr>
+              <a:spcAft>
+                <a:spcPts val="1600"/>
+              </a:spcAft>
+            </a:pPr>
+            <a:r>
+              <a:rPr lang="en-US" sz="3600" dirty="0">
+                <a:solidFill>
+                  <a:schemeClr val="accent1"/>
+                </a:solidFill>
+              </a:rPr>
+              <a:t>Stakeholder Update Summary:</a:t>
+            </a:r>
+            <a:endParaRPr lang="en-US" sz="2400" dirty="0">
+              <a:solidFill>
+                <a:schemeClr val="accent1"/>
+              </a:solidFill>
+            </a:endParaRPr>
+          </a:p>
+        </p:txBody>
+      </p:sp>
+      <p:sp>
+        <p:nvSpPr>
+          <p:cNvPr id="3" name="Google Shape;79;p14">
+            <a:extLst>
+              <a:ext uri="{FF2B5EF4-FFF2-40B4-BE49-F238E27FC236}">
+                <a16:creationId xmlns:a16="http://schemas.microsoft.com/office/drawing/2014/main" id="{B0DAC207-5D18-4342-A097-BF020105D434}"/>
+              </a:ext>
+            </a:extLst>
+          </p:cNvPr>
+          <p:cNvSpPr txBox="1">
+            <a:spLocks/>
+          </p:cNvSpPr>
+          <p:nvPr/>
+        </p:nvSpPr>
+        <p:spPr>
+          <a:xfrm>
+            <a:off x="535774" y="1022951"/>
+            <a:ext cx="7405959" cy="3067500"/>
+          </a:xfrm>
+          <a:prstGeom prst="rect">
+            <a:avLst/>
+          </a:prstGeom>
+          <a:noFill/>
+          <a:ln>
+            <a:noFill/>
+          </a:ln>
+        </p:spPr>
+        <p:txBody>
+          <a:bodyPr spcFirstLastPara="1" wrap="square" lIns="91425" tIns="91425" rIns="91425" bIns="91425" anchor="t" anchorCtr="0">
+            <a:noAutofit/>
+          </a:bodyPr>
+          <a:lstStyle>
+            <a:defPPr marR="0" lvl="0" algn="l" rtl="0">
+              <a:lnSpc>
+                <a:spcPct val="100000"/>
+              </a:lnSpc>
+              <a:spcBef>
+                <a:spcPts val="0"/>
+              </a:spcBef>
+              <a:spcAft>
+                <a:spcPts val="0"/>
+              </a:spcAft>
+            </a:defPPr>
+            <a:lvl1pPr marR="0" lvl="0" algn="l" rtl="0">
+              <a:lnSpc>
+                <a:spcPct val="100000"/>
+              </a:lnSpc>
+              <a:spcBef>
+                <a:spcPts val="0"/>
+              </a:spcBef>
+              <a:spcAft>
+                <a:spcPts val="0"/>
+              </a:spcAft>
+              <a:buClr>
+                <a:schemeClr val="dk2"/>
+              </a:buClr>
+              <a:buSzPts val="3000"/>
+              <a:buFont typeface="Raleway"/>
+              <a:buNone/>
+              <a:defRPr sz="3000" b="1" i="0" u="none" strike="noStrike" cap="none">
+                <a:solidFill>
+                  <a:schemeClr val="dk2"/>
+                </a:solidFill>
+                <a:latin typeface="Raleway"/>
+                <a:ea typeface="Raleway"/>
+                <a:cs typeface="Raleway"/>
+                <a:sym typeface="Raleway"/>
+              </a:defRPr>
+            </a:lvl1pPr>
+            <a:lvl2pPr marR="0" lvl="1" algn="l" rtl="0">
+              <a:lnSpc>
+                <a:spcPct val="100000"/>
+              </a:lnSpc>
+              <a:spcBef>
+                <a:spcPts val="0"/>
+              </a:spcBef>
+              <a:spcAft>
+                <a:spcPts val="0"/>
+              </a:spcAft>
+              <a:buClr>
+                <a:schemeClr val="dk2"/>
+              </a:buClr>
+              <a:buSzPts val="3000"/>
+              <a:buFont typeface="Raleway"/>
+              <a:buNone/>
+              <a:defRPr sz="3000" b="1" i="0" u="none" strike="noStrike" cap="none">
+                <a:solidFill>
+                  <a:schemeClr val="dk2"/>
+                </a:solidFill>
+                <a:latin typeface="Raleway"/>
+                <a:ea typeface="Raleway"/>
+                <a:cs typeface="Raleway"/>
+                <a:sym typeface="Raleway"/>
+              </a:defRPr>
+            </a:lvl2pPr>
+            <a:lvl3pPr marR="0" lvl="2" algn="l" rtl="0">
+              <a:lnSpc>
+                <a:spcPct val="100000"/>
+              </a:lnSpc>
+              <a:spcBef>
+                <a:spcPts val="0"/>
+              </a:spcBef>
+              <a:spcAft>
+                <a:spcPts val="0"/>
+              </a:spcAft>
+              <a:buClr>
+                <a:schemeClr val="dk2"/>
+              </a:buClr>
+              <a:buSzPts val="3000"/>
+              <a:buFont typeface="Raleway"/>
+              <a:buNone/>
+              <a:defRPr sz="3000" b="1" i="0" u="none" strike="noStrike" cap="none">
+                <a:solidFill>
+                  <a:schemeClr val="dk2"/>
+                </a:solidFill>
+                <a:latin typeface="Raleway"/>
+                <a:ea typeface="Raleway"/>
+                <a:cs typeface="Raleway"/>
+                <a:sym typeface="Raleway"/>
+              </a:defRPr>
+            </a:lvl3pPr>
+            <a:lvl4pPr marR="0" lvl="3" algn="l" rtl="0">
+              <a:lnSpc>
+                <a:spcPct val="100000"/>
+              </a:lnSpc>
+              <a:spcBef>
+                <a:spcPts val="0"/>
+              </a:spcBef>
+              <a:spcAft>
+                <a:spcPts val="0"/>
+              </a:spcAft>
+              <a:buClr>
+                <a:schemeClr val="dk2"/>
+              </a:buClr>
+              <a:buSzPts val="3000"/>
+              <a:buFont typeface="Raleway"/>
+              <a:buNone/>
+              <a:defRPr sz="3000" b="1" i="0" u="none" strike="noStrike" cap="none">
+                <a:solidFill>
+                  <a:schemeClr val="dk2"/>
+                </a:solidFill>
+                <a:latin typeface="Raleway"/>
+                <a:ea typeface="Raleway"/>
+                <a:cs typeface="Raleway"/>
+                <a:sym typeface="Raleway"/>
+              </a:defRPr>
+            </a:lvl4pPr>
+            <a:lvl5pPr marR="0" lvl="4" algn="l" rtl="0">
+              <a:lnSpc>
+                <a:spcPct val="100000"/>
+              </a:lnSpc>
+              <a:spcBef>
+                <a:spcPts val="0"/>
+              </a:spcBef>
+              <a:spcAft>
+                <a:spcPts val="0"/>
+              </a:spcAft>
+              <a:buClr>
+                <a:schemeClr val="dk2"/>
+              </a:buClr>
+              <a:buSzPts val="3000"/>
+              <a:buFont typeface="Raleway"/>
+              <a:buNone/>
+              <a:defRPr sz="3000" b="1" i="0" u="none" strike="noStrike" cap="none">
+                <a:solidFill>
+                  <a:schemeClr val="dk2"/>
+                </a:solidFill>
+                <a:latin typeface="Raleway"/>
+                <a:ea typeface="Raleway"/>
+                <a:cs typeface="Raleway"/>
+                <a:sym typeface="Raleway"/>
+              </a:defRPr>
+            </a:lvl5pPr>
+            <a:lvl6pPr marR="0" lvl="5" algn="l" rtl="0">
+              <a:lnSpc>
+                <a:spcPct val="100000"/>
+              </a:lnSpc>
+              <a:spcBef>
+                <a:spcPts val="0"/>
+              </a:spcBef>
+              <a:spcAft>
+                <a:spcPts val="0"/>
+              </a:spcAft>
+              <a:buClr>
+                <a:schemeClr val="dk2"/>
+              </a:buClr>
+              <a:buSzPts val="3000"/>
+              <a:buFont typeface="Raleway"/>
+              <a:buNone/>
+              <a:defRPr sz="3000" b="1" i="0" u="none" strike="noStrike" cap="none">
+                <a:solidFill>
+                  <a:schemeClr val="dk2"/>
+                </a:solidFill>
+                <a:latin typeface="Raleway"/>
+                <a:ea typeface="Raleway"/>
+                <a:cs typeface="Raleway"/>
+                <a:sym typeface="Raleway"/>
+              </a:defRPr>
+            </a:lvl6pPr>
+            <a:lvl7pPr marR="0" lvl="6" algn="l" rtl="0">
+              <a:lnSpc>
+                <a:spcPct val="100000"/>
+              </a:lnSpc>
+              <a:spcBef>
+                <a:spcPts val="0"/>
+              </a:spcBef>
+              <a:spcAft>
+                <a:spcPts val="0"/>
+              </a:spcAft>
+              <a:buClr>
+                <a:schemeClr val="dk2"/>
+              </a:buClr>
+              <a:buSzPts val="3000"/>
+              <a:buFont typeface="Raleway"/>
+              <a:buNone/>
+              <a:defRPr sz="3000" b="1" i="0" u="none" strike="noStrike" cap="none">
+                <a:solidFill>
+                  <a:schemeClr val="dk2"/>
+                </a:solidFill>
+                <a:latin typeface="Raleway"/>
+                <a:ea typeface="Raleway"/>
+                <a:cs typeface="Raleway"/>
+                <a:sym typeface="Raleway"/>
+              </a:defRPr>
+            </a:lvl7pPr>
+            <a:lvl8pPr marR="0" lvl="7" algn="l" rtl="0">
+              <a:lnSpc>
+                <a:spcPct val="100000"/>
+              </a:lnSpc>
+              <a:spcBef>
+                <a:spcPts val="0"/>
+              </a:spcBef>
+              <a:spcAft>
+                <a:spcPts val="0"/>
+              </a:spcAft>
+              <a:buClr>
+                <a:schemeClr val="dk2"/>
+              </a:buClr>
+              <a:buSzPts val="3000"/>
+              <a:buFont typeface="Raleway"/>
+              <a:buNone/>
+              <a:defRPr sz="3000" b="1" i="0" u="none" strike="noStrike" cap="none">
+                <a:solidFill>
+                  <a:schemeClr val="dk2"/>
+                </a:solidFill>
+                <a:latin typeface="Raleway"/>
+                <a:ea typeface="Raleway"/>
+                <a:cs typeface="Raleway"/>
+                <a:sym typeface="Raleway"/>
+              </a:defRPr>
+            </a:lvl8pPr>
+            <a:lvl9pPr marR="0" lvl="8" algn="l" rtl="0">
+              <a:lnSpc>
+                <a:spcPct val="100000"/>
+              </a:lnSpc>
+              <a:spcBef>
+                <a:spcPts val="0"/>
+              </a:spcBef>
+              <a:spcAft>
+                <a:spcPts val="0"/>
+              </a:spcAft>
+              <a:buClr>
+                <a:schemeClr val="dk2"/>
+              </a:buClr>
+              <a:buSzPts val="3000"/>
+              <a:buFont typeface="Raleway"/>
+              <a:buNone/>
+              <a:defRPr sz="3000" b="1" i="0" u="none" strike="noStrike" cap="none">
+                <a:solidFill>
+                  <a:schemeClr val="dk2"/>
+                </a:solidFill>
+                <a:latin typeface="Raleway"/>
+                <a:ea typeface="Raleway"/>
+                <a:cs typeface="Raleway"/>
+                <a:sym typeface="Raleway"/>
+              </a:defRPr>
+            </a:lvl9pPr>
+          </a:lstStyle>
+          <a:p>
+            <a:pPr marL="457200" indent="-342900">
+              <a:lnSpc>
+                <a:spcPct val="115000"/>
+              </a:lnSpc>
+              <a:buSzPts val="1800"/>
+              <a:buFont typeface="Lato"/>
+              <a:buChar char="-"/>
+            </a:pPr>
+            <a:r>
+              <a:rPr lang="en" sz="1800" b="0" dirty="0">
+                <a:latin typeface="Lato"/>
+                <a:ea typeface="Lato"/>
+                <a:cs typeface="Lato"/>
+                <a:sym typeface="Lato"/>
+              </a:rPr>
+              <a:t>So far, our project is mostly on track while data clean-up did slow us down on the front end. We have completed cleaning our data, connecting to an AWS server with </a:t>
+            </a:r>
+            <a:r>
+              <a:rPr lang="en" sz="1800" b="0" dirty="0" err="1">
+                <a:latin typeface="Lato"/>
+                <a:ea typeface="Lato"/>
+                <a:cs typeface="Lato"/>
+                <a:sym typeface="Lato"/>
+              </a:rPr>
+              <a:t>postgres</a:t>
+            </a:r>
+            <a:r>
+              <a:rPr lang="en" sz="1800" b="0" dirty="0">
+                <a:latin typeface="Lato"/>
+                <a:ea typeface="Lato"/>
+                <a:cs typeface="Lato"/>
+                <a:sym typeface="Lato"/>
+              </a:rPr>
+              <a:t> for our database. We are moving on to finalizing our machine learning model.</a:t>
+            </a:r>
+          </a:p>
+          <a:p>
+            <a:pPr marL="457200" indent="-342900">
+              <a:lnSpc>
+                <a:spcPct val="115000"/>
+              </a:lnSpc>
+              <a:buSzPts val="1800"/>
+              <a:buFont typeface="Lato"/>
+              <a:buChar char="-"/>
+            </a:pPr>
+            <a:r>
+              <a:rPr lang="en" sz="1800" b="0" dirty="0">
+                <a:latin typeface="Lato"/>
+                <a:ea typeface="Lato"/>
+                <a:cs typeface="Lato"/>
+                <a:sym typeface="Lato"/>
+              </a:rPr>
+              <a:t>When it comes to our dashboard and final presentation, we have identified using Tableau for creating graphics, especially interactive graphs for the dashboard, beyond our initial graphics development in </a:t>
+            </a:r>
+            <a:r>
+              <a:rPr lang="en" sz="1800" b="0" dirty="0" err="1">
+                <a:latin typeface="Lato"/>
+                <a:ea typeface="Lato"/>
+                <a:cs typeface="Lato"/>
+                <a:sym typeface="Lato"/>
+              </a:rPr>
+              <a:t>Jupyter</a:t>
+            </a:r>
+            <a:r>
+              <a:rPr lang="en" sz="1800" b="0" dirty="0">
+                <a:latin typeface="Lato"/>
+                <a:ea typeface="Lato"/>
+                <a:cs typeface="Lato"/>
+                <a:sym typeface="Lato"/>
+              </a:rPr>
+              <a:t> Notebook and Pandas.</a:t>
+            </a:r>
+          </a:p>
+          <a:p>
+            <a:pPr marL="457200" indent="-342900">
+              <a:lnSpc>
+                <a:spcPct val="115000"/>
+              </a:lnSpc>
+              <a:buSzPts val="1800"/>
+              <a:buFont typeface="Lato"/>
+              <a:buChar char="-"/>
+            </a:pPr>
+            <a:r>
+              <a:rPr lang="en" sz="1800" b="0" dirty="0">
+                <a:latin typeface="Lato"/>
+                <a:ea typeface="Lato"/>
+                <a:cs typeface="Lato"/>
+                <a:sym typeface="Lato"/>
+              </a:rPr>
+              <a:t>Our final presentation is well on the way. Team members are currently identifying their key talking points so we can finalize the remaining presentation materials. </a:t>
+            </a:r>
+            <a:endParaRPr lang="en-US" sz="1700" b="0" dirty="0">
+              <a:latin typeface="Lato"/>
+              <a:ea typeface="Lato"/>
+              <a:cs typeface="Lato"/>
+              <a:sym typeface="Lato"/>
+            </a:endParaRPr>
+          </a:p>
+        </p:txBody>
+      </p:sp>
     </p:spTree>
   </p:cSld>
   <p:clrMapOvr>
@@ -7364,7 +8171,288 @@
 </file>
 
 <file path=ppt/theme/theme1.xml><?xml version="1.0" encoding="utf-8"?>
-<a:theme xmlns:a="http://schemas.openxmlformats.org/drawingml/2006/main" xmlns:r="http://schemas.openxmlformats.org/officeDocument/2006/relationships">
+<a:theme xmlns:a="http://schemas.openxmlformats.org/drawingml/2006/main" name="Swiss">
+  <a:themeElements>
+    <a:clrScheme name="Swiss">
+      <a:dk1>
+        <a:srgbClr val="F46524"/>
+      </a:dk1>
+      <a:lt1>
+        <a:srgbClr val="FFFFFF"/>
+      </a:lt1>
+      <a:dk2>
+        <a:srgbClr val="000000"/>
+      </a:dk2>
+      <a:lt2>
+        <a:srgbClr val="757575"/>
+      </a:lt2>
+      <a:accent1>
+        <a:srgbClr val="01579B"/>
+      </a:accent1>
+      <a:accent2>
+        <a:srgbClr val="27C7BD"/>
+      </a:accent2>
+      <a:accent3>
+        <a:srgbClr val="0099E8"/>
+      </a:accent3>
+      <a:accent4>
+        <a:srgbClr val="51B9A3"/>
+      </a:accent4>
+      <a:accent5>
+        <a:srgbClr val="FB8C00"/>
+      </a:accent5>
+      <a:accent6>
+        <a:srgbClr val="FFAE88"/>
+      </a:accent6>
+      <a:hlink>
+        <a:srgbClr val="0277BD"/>
+      </a:hlink>
+      <a:folHlink>
+        <a:srgbClr val="0277BD"/>
+      </a:folHlink>
+    </a:clrScheme>
+    <a:fontScheme name="Office">
+      <a:majorFont>
+        <a:latin typeface="Arial"/>
+        <a:ea typeface=""/>
+        <a:cs typeface=""/>
+        <a:font script="Jpan" typeface="ＭＳ Ｐゴシック"/>
+        <a:font script="Hang" typeface="맑은 고딕"/>
+        <a:font script="Hans" typeface="宋体"/>
+        <a:font script="Hant" typeface="新細明體"/>
+        <a:font script="Arab" typeface="Times New Roman"/>
+        <a:font script="Hebr" typeface="Times New Roman"/>
+        <a:font script="Thai" typeface="Angsana New"/>
+        <a:font script="Ethi" typeface="Nyala"/>
+        <a:font script="Beng" typeface="Vrinda"/>
+        <a:font script="Gujr" typeface="Shruti"/>
+        <a:font script="Khmr" typeface="MoolBoran"/>
+        <a:font script="Knda" typeface="Tunga"/>
+        <a:font script="Guru" typeface="Raavi"/>
+        <a:font script="Cans" typeface="Euphemia"/>
+        <a:font script="Cher" typeface="Plantagenet Cherokee"/>
+        <a:font script="Yiii" typeface="Microsoft Yi Baiti"/>
+        <a:font script="Tibt" typeface="Microsoft Himalaya"/>
+        <a:font script="Thaa" typeface="MV Boli"/>
+        <a:font script="Deva" typeface="Mangal"/>
+        <a:font script="Telu" typeface="Gautami"/>
+        <a:font script="Taml" typeface="Latha"/>
+        <a:font script="Syrc" typeface="Estrangelo Edessa"/>
+        <a:font script="Orya" typeface="Kalinga"/>
+        <a:font script="Mlym" typeface="Kartika"/>
+        <a:font script="Laoo" typeface="DokChampa"/>
+        <a:font script="Sinh" typeface="Iskoola Pota"/>
+        <a:font script="Mong" typeface="Mongolian Baiti"/>
+        <a:font script="Viet" typeface="Times New Roman"/>
+        <a:font script="Uigh" typeface="Microsoft Uighur"/>
+        <a:font script="Geor" typeface="Sylfaen"/>
+      </a:majorFont>
+      <a:minorFont>
+        <a:latin typeface="Arial"/>
+        <a:ea typeface=""/>
+        <a:cs typeface=""/>
+        <a:font script="Jpan" typeface="ＭＳ Ｐゴシック"/>
+        <a:font script="Hang" typeface="맑은 고딕"/>
+        <a:font script="Hans" typeface="宋体"/>
+        <a:font script="Hant" typeface="新細明體"/>
+        <a:font script="Arab" typeface="Arial"/>
+        <a:font script="Hebr" typeface="Arial"/>
+        <a:font script="Thai" typeface="Cordia New"/>
+        <a:font script="Ethi" typeface="Nyala"/>
+        <a:font script="Beng" typeface="Vrinda"/>
+        <a:font script="Gujr" typeface="Shruti"/>
+        <a:font script="Khmr" typeface="DaunPenh"/>
+        <a:font script="Knda" typeface="Tunga"/>
+        <a:font script="Guru" typeface="Raavi"/>
+        <a:font script="Cans" typeface="Euphemia"/>
+        <a:font script="Cher" typeface="Plantagenet Cherokee"/>
+        <a:font script="Yiii" typeface="Microsoft Yi Baiti"/>
+        <a:font script="Tibt" typeface="Microsoft Himalaya"/>
+        <a:font script="Thaa" typeface="MV Boli"/>
+        <a:font script="Deva" typeface="Mangal"/>
+        <a:font script="Telu" typeface="Gautami"/>
+        <a:font script="Taml" typeface="Latha"/>
+        <a:font script="Syrc" typeface="Estrangelo Edessa"/>
+        <a:font script="Orya" typeface="Kalinga"/>
+        <a:font script="Mlym" typeface="Kartika"/>
+        <a:font script="Laoo" typeface="DokChampa"/>
+        <a:font script="Sinh" typeface="Iskoola Pota"/>
+        <a:font script="Mong" typeface="Mongolian Baiti"/>
+        <a:font script="Viet" typeface="Arial"/>
+        <a:font script="Uigh" typeface="Microsoft Uighur"/>
+        <a:font script="Geor" typeface="Sylfaen"/>
+      </a:minorFont>
+    </a:fontScheme>
+    <a:fmtScheme name="Office">
+      <a:fillStyleLst>
+        <a:solidFill>
+          <a:schemeClr val="phClr"/>
+        </a:solidFill>
+        <a:gradFill rotWithShape="1">
+          <a:gsLst>
+            <a:gs pos="0">
+              <a:schemeClr val="phClr">
+                <a:tint val="50000"/>
+                <a:satMod val="300000"/>
+              </a:schemeClr>
+            </a:gs>
+            <a:gs pos="35000">
+              <a:schemeClr val="phClr">
+                <a:tint val="37000"/>
+                <a:satMod val="300000"/>
+              </a:schemeClr>
+            </a:gs>
+            <a:gs pos="100000">
+              <a:schemeClr val="phClr">
+                <a:tint val="15000"/>
+                <a:satMod val="350000"/>
+              </a:schemeClr>
+            </a:gs>
+          </a:gsLst>
+          <a:lin ang="16200000" scaled="1"/>
+        </a:gradFill>
+        <a:gradFill rotWithShape="1">
+          <a:gsLst>
+            <a:gs pos="0">
+              <a:schemeClr val="phClr">
+                <a:tint val="100000"/>
+                <a:shade val="100000"/>
+                <a:satMod val="130000"/>
+              </a:schemeClr>
+            </a:gs>
+            <a:gs pos="100000">
+              <a:schemeClr val="phClr">
+                <a:tint val="50000"/>
+                <a:shade val="100000"/>
+                <a:satMod val="350000"/>
+              </a:schemeClr>
+            </a:gs>
+          </a:gsLst>
+          <a:lin ang="16200000" scaled="0"/>
+        </a:gradFill>
+      </a:fillStyleLst>
+      <a:lnStyleLst>
+        <a:ln w="9525" cap="flat" cmpd="sng" algn="ctr">
+          <a:solidFill>
+            <a:schemeClr val="phClr">
+              <a:shade val="95000"/>
+              <a:satMod val="105000"/>
+            </a:schemeClr>
+          </a:solidFill>
+          <a:prstDash val="solid"/>
+        </a:ln>
+        <a:ln w="25400" cap="flat" cmpd="sng" algn="ctr">
+          <a:solidFill>
+            <a:schemeClr val="phClr"/>
+          </a:solidFill>
+          <a:prstDash val="solid"/>
+        </a:ln>
+        <a:ln w="38100" cap="flat" cmpd="sng" algn="ctr">
+          <a:solidFill>
+            <a:schemeClr val="phClr"/>
+          </a:solidFill>
+          <a:prstDash val="solid"/>
+        </a:ln>
+      </a:lnStyleLst>
+      <a:effectStyleLst>
+        <a:effectStyle>
+          <a:effectLst>
+            <a:outerShdw blurRad="40000" dist="20000" dir="5400000" rotWithShape="0">
+              <a:srgbClr val="000000">
+                <a:alpha val="38000"/>
+              </a:srgbClr>
+            </a:outerShdw>
+          </a:effectLst>
+        </a:effectStyle>
+        <a:effectStyle>
+          <a:effectLst>
+            <a:outerShdw blurRad="40000" dist="23000" dir="5400000" rotWithShape="0">
+              <a:srgbClr val="000000">
+                <a:alpha val="35000"/>
+              </a:srgbClr>
+            </a:outerShdw>
+          </a:effectLst>
+        </a:effectStyle>
+        <a:effectStyle>
+          <a:effectLst>
+            <a:outerShdw blurRad="40000" dist="23000" dir="5400000" rotWithShape="0">
+              <a:srgbClr val="000000">
+                <a:alpha val="35000"/>
+              </a:srgbClr>
+            </a:outerShdw>
+          </a:effectLst>
+          <a:scene3d>
+            <a:camera prst="orthographicFront">
+              <a:rot lat="0" lon="0" rev="0"/>
+            </a:camera>
+            <a:lightRig rig="threePt" dir="t">
+              <a:rot lat="0" lon="0" rev="1200000"/>
+            </a:lightRig>
+          </a:scene3d>
+          <a:sp3d>
+            <a:bevelT w="63500" h="25400"/>
+          </a:sp3d>
+        </a:effectStyle>
+      </a:effectStyleLst>
+      <a:bgFillStyleLst>
+        <a:solidFill>
+          <a:schemeClr val="phClr"/>
+        </a:solidFill>
+        <a:gradFill rotWithShape="1">
+          <a:gsLst>
+            <a:gs pos="0">
+              <a:schemeClr val="phClr">
+                <a:tint val="40000"/>
+                <a:satMod val="350000"/>
+              </a:schemeClr>
+            </a:gs>
+            <a:gs pos="40000">
+              <a:schemeClr val="phClr">
+                <a:tint val="45000"/>
+                <a:shade val="99000"/>
+                <a:satMod val="350000"/>
+              </a:schemeClr>
+            </a:gs>
+            <a:gs pos="100000">
+              <a:schemeClr val="phClr">
+                <a:shade val="20000"/>
+                <a:satMod val="255000"/>
+              </a:schemeClr>
+            </a:gs>
+          </a:gsLst>
+          <a:path path="circle">
+            <a:fillToRect l="50000" t="-80000" r="50000" b="180000"/>
+          </a:path>
+        </a:gradFill>
+        <a:gradFill rotWithShape="1">
+          <a:gsLst>
+            <a:gs pos="0">
+              <a:schemeClr val="phClr">
+                <a:tint val="80000"/>
+                <a:satMod val="300000"/>
+              </a:schemeClr>
+            </a:gs>
+            <a:gs pos="100000">
+              <a:schemeClr val="phClr">
+                <a:shade val="30000"/>
+                <a:satMod val="200000"/>
+              </a:schemeClr>
+            </a:gs>
+          </a:gsLst>
+          <a:path path="circle">
+            <a:fillToRect l="50000" t="50000" r="50000" b="50000"/>
+          </a:path>
+        </a:gradFill>
+      </a:bgFillStyleLst>
+    </a:fmtScheme>
+  </a:themeElements>
+  <a:objectDefaults/>
+  <a:extraClrSchemeLst/>
+</a:theme>
+</file>
+
+<file path=ppt/theme/theme2.xml><?xml version="1.0" encoding="utf-8"?>
+<a:theme xmlns:a="http://schemas.openxmlformats.org/drawingml/2006/main">
   <a:themeElements>
     <a:clrScheme name="Default">
       <a:dk1>
@@ -7639,284 +8727,7 @@
       </a:bgFillStyleLst>
     </a:fmtScheme>
   </a:themeElements>
-</a:theme>
-</file>
-
-<file path=ppt/theme/theme2.xml><?xml version="1.0" encoding="utf-8"?>
-<a:theme xmlns:a="http://schemas.openxmlformats.org/drawingml/2006/main" xmlns:r="http://schemas.openxmlformats.org/officeDocument/2006/relationships" name="Swiss">
-  <a:themeElements>
-    <a:clrScheme name="Swiss">
-      <a:dk1>
-        <a:srgbClr val="F46524"/>
-      </a:dk1>
-      <a:lt1>
-        <a:srgbClr val="FFFFFF"/>
-      </a:lt1>
-      <a:dk2>
-        <a:srgbClr val="000000"/>
-      </a:dk2>
-      <a:lt2>
-        <a:srgbClr val="757575"/>
-      </a:lt2>
-      <a:accent1>
-        <a:srgbClr val="01579B"/>
-      </a:accent1>
-      <a:accent2>
-        <a:srgbClr val="27C7BD"/>
-      </a:accent2>
-      <a:accent3>
-        <a:srgbClr val="0099E8"/>
-      </a:accent3>
-      <a:accent4>
-        <a:srgbClr val="51B9A3"/>
-      </a:accent4>
-      <a:accent5>
-        <a:srgbClr val="FB8C00"/>
-      </a:accent5>
-      <a:accent6>
-        <a:srgbClr val="FFAE88"/>
-      </a:accent6>
-      <a:hlink>
-        <a:srgbClr val="0277BD"/>
-      </a:hlink>
-      <a:folHlink>
-        <a:srgbClr val="0277BD"/>
-      </a:folHlink>
-    </a:clrScheme>
-    <a:fontScheme name="Office">
-      <a:majorFont>
-        <a:latin typeface="Arial"/>
-        <a:ea typeface=""/>
-        <a:cs typeface=""/>
-        <a:font script="Jpan" typeface="ＭＳ Ｐゴシック"/>
-        <a:font script="Hang" typeface="맑은 고딕"/>
-        <a:font script="Hans" typeface="宋体"/>
-        <a:font script="Hant" typeface="新細明體"/>
-        <a:font script="Arab" typeface="Times New Roman"/>
-        <a:font script="Hebr" typeface="Times New Roman"/>
-        <a:font script="Thai" typeface="Angsana New"/>
-        <a:font script="Ethi" typeface="Nyala"/>
-        <a:font script="Beng" typeface="Vrinda"/>
-        <a:font script="Gujr" typeface="Shruti"/>
-        <a:font script="Khmr" typeface="MoolBoran"/>
-        <a:font script="Knda" typeface="Tunga"/>
-        <a:font script="Guru" typeface="Raavi"/>
-        <a:font script="Cans" typeface="Euphemia"/>
-        <a:font script="Cher" typeface="Plantagenet Cherokee"/>
-        <a:font script="Yiii" typeface="Microsoft Yi Baiti"/>
-        <a:font script="Tibt" typeface="Microsoft Himalaya"/>
-        <a:font script="Thaa" typeface="MV Boli"/>
-        <a:font script="Deva" typeface="Mangal"/>
-        <a:font script="Telu" typeface="Gautami"/>
-        <a:font script="Taml" typeface="Latha"/>
-        <a:font script="Syrc" typeface="Estrangelo Edessa"/>
-        <a:font script="Orya" typeface="Kalinga"/>
-        <a:font script="Mlym" typeface="Kartika"/>
-        <a:font script="Laoo" typeface="DokChampa"/>
-        <a:font script="Sinh" typeface="Iskoola Pota"/>
-        <a:font script="Mong" typeface="Mongolian Baiti"/>
-        <a:font script="Viet" typeface="Times New Roman"/>
-        <a:font script="Uigh" typeface="Microsoft Uighur"/>
-        <a:font script="Geor" typeface="Sylfaen"/>
-      </a:majorFont>
-      <a:minorFont>
-        <a:latin typeface="Arial"/>
-        <a:ea typeface=""/>
-        <a:cs typeface=""/>
-        <a:font script="Jpan" typeface="ＭＳ Ｐゴシック"/>
-        <a:font script="Hang" typeface="맑은 고딕"/>
-        <a:font script="Hans" typeface="宋体"/>
-        <a:font script="Hant" typeface="新細明體"/>
-        <a:font script="Arab" typeface="Arial"/>
-        <a:font script="Hebr" typeface="Arial"/>
-        <a:font script="Thai" typeface="Cordia New"/>
-        <a:font script="Ethi" typeface="Nyala"/>
-        <a:font script="Beng" typeface="Vrinda"/>
-        <a:font script="Gujr" typeface="Shruti"/>
-        <a:font script="Khmr" typeface="DaunPenh"/>
-        <a:font script="Knda" typeface="Tunga"/>
-        <a:font script="Guru" typeface="Raavi"/>
-        <a:font script="Cans" typeface="Euphemia"/>
-        <a:font script="Cher" typeface="Plantagenet Cherokee"/>
-        <a:font script="Yiii" typeface="Microsoft Yi Baiti"/>
-        <a:font script="Tibt" typeface="Microsoft Himalaya"/>
-        <a:font script="Thaa" typeface="MV Boli"/>
-        <a:font script="Deva" typeface="Mangal"/>
-        <a:font script="Telu" typeface="Gautami"/>
-        <a:font script="Taml" typeface="Latha"/>
-        <a:font script="Syrc" typeface="Estrangelo Edessa"/>
-        <a:font script="Orya" typeface="Kalinga"/>
-        <a:font script="Mlym" typeface="Kartika"/>
-        <a:font script="Laoo" typeface="DokChampa"/>
-        <a:font script="Sinh" typeface="Iskoola Pota"/>
-        <a:font script="Mong" typeface="Mongolian Baiti"/>
-        <a:font script="Viet" typeface="Arial"/>
-        <a:font script="Uigh" typeface="Microsoft Uighur"/>
-        <a:font script="Geor" typeface="Sylfaen"/>
-      </a:minorFont>
-    </a:fontScheme>
-    <a:fmtScheme name="Office">
-      <a:fillStyleLst>
-        <a:solidFill>
-          <a:schemeClr val="phClr"/>
-        </a:solidFill>
-        <a:gradFill rotWithShape="1">
-          <a:gsLst>
-            <a:gs pos="0">
-              <a:schemeClr val="phClr">
-                <a:tint val="50000"/>
-                <a:satMod val="300000"/>
-              </a:schemeClr>
-            </a:gs>
-            <a:gs pos="35000">
-              <a:schemeClr val="phClr">
-                <a:tint val="37000"/>
-                <a:satMod val="300000"/>
-              </a:schemeClr>
-            </a:gs>
-            <a:gs pos="100000">
-              <a:schemeClr val="phClr">
-                <a:tint val="15000"/>
-                <a:satMod val="350000"/>
-              </a:schemeClr>
-            </a:gs>
-          </a:gsLst>
-          <a:lin ang="16200000" scaled="1"/>
-        </a:gradFill>
-        <a:gradFill rotWithShape="1">
-          <a:gsLst>
-            <a:gs pos="0">
-              <a:schemeClr val="phClr">
-                <a:tint val="100000"/>
-                <a:shade val="100000"/>
-                <a:satMod val="130000"/>
-              </a:schemeClr>
-            </a:gs>
-            <a:gs pos="100000">
-              <a:schemeClr val="phClr">
-                <a:tint val="50000"/>
-                <a:shade val="100000"/>
-                <a:satMod val="350000"/>
-              </a:schemeClr>
-            </a:gs>
-          </a:gsLst>
-          <a:lin ang="16200000" scaled="0"/>
-        </a:gradFill>
-      </a:fillStyleLst>
-      <a:lnStyleLst>
-        <a:ln w="9525" cap="flat" cmpd="sng" algn="ctr">
-          <a:solidFill>
-            <a:schemeClr val="phClr">
-              <a:shade val="95000"/>
-              <a:satMod val="105000"/>
-            </a:schemeClr>
-          </a:solidFill>
-          <a:prstDash val="solid"/>
-        </a:ln>
-        <a:ln w="25400" cap="flat" cmpd="sng" algn="ctr">
-          <a:solidFill>
-            <a:schemeClr val="phClr"/>
-          </a:solidFill>
-          <a:prstDash val="solid"/>
-        </a:ln>
-        <a:ln w="38100" cap="flat" cmpd="sng" algn="ctr">
-          <a:solidFill>
-            <a:schemeClr val="phClr"/>
-          </a:solidFill>
-          <a:prstDash val="solid"/>
-        </a:ln>
-      </a:lnStyleLst>
-      <a:effectStyleLst>
-        <a:effectStyle>
-          <a:effectLst>
-            <a:outerShdw blurRad="40000" dist="20000" dir="5400000" rotWithShape="0">
-              <a:srgbClr val="000000">
-                <a:alpha val="38000"/>
-              </a:srgbClr>
-            </a:outerShdw>
-          </a:effectLst>
-        </a:effectStyle>
-        <a:effectStyle>
-          <a:effectLst>
-            <a:outerShdw blurRad="40000" dist="23000" dir="5400000" rotWithShape="0">
-              <a:srgbClr val="000000">
-                <a:alpha val="35000"/>
-              </a:srgbClr>
-            </a:outerShdw>
-          </a:effectLst>
-        </a:effectStyle>
-        <a:effectStyle>
-          <a:effectLst>
-            <a:outerShdw blurRad="40000" dist="23000" dir="5400000" rotWithShape="0">
-              <a:srgbClr val="000000">
-                <a:alpha val="35000"/>
-              </a:srgbClr>
-            </a:outerShdw>
-          </a:effectLst>
-          <a:scene3d>
-            <a:camera prst="orthographicFront">
-              <a:rot lat="0" lon="0" rev="0"/>
-            </a:camera>
-            <a:lightRig rig="threePt" dir="t">
-              <a:rot lat="0" lon="0" rev="1200000"/>
-            </a:lightRig>
-          </a:scene3d>
-          <a:sp3d>
-            <a:bevelT w="63500" h="25400"/>
-          </a:sp3d>
-        </a:effectStyle>
-      </a:effectStyleLst>
-      <a:bgFillStyleLst>
-        <a:solidFill>
-          <a:schemeClr val="phClr"/>
-        </a:solidFill>
-        <a:gradFill rotWithShape="1">
-          <a:gsLst>
-            <a:gs pos="0">
-              <a:schemeClr val="phClr">
-                <a:tint val="40000"/>
-                <a:satMod val="350000"/>
-              </a:schemeClr>
-            </a:gs>
-            <a:gs pos="40000">
-              <a:schemeClr val="phClr">
-                <a:tint val="45000"/>
-                <a:shade val="99000"/>
-                <a:satMod val="350000"/>
-              </a:schemeClr>
-            </a:gs>
-            <a:gs pos="100000">
-              <a:schemeClr val="phClr">
-                <a:shade val="20000"/>
-                <a:satMod val="255000"/>
-              </a:schemeClr>
-            </a:gs>
-          </a:gsLst>
-          <a:path path="circle">
-            <a:fillToRect l="50000" t="-80000" r="50000" b="180000"/>
-          </a:path>
-        </a:gradFill>
-        <a:gradFill rotWithShape="1">
-          <a:gsLst>
-            <a:gs pos="0">
-              <a:schemeClr val="phClr">
-                <a:tint val="80000"/>
-                <a:satMod val="300000"/>
-              </a:schemeClr>
-            </a:gs>
-            <a:gs pos="100000">
-              <a:schemeClr val="phClr">
-                <a:shade val="30000"/>
-                <a:satMod val="200000"/>
-              </a:schemeClr>
-            </a:gs>
-          </a:gsLst>
-          <a:path path="circle">
-            <a:fillToRect l="50000" t="50000" r="50000" b="50000"/>
-          </a:path>
-        </a:gradFill>
-      </a:bgFillStyleLst>
-    </a:fmtScheme>
-  </a:themeElements>
+  <a:objectDefaults/>
+  <a:extraClrSchemeLst/>
 </a:theme>
 </file>